--- a/Necesario.PPT.pptx
+++ b/Necesario.PPT.pptx
@@ -7611,14 +7611,19 @@
             <p:ph type="title"/>
           </p:nvPr>
         </p:nvSpPr>
-        <p:spPr/>
+        <p:spPr>
+          <a:xfrm>
+            <a:off x="4021976" y="234003"/>
+            <a:ext cx="4754880" cy="992124"/>
+          </a:xfrm>
+        </p:spPr>
         <p:txBody>
           <a:bodyPr/>
           <a:lstStyle/>
           <a:p>
             <a:r>
-              <a:rPr lang="en-US" smtClean="0"/>
-              <a:t>CONTENTS</a:t>
+              <a:rPr lang="en-US" dirty="0" smtClean="0"/>
+              <a:t>INTRODUCTION</a:t>
             </a:r>
             <a:endParaRPr lang="en-US" dirty="0"/>
           </a:p>
@@ -7636,25 +7641,38 @@
         </p:nvSpPr>
         <p:spPr/>
         <p:txBody>
-          <a:bodyPr/>
+          <a:bodyPr>
+            <a:normAutofit/>
+          </a:bodyPr>
           <a:lstStyle/>
           <a:p>
-            <a:r>
-              <a:rPr lang="en-US" dirty="0"/>
-              <a:t>Add your first bullet point here</a:t>
-            </a:r>
-          </a:p>
-          <a:p>
-            <a:r>
-              <a:rPr lang="en-US" dirty="0"/>
-              <a:t>Add your second bullet point here</a:t>
-            </a:r>
-          </a:p>
-          <a:p>
-            <a:r>
-              <a:rPr lang="en-US" dirty="0"/>
-              <a:t>Add your third bullet point here</a:t>
-            </a:r>
+            <a:pPr marL="45720" indent="0">
+              <a:lnSpc>
+                <a:spcPct val="150000"/>
+              </a:lnSpc>
+              <a:buNone/>
+            </a:pPr>
+            <a:r>
+              <a:rPr lang="en-US" sz="2800" dirty="0" smtClean="0"/>
+              <a:t>“</a:t>
+            </a:r>
+            <a:r>
+              <a:rPr lang="en-US" sz="2400" dirty="0" smtClean="0"/>
+              <a:t>Welcome </a:t>
+            </a:r>
+            <a:r>
+              <a:rPr lang="en-US" sz="2400" dirty="0"/>
+              <a:t>to my presentation on </a:t>
+            </a:r>
+            <a:r>
+              <a:rPr lang="en-US" sz="2400" dirty="0" smtClean="0"/>
+              <a:t>Maldives, </a:t>
+            </a:r>
+            <a:r>
+              <a:rPr lang="en-US" sz="2400" dirty="0"/>
+              <a:t>a place that has captured my imagination and inspired my travel dreams. Nestled in the heart of [Region/Country], this destination offers a unique blend of breathtaking landscapes, rich cultural heritage, and unforgettable experiences. Join me as we embark on a journey to discover what makes [Your Destination] so special and why it should be on everyone’s travel bucket list.”</a:t>
+            </a:r>
+            <a:endParaRPr lang="en-US" sz="2400" dirty="0"/>
           </a:p>
         </p:txBody>
       </p:sp>
@@ -7707,31 +7725,9 @@
           <a:chExt cx="0" cy="0"/>
         </a:xfrm>
       </p:grpSpPr>
-      <p:sp>
-        <p:nvSpPr>
-          <p:cNvPr id="2" name="Title 1"/>
-          <p:cNvSpPr>
-            <a:spLocks noGrp="1"/>
-          </p:cNvSpPr>
-          <p:nvPr>
-            <p:ph type="title"/>
-          </p:nvPr>
-        </p:nvSpPr>
-        <p:spPr/>
-        <p:txBody>
-          <a:bodyPr/>
-          <a:lstStyle/>
-          <a:p>
-            <a:r>
-              <a:rPr lang="en-US" dirty="0"/>
-              <a:t>Title and Content Layout with Chart</a:t>
-            </a:r>
-          </a:p>
-        </p:txBody>
-      </p:sp>
       <p:pic>
         <p:nvPicPr>
-          <p:cNvPr id="1026" name="Picture 2" descr="THE 10 BEST Tourist Spots in Philippines 2024 (with Photos)"/>
+          <p:cNvPr id="1032" name="Picture 8" descr="Image 1 of Maldives"/>
           <p:cNvPicPr>
             <a:picLocks noGrp="1" noChangeAspect="1" noChangeArrowheads="1"/>
           </p:cNvPicPr>
@@ -7754,8 +7750,8 @@
         </p:blipFill>
         <p:spPr bwMode="auto">
           <a:xfrm>
-            <a:off x="1381319" y="1573213"/>
-            <a:ext cx="5819582" cy="4141787"/>
+            <a:off x="717114" y="1505095"/>
+            <a:ext cx="7387796" cy="3847810"/>
           </a:xfrm>
           <a:prstGeom prst="roundRect">
             <a:avLst>
@@ -7786,14 +7782,42 @@
       </p:pic>
       <p:sp>
         <p:nvSpPr>
+          <p:cNvPr id="2" name="Title 1"/>
+          <p:cNvSpPr>
+            <a:spLocks noGrp="1"/>
+          </p:cNvSpPr>
+          <p:nvPr>
+            <p:ph type="title"/>
+          </p:nvPr>
+        </p:nvSpPr>
+        <p:spPr>
+          <a:xfrm>
+            <a:off x="1247602" y="145473"/>
+            <a:ext cx="9509759" cy="1083148"/>
+          </a:xfrm>
+        </p:spPr>
+        <p:txBody>
+          <a:bodyPr/>
+          <a:lstStyle/>
+          <a:p>
+            <a:r>
+              <a:rPr lang="en-US" dirty="0" smtClean="0"/>
+              <a:t>MY DREAM DESTINATION</a:t>
+            </a:r>
+            <a:endParaRPr lang="en-US" dirty="0"/>
+          </a:p>
+        </p:txBody>
+      </p:sp>
+      <p:sp>
+        <p:nvSpPr>
           <p:cNvPr id="6" name="TextBox 5"/>
           <p:cNvSpPr txBox="1"/>
           <p:nvPr/>
         </p:nvSpPr>
         <p:spPr>
           <a:xfrm>
-            <a:off x="7834746" y="2015837"/>
-            <a:ext cx="3958936" cy="1200329"/>
+            <a:off x="8427028" y="1465120"/>
+            <a:ext cx="3553690" cy="1200329"/>
           </a:xfrm>
           <a:prstGeom prst="rect">
             <a:avLst/>
@@ -7813,16 +7837,20 @@
             <a:r>
               <a:rPr lang="en-US" b="1" dirty="0" smtClean="0">
                 <a:solidFill>
-                  <a:schemeClr val="tx2"/>
+                  <a:schemeClr val="accent2">
+                    <a:lumMod val="50000"/>
+                  </a:schemeClr>
                 </a:solidFill>
               </a:rPr>
-              <a:t>MALAY AKLAN</a:t>
+              <a:t>MALDIVES</a:t>
             </a:r>
           </a:p>
           <a:p>
             <a:endParaRPr lang="en-US" b="1" dirty="0">
               <a:solidFill>
-                <a:schemeClr val="tx2"/>
+                <a:schemeClr val="accent2">
+                  <a:lumMod val="50000"/>
+                </a:schemeClr>
               </a:solidFill>
             </a:endParaRPr>
           </a:p>
@@ -7830,14 +7858,18 @@
             <a:r>
               <a:rPr lang="en-US" dirty="0" smtClean="0">
                 <a:solidFill>
-                  <a:schemeClr val="tx2"/>
+                  <a:schemeClr val="accent2">
+                    <a:lumMod val="50000"/>
+                  </a:schemeClr>
                 </a:solidFill>
               </a:rPr>
               <a:t>- This is one of My favorite travel spot because</a:t>
             </a:r>
             <a:endParaRPr lang="en-US" dirty="0">
               <a:solidFill>
-                <a:schemeClr val="tx2"/>
+                <a:schemeClr val="accent2">
+                  <a:lumMod val="50000"/>
+                </a:schemeClr>
               </a:solidFill>
             </a:endParaRPr>
           </a:p>

--- a/Necesario.PPT.pptx
+++ b/Necesario.PPT.pptx
@@ -5,23 +5,21 @@
     <p:sldMasterId id="2147483840" r:id="rId1"/>
   </p:sldMasterIdLst>
   <p:notesMasterIdLst>
-    <p:notesMasterId r:id="rId13"/>
+    <p:notesMasterId r:id="rId11"/>
   </p:notesMasterIdLst>
   <p:handoutMasterIdLst>
-    <p:handoutMasterId r:id="rId14"/>
+    <p:handoutMasterId r:id="rId12"/>
   </p:handoutMasterIdLst>
   <p:sldIdLst>
     <p:sldId id="256" r:id="rId2"/>
     <p:sldId id="257" r:id="rId3"/>
-    <p:sldId id="258" r:id="rId4"/>
-    <p:sldId id="266" r:id="rId5"/>
-    <p:sldId id="260" r:id="rId6"/>
-    <p:sldId id="259" r:id="rId7"/>
-    <p:sldId id="261" r:id="rId8"/>
-    <p:sldId id="262" r:id="rId9"/>
-    <p:sldId id="263" r:id="rId10"/>
-    <p:sldId id="264" r:id="rId11"/>
-    <p:sldId id="265" r:id="rId12"/>
+    <p:sldId id="267" r:id="rId4"/>
+    <p:sldId id="258" r:id="rId5"/>
+    <p:sldId id="266" r:id="rId6"/>
+    <p:sldId id="260" r:id="rId7"/>
+    <p:sldId id="259" r:id="rId8"/>
+    <p:sldId id="268" r:id="rId9"/>
+    <p:sldId id="261" r:id="rId10"/>
   </p:sldIdLst>
   <p:sldSz cx="12192000" cy="6858000"/>
   <p:notesSz cx="6858000" cy="9144000"/>
@@ -140,2907 +138,6 @@
     </p:ext>
   </p:extLst>
 </p:presentation>
-</file>
-
-<file path=ppt/diagrams/colors1.xml><?xml version="1.0" encoding="utf-8"?>
-<dgm:colorsDef xmlns:dgm="http://schemas.openxmlformats.org/drawingml/2006/diagram" xmlns:a="http://schemas.openxmlformats.org/drawingml/2006/main" uniqueId="urn:microsoft.com/office/officeart/2005/8/colors/accent2_2">
-  <dgm:title val=""/>
-  <dgm:desc val=""/>
-  <dgm:catLst>
-    <dgm:cat type="accent2" pri="11200"/>
-  </dgm:catLst>
-  <dgm:styleLbl name="node0">
-    <dgm:fillClrLst meth="repeat">
-      <a:schemeClr val="accent2"/>
-    </dgm:fillClrLst>
-    <dgm:linClrLst meth="repeat">
-      <a:schemeClr val="lt1"/>
-    </dgm:linClrLst>
-    <dgm:effectClrLst/>
-    <dgm:txLinClrLst/>
-    <dgm:txFillClrLst/>
-    <dgm:txEffectClrLst/>
-  </dgm:styleLbl>
-  <dgm:styleLbl name="node1">
-    <dgm:fillClrLst meth="repeat">
-      <a:schemeClr val="accent2"/>
-    </dgm:fillClrLst>
-    <dgm:linClrLst meth="repeat">
-      <a:schemeClr val="lt1"/>
-    </dgm:linClrLst>
-    <dgm:effectClrLst/>
-    <dgm:txLinClrLst/>
-    <dgm:txFillClrLst/>
-    <dgm:txEffectClrLst/>
-  </dgm:styleLbl>
-  <dgm:styleLbl name="alignNode1">
-    <dgm:fillClrLst meth="repeat">
-      <a:schemeClr val="accent2"/>
-    </dgm:fillClrLst>
-    <dgm:linClrLst meth="repeat">
-      <a:schemeClr val="accent2"/>
-    </dgm:linClrLst>
-    <dgm:effectClrLst/>
-    <dgm:txLinClrLst/>
-    <dgm:txFillClrLst/>
-    <dgm:txEffectClrLst/>
-  </dgm:styleLbl>
-  <dgm:styleLbl name="lnNode1">
-    <dgm:fillClrLst meth="repeat">
-      <a:schemeClr val="accent2"/>
-    </dgm:fillClrLst>
-    <dgm:linClrLst meth="repeat">
-      <a:schemeClr val="lt1"/>
-    </dgm:linClrLst>
-    <dgm:effectClrLst/>
-    <dgm:txLinClrLst/>
-    <dgm:txFillClrLst/>
-    <dgm:txEffectClrLst/>
-  </dgm:styleLbl>
-  <dgm:styleLbl name="vennNode1">
-    <dgm:fillClrLst meth="repeat">
-      <a:schemeClr val="accent2">
-        <a:alpha val="50000"/>
-      </a:schemeClr>
-    </dgm:fillClrLst>
-    <dgm:linClrLst meth="repeat">
-      <a:schemeClr val="lt1"/>
-    </dgm:linClrLst>
-    <dgm:effectClrLst/>
-    <dgm:txLinClrLst/>
-    <dgm:txFillClrLst/>
-    <dgm:txEffectClrLst/>
-  </dgm:styleLbl>
-  <dgm:styleLbl name="node2">
-    <dgm:fillClrLst meth="repeat">
-      <a:schemeClr val="accent2"/>
-    </dgm:fillClrLst>
-    <dgm:linClrLst meth="repeat">
-      <a:schemeClr val="lt1"/>
-    </dgm:linClrLst>
-    <dgm:effectClrLst/>
-    <dgm:txLinClrLst/>
-    <dgm:txFillClrLst/>
-    <dgm:txEffectClrLst/>
-  </dgm:styleLbl>
-  <dgm:styleLbl name="node3">
-    <dgm:fillClrLst meth="repeat">
-      <a:schemeClr val="accent2"/>
-    </dgm:fillClrLst>
-    <dgm:linClrLst meth="repeat">
-      <a:schemeClr val="lt1"/>
-    </dgm:linClrLst>
-    <dgm:effectClrLst/>
-    <dgm:txLinClrLst/>
-    <dgm:txFillClrLst/>
-    <dgm:txEffectClrLst/>
-  </dgm:styleLbl>
-  <dgm:styleLbl name="node4">
-    <dgm:fillClrLst meth="repeat">
-      <a:schemeClr val="accent2"/>
-    </dgm:fillClrLst>
-    <dgm:linClrLst meth="repeat">
-      <a:schemeClr val="lt1"/>
-    </dgm:linClrLst>
-    <dgm:effectClrLst/>
-    <dgm:txLinClrLst/>
-    <dgm:txFillClrLst/>
-    <dgm:txEffectClrLst/>
-  </dgm:styleLbl>
-  <dgm:styleLbl name="fgImgPlace1">
-    <dgm:fillClrLst meth="repeat">
-      <a:schemeClr val="accent2">
-        <a:tint val="50000"/>
-      </a:schemeClr>
-    </dgm:fillClrLst>
-    <dgm:linClrLst meth="repeat">
-      <a:schemeClr val="lt1"/>
-    </dgm:linClrLst>
-    <dgm:effectClrLst/>
-    <dgm:txLinClrLst/>
-    <dgm:txFillClrLst meth="repeat">
-      <a:schemeClr val="lt1"/>
-    </dgm:txFillClrLst>
-    <dgm:txEffectClrLst/>
-  </dgm:styleLbl>
-  <dgm:styleLbl name="alignImgPlace1">
-    <dgm:fillClrLst meth="repeat">
-      <a:schemeClr val="accent2">
-        <a:tint val="50000"/>
-      </a:schemeClr>
-    </dgm:fillClrLst>
-    <dgm:linClrLst meth="repeat">
-      <a:schemeClr val="lt1"/>
-    </dgm:linClrLst>
-    <dgm:effectClrLst/>
-    <dgm:txLinClrLst/>
-    <dgm:txFillClrLst meth="repeat">
-      <a:schemeClr val="lt1"/>
-    </dgm:txFillClrLst>
-    <dgm:txEffectClrLst/>
-  </dgm:styleLbl>
-  <dgm:styleLbl name="bgImgPlace1">
-    <dgm:fillClrLst meth="repeat">
-      <a:schemeClr val="accent2">
-        <a:tint val="50000"/>
-      </a:schemeClr>
-    </dgm:fillClrLst>
-    <dgm:linClrLst meth="repeat">
-      <a:schemeClr val="lt1"/>
-    </dgm:linClrLst>
-    <dgm:effectClrLst/>
-    <dgm:txLinClrLst/>
-    <dgm:txFillClrLst meth="repeat">
-      <a:schemeClr val="lt1"/>
-    </dgm:txFillClrLst>
-    <dgm:txEffectClrLst/>
-  </dgm:styleLbl>
-  <dgm:styleLbl name="sibTrans2D1">
-    <dgm:fillClrLst meth="repeat">
-      <a:schemeClr val="accent2">
-        <a:tint val="60000"/>
-      </a:schemeClr>
-    </dgm:fillClrLst>
-    <dgm:linClrLst meth="repeat">
-      <a:schemeClr val="accent2">
-        <a:tint val="60000"/>
-      </a:schemeClr>
-    </dgm:linClrLst>
-    <dgm:effectClrLst/>
-    <dgm:txLinClrLst/>
-    <dgm:txFillClrLst/>
-    <dgm:txEffectClrLst/>
-  </dgm:styleLbl>
-  <dgm:styleLbl name="fgSibTrans2D1">
-    <dgm:fillClrLst meth="repeat">
-      <a:schemeClr val="accent2">
-        <a:tint val="60000"/>
-      </a:schemeClr>
-    </dgm:fillClrLst>
-    <dgm:linClrLst meth="repeat">
-      <a:schemeClr val="accent2">
-        <a:tint val="60000"/>
-      </a:schemeClr>
-    </dgm:linClrLst>
-    <dgm:effectClrLst/>
-    <dgm:txLinClrLst/>
-    <dgm:txFillClrLst/>
-    <dgm:txEffectClrLst/>
-  </dgm:styleLbl>
-  <dgm:styleLbl name="bgSibTrans2D1">
-    <dgm:fillClrLst meth="repeat">
-      <a:schemeClr val="accent2">
-        <a:tint val="60000"/>
-      </a:schemeClr>
-    </dgm:fillClrLst>
-    <dgm:linClrLst meth="repeat">
-      <a:schemeClr val="accent2">
-        <a:tint val="60000"/>
-      </a:schemeClr>
-    </dgm:linClrLst>
-    <dgm:effectClrLst/>
-    <dgm:txLinClrLst/>
-    <dgm:txFillClrLst/>
-    <dgm:txEffectClrLst/>
-  </dgm:styleLbl>
-  <dgm:styleLbl name="sibTrans1D1">
-    <dgm:fillClrLst meth="repeat">
-      <a:schemeClr val="accent2"/>
-    </dgm:fillClrLst>
-    <dgm:linClrLst meth="repeat">
-      <a:schemeClr val="accent2"/>
-    </dgm:linClrLst>
-    <dgm:effectClrLst/>
-    <dgm:txLinClrLst/>
-    <dgm:txFillClrLst meth="repeat">
-      <a:schemeClr val="tx1"/>
-    </dgm:txFillClrLst>
-    <dgm:txEffectClrLst/>
-  </dgm:styleLbl>
-  <dgm:styleLbl name="callout">
-    <dgm:fillClrLst meth="repeat">
-      <a:schemeClr val="accent2"/>
-    </dgm:fillClrLst>
-    <dgm:linClrLst meth="repeat">
-      <a:schemeClr val="accent2">
-        <a:tint val="50000"/>
-      </a:schemeClr>
-    </dgm:linClrLst>
-    <dgm:effectClrLst/>
-    <dgm:txLinClrLst/>
-    <dgm:txFillClrLst meth="repeat">
-      <a:schemeClr val="tx1"/>
-    </dgm:txFillClrLst>
-    <dgm:txEffectClrLst/>
-  </dgm:styleLbl>
-  <dgm:styleLbl name="asst0">
-    <dgm:fillClrLst meth="repeat">
-      <a:schemeClr val="accent2"/>
-    </dgm:fillClrLst>
-    <dgm:linClrLst meth="repeat">
-      <a:schemeClr val="lt1"/>
-    </dgm:linClrLst>
-    <dgm:effectClrLst/>
-    <dgm:txLinClrLst/>
-    <dgm:txFillClrLst/>
-    <dgm:txEffectClrLst/>
-  </dgm:styleLbl>
-  <dgm:styleLbl name="asst1">
-    <dgm:fillClrLst meth="repeat">
-      <a:schemeClr val="accent2"/>
-    </dgm:fillClrLst>
-    <dgm:linClrLst meth="repeat">
-      <a:schemeClr val="lt1"/>
-    </dgm:linClrLst>
-    <dgm:effectClrLst/>
-    <dgm:txLinClrLst/>
-    <dgm:txFillClrLst/>
-    <dgm:txEffectClrLst/>
-  </dgm:styleLbl>
-  <dgm:styleLbl name="asst2">
-    <dgm:fillClrLst meth="repeat">
-      <a:schemeClr val="accent2"/>
-    </dgm:fillClrLst>
-    <dgm:linClrLst meth="repeat">
-      <a:schemeClr val="lt1"/>
-    </dgm:linClrLst>
-    <dgm:effectClrLst/>
-    <dgm:txLinClrLst/>
-    <dgm:txFillClrLst/>
-    <dgm:txEffectClrLst/>
-  </dgm:styleLbl>
-  <dgm:styleLbl name="asst3">
-    <dgm:fillClrLst meth="repeat">
-      <a:schemeClr val="accent2"/>
-    </dgm:fillClrLst>
-    <dgm:linClrLst meth="repeat">
-      <a:schemeClr val="lt1"/>
-    </dgm:linClrLst>
-    <dgm:effectClrLst/>
-    <dgm:txLinClrLst/>
-    <dgm:txFillClrLst/>
-    <dgm:txEffectClrLst/>
-  </dgm:styleLbl>
-  <dgm:styleLbl name="asst4">
-    <dgm:fillClrLst meth="repeat">
-      <a:schemeClr val="accent2"/>
-    </dgm:fillClrLst>
-    <dgm:linClrLst meth="repeat">
-      <a:schemeClr val="lt1"/>
-    </dgm:linClrLst>
-    <dgm:effectClrLst/>
-    <dgm:txLinClrLst/>
-    <dgm:txFillClrLst/>
-    <dgm:txEffectClrLst/>
-  </dgm:styleLbl>
-  <dgm:styleLbl name="parChTrans2D1">
-    <dgm:fillClrLst meth="repeat">
-      <a:schemeClr val="accent2">
-        <a:tint val="60000"/>
-      </a:schemeClr>
-    </dgm:fillClrLst>
-    <dgm:linClrLst meth="repeat">
-      <a:schemeClr val="accent2">
-        <a:tint val="60000"/>
-      </a:schemeClr>
-    </dgm:linClrLst>
-    <dgm:effectClrLst/>
-    <dgm:txLinClrLst/>
-    <dgm:txFillClrLst meth="repeat">
-      <a:schemeClr val="lt1"/>
-    </dgm:txFillClrLst>
-    <dgm:txEffectClrLst/>
-  </dgm:styleLbl>
-  <dgm:styleLbl name="parChTrans2D2">
-    <dgm:fillClrLst meth="repeat">
-      <a:schemeClr val="accent2"/>
-    </dgm:fillClrLst>
-    <dgm:linClrLst meth="repeat">
-      <a:schemeClr val="accent2"/>
-    </dgm:linClrLst>
-    <dgm:effectClrLst/>
-    <dgm:txLinClrLst/>
-    <dgm:txFillClrLst meth="repeat">
-      <a:schemeClr val="lt1"/>
-    </dgm:txFillClrLst>
-    <dgm:txEffectClrLst/>
-  </dgm:styleLbl>
-  <dgm:styleLbl name="parChTrans2D3">
-    <dgm:fillClrLst meth="repeat">
-      <a:schemeClr val="accent2"/>
-    </dgm:fillClrLst>
-    <dgm:linClrLst meth="repeat">
-      <a:schemeClr val="accent2"/>
-    </dgm:linClrLst>
-    <dgm:effectClrLst/>
-    <dgm:txLinClrLst/>
-    <dgm:txFillClrLst meth="repeat">
-      <a:schemeClr val="lt1"/>
-    </dgm:txFillClrLst>
-    <dgm:txEffectClrLst/>
-  </dgm:styleLbl>
-  <dgm:styleLbl name="parChTrans2D4">
-    <dgm:fillClrLst meth="repeat">
-      <a:schemeClr val="accent2"/>
-    </dgm:fillClrLst>
-    <dgm:linClrLst meth="repeat">
-      <a:schemeClr val="accent2"/>
-    </dgm:linClrLst>
-    <dgm:effectClrLst/>
-    <dgm:txLinClrLst/>
-    <dgm:txFillClrLst meth="repeat">
-      <a:schemeClr val="lt1"/>
-    </dgm:txFillClrLst>
-    <dgm:txEffectClrLst/>
-  </dgm:styleLbl>
-  <dgm:styleLbl name="parChTrans1D1">
-    <dgm:fillClrLst meth="repeat">
-      <a:schemeClr val="accent2"/>
-    </dgm:fillClrLst>
-    <dgm:linClrLst meth="repeat">
-      <a:schemeClr val="accent2">
-        <a:shade val="60000"/>
-      </a:schemeClr>
-    </dgm:linClrLst>
-    <dgm:effectClrLst/>
-    <dgm:txLinClrLst/>
-    <dgm:txFillClrLst meth="repeat">
-      <a:schemeClr val="tx1"/>
-    </dgm:txFillClrLst>
-    <dgm:txEffectClrLst/>
-  </dgm:styleLbl>
-  <dgm:styleLbl name="parChTrans1D2">
-    <dgm:fillClrLst meth="repeat">
-      <a:schemeClr val="accent2"/>
-    </dgm:fillClrLst>
-    <dgm:linClrLst meth="repeat">
-      <a:schemeClr val="accent2">
-        <a:shade val="60000"/>
-      </a:schemeClr>
-    </dgm:linClrLst>
-    <dgm:effectClrLst/>
-    <dgm:txLinClrLst/>
-    <dgm:txFillClrLst meth="repeat">
-      <a:schemeClr val="tx1"/>
-    </dgm:txFillClrLst>
-    <dgm:txEffectClrLst/>
-  </dgm:styleLbl>
-  <dgm:styleLbl name="parChTrans1D3">
-    <dgm:fillClrLst meth="repeat">
-      <a:schemeClr val="accent2"/>
-    </dgm:fillClrLst>
-    <dgm:linClrLst meth="repeat">
-      <a:schemeClr val="accent2">
-        <a:shade val="80000"/>
-      </a:schemeClr>
-    </dgm:linClrLst>
-    <dgm:effectClrLst/>
-    <dgm:txLinClrLst/>
-    <dgm:txFillClrLst meth="repeat">
-      <a:schemeClr val="tx1"/>
-    </dgm:txFillClrLst>
-    <dgm:txEffectClrLst/>
-  </dgm:styleLbl>
-  <dgm:styleLbl name="parChTrans1D4">
-    <dgm:fillClrLst meth="repeat">
-      <a:schemeClr val="accent2"/>
-    </dgm:fillClrLst>
-    <dgm:linClrLst meth="repeat">
-      <a:schemeClr val="accent2">
-        <a:shade val="80000"/>
-      </a:schemeClr>
-    </dgm:linClrLst>
-    <dgm:effectClrLst/>
-    <dgm:txLinClrLst/>
-    <dgm:txFillClrLst meth="repeat">
-      <a:schemeClr val="tx1"/>
-    </dgm:txFillClrLst>
-    <dgm:txEffectClrLst/>
-  </dgm:styleLbl>
-  <dgm:styleLbl name="fgAcc1">
-    <dgm:fillClrLst meth="repeat">
-      <a:schemeClr val="lt1">
-        <a:alpha val="90000"/>
-      </a:schemeClr>
-    </dgm:fillClrLst>
-    <dgm:linClrLst meth="repeat">
-      <a:schemeClr val="accent2"/>
-    </dgm:linClrLst>
-    <dgm:effectClrLst/>
-    <dgm:txLinClrLst/>
-    <dgm:txFillClrLst meth="repeat">
-      <a:schemeClr val="dk1"/>
-    </dgm:txFillClrLst>
-    <dgm:txEffectClrLst/>
-  </dgm:styleLbl>
-  <dgm:styleLbl name="conFgAcc1">
-    <dgm:fillClrLst meth="repeat">
-      <a:schemeClr val="lt1">
-        <a:alpha val="90000"/>
-      </a:schemeClr>
-    </dgm:fillClrLst>
-    <dgm:linClrLst meth="repeat">
-      <a:schemeClr val="accent2"/>
-    </dgm:linClrLst>
-    <dgm:effectClrLst/>
-    <dgm:txLinClrLst/>
-    <dgm:txFillClrLst meth="repeat">
-      <a:schemeClr val="dk1"/>
-    </dgm:txFillClrLst>
-    <dgm:txEffectClrLst/>
-  </dgm:styleLbl>
-  <dgm:styleLbl name="alignAcc1">
-    <dgm:fillClrLst meth="repeat">
-      <a:schemeClr val="lt1">
-        <a:alpha val="90000"/>
-      </a:schemeClr>
-    </dgm:fillClrLst>
-    <dgm:linClrLst meth="repeat">
-      <a:schemeClr val="accent2"/>
-    </dgm:linClrLst>
-    <dgm:effectClrLst/>
-    <dgm:txLinClrLst/>
-    <dgm:txFillClrLst meth="repeat">
-      <a:schemeClr val="dk1"/>
-    </dgm:txFillClrLst>
-    <dgm:txEffectClrLst/>
-  </dgm:styleLbl>
-  <dgm:styleLbl name="trAlignAcc1">
-    <dgm:fillClrLst meth="repeat">
-      <a:schemeClr val="lt1">
-        <a:alpha val="40000"/>
-      </a:schemeClr>
-    </dgm:fillClrLst>
-    <dgm:linClrLst meth="repeat">
-      <a:schemeClr val="accent2"/>
-    </dgm:linClrLst>
-    <dgm:effectClrLst/>
-    <dgm:txLinClrLst/>
-    <dgm:txFillClrLst meth="repeat">
-      <a:schemeClr val="dk1"/>
-    </dgm:txFillClrLst>
-    <dgm:txEffectClrLst/>
-  </dgm:styleLbl>
-  <dgm:styleLbl name="bgAcc1">
-    <dgm:fillClrLst meth="repeat">
-      <a:schemeClr val="lt1">
-        <a:alpha val="90000"/>
-      </a:schemeClr>
-    </dgm:fillClrLst>
-    <dgm:linClrLst meth="repeat">
-      <a:schemeClr val="accent2"/>
-    </dgm:linClrLst>
-    <dgm:effectClrLst/>
-    <dgm:txLinClrLst/>
-    <dgm:txFillClrLst meth="repeat">
-      <a:schemeClr val="dk1"/>
-    </dgm:txFillClrLst>
-    <dgm:txEffectClrLst/>
-  </dgm:styleLbl>
-  <dgm:styleLbl name="solidFgAcc1">
-    <dgm:fillClrLst meth="repeat">
-      <a:schemeClr val="lt1"/>
-    </dgm:fillClrLst>
-    <dgm:linClrLst meth="repeat">
-      <a:schemeClr val="accent2"/>
-    </dgm:linClrLst>
-    <dgm:effectClrLst/>
-    <dgm:txLinClrLst/>
-    <dgm:txFillClrLst meth="repeat">
-      <a:schemeClr val="dk1"/>
-    </dgm:txFillClrLst>
-    <dgm:txEffectClrLst/>
-  </dgm:styleLbl>
-  <dgm:styleLbl name="solidAlignAcc1">
-    <dgm:fillClrLst meth="repeat">
-      <a:schemeClr val="lt1"/>
-    </dgm:fillClrLst>
-    <dgm:linClrLst meth="repeat">
-      <a:schemeClr val="accent2"/>
-    </dgm:linClrLst>
-    <dgm:effectClrLst/>
-    <dgm:txLinClrLst/>
-    <dgm:txFillClrLst meth="repeat">
-      <a:schemeClr val="dk1"/>
-    </dgm:txFillClrLst>
-    <dgm:txEffectClrLst/>
-  </dgm:styleLbl>
-  <dgm:styleLbl name="solidBgAcc1">
-    <dgm:fillClrLst meth="repeat">
-      <a:schemeClr val="lt1"/>
-    </dgm:fillClrLst>
-    <dgm:linClrLst meth="repeat">
-      <a:schemeClr val="accent2"/>
-    </dgm:linClrLst>
-    <dgm:effectClrLst/>
-    <dgm:txLinClrLst/>
-    <dgm:txFillClrLst meth="repeat">
-      <a:schemeClr val="dk1"/>
-    </dgm:txFillClrLst>
-    <dgm:txEffectClrLst/>
-  </dgm:styleLbl>
-  <dgm:styleLbl name="fgAccFollowNode1">
-    <dgm:fillClrLst meth="repeat">
-      <a:schemeClr val="accent2">
-        <a:alpha val="90000"/>
-        <a:tint val="40000"/>
-      </a:schemeClr>
-    </dgm:fillClrLst>
-    <dgm:linClrLst meth="repeat">
-      <a:schemeClr val="accent2">
-        <a:alpha val="90000"/>
-        <a:tint val="40000"/>
-      </a:schemeClr>
-    </dgm:linClrLst>
-    <dgm:effectClrLst/>
-    <dgm:txLinClrLst/>
-    <dgm:txFillClrLst meth="repeat">
-      <a:schemeClr val="dk1"/>
-    </dgm:txFillClrLst>
-    <dgm:txEffectClrLst/>
-  </dgm:styleLbl>
-  <dgm:styleLbl name="alignAccFollowNode1">
-    <dgm:fillClrLst meth="repeat">
-      <a:schemeClr val="accent2">
-        <a:alpha val="90000"/>
-        <a:tint val="40000"/>
-      </a:schemeClr>
-    </dgm:fillClrLst>
-    <dgm:linClrLst meth="repeat">
-      <a:schemeClr val="accent2">
-        <a:alpha val="90000"/>
-        <a:tint val="40000"/>
-      </a:schemeClr>
-    </dgm:linClrLst>
-    <dgm:effectClrLst/>
-    <dgm:txLinClrLst/>
-    <dgm:txFillClrLst meth="repeat">
-      <a:schemeClr val="dk1"/>
-    </dgm:txFillClrLst>
-    <dgm:txEffectClrLst/>
-  </dgm:styleLbl>
-  <dgm:styleLbl name="bgAccFollowNode1">
-    <dgm:fillClrLst meth="repeat">
-      <a:schemeClr val="accent2">
-        <a:alpha val="90000"/>
-        <a:tint val="40000"/>
-      </a:schemeClr>
-    </dgm:fillClrLst>
-    <dgm:linClrLst meth="repeat">
-      <a:schemeClr val="accent2">
-        <a:alpha val="90000"/>
-        <a:tint val="40000"/>
-      </a:schemeClr>
-    </dgm:linClrLst>
-    <dgm:effectClrLst/>
-    <dgm:txLinClrLst/>
-    <dgm:txFillClrLst meth="repeat">
-      <a:schemeClr val="dk1"/>
-    </dgm:txFillClrLst>
-    <dgm:txEffectClrLst/>
-  </dgm:styleLbl>
-  <dgm:styleLbl name="fgAcc0">
-    <dgm:fillClrLst meth="repeat">
-      <a:schemeClr val="lt1">
-        <a:alpha val="90000"/>
-      </a:schemeClr>
-    </dgm:fillClrLst>
-    <dgm:linClrLst meth="repeat">
-      <a:schemeClr val="accent2"/>
-    </dgm:linClrLst>
-    <dgm:effectClrLst/>
-    <dgm:txLinClrLst/>
-    <dgm:txFillClrLst meth="repeat">
-      <a:schemeClr val="dk1"/>
-    </dgm:txFillClrLst>
-    <dgm:txEffectClrLst/>
-  </dgm:styleLbl>
-  <dgm:styleLbl name="fgAcc2">
-    <dgm:fillClrLst meth="repeat">
-      <a:schemeClr val="lt1">
-        <a:alpha val="90000"/>
-      </a:schemeClr>
-    </dgm:fillClrLst>
-    <dgm:linClrLst meth="repeat">
-      <a:schemeClr val="accent2"/>
-    </dgm:linClrLst>
-    <dgm:effectClrLst/>
-    <dgm:txLinClrLst/>
-    <dgm:txFillClrLst meth="repeat">
-      <a:schemeClr val="dk1"/>
-    </dgm:txFillClrLst>
-    <dgm:txEffectClrLst/>
-  </dgm:styleLbl>
-  <dgm:styleLbl name="fgAcc3">
-    <dgm:fillClrLst meth="repeat">
-      <a:schemeClr val="lt1">
-        <a:alpha val="90000"/>
-      </a:schemeClr>
-    </dgm:fillClrLst>
-    <dgm:linClrLst meth="repeat">
-      <a:schemeClr val="accent2"/>
-    </dgm:linClrLst>
-    <dgm:effectClrLst/>
-    <dgm:txLinClrLst/>
-    <dgm:txFillClrLst meth="repeat">
-      <a:schemeClr val="dk1"/>
-    </dgm:txFillClrLst>
-    <dgm:txEffectClrLst/>
-  </dgm:styleLbl>
-  <dgm:styleLbl name="fgAcc4">
-    <dgm:fillClrLst meth="repeat">
-      <a:schemeClr val="lt1">
-        <a:alpha val="90000"/>
-      </a:schemeClr>
-    </dgm:fillClrLst>
-    <dgm:linClrLst meth="repeat">
-      <a:schemeClr val="accent2"/>
-    </dgm:linClrLst>
-    <dgm:effectClrLst/>
-    <dgm:txLinClrLst/>
-    <dgm:txFillClrLst meth="repeat">
-      <a:schemeClr val="dk1"/>
-    </dgm:txFillClrLst>
-    <dgm:txEffectClrLst/>
-  </dgm:styleLbl>
-  <dgm:styleLbl name="bgShp">
-    <dgm:fillClrLst meth="repeat">
-      <a:schemeClr val="accent2">
-        <a:tint val="40000"/>
-      </a:schemeClr>
-    </dgm:fillClrLst>
-    <dgm:linClrLst meth="repeat">
-      <a:schemeClr val="accent2"/>
-    </dgm:linClrLst>
-    <dgm:effectClrLst/>
-    <dgm:txLinClrLst/>
-    <dgm:txFillClrLst meth="repeat">
-      <a:schemeClr val="dk1"/>
-    </dgm:txFillClrLst>
-    <dgm:txEffectClrLst/>
-  </dgm:styleLbl>
-  <dgm:styleLbl name="dkBgShp">
-    <dgm:fillClrLst meth="repeat">
-      <a:schemeClr val="accent2">
-        <a:shade val="80000"/>
-      </a:schemeClr>
-    </dgm:fillClrLst>
-    <dgm:linClrLst meth="repeat">
-      <a:schemeClr val="accent2"/>
-    </dgm:linClrLst>
-    <dgm:effectClrLst/>
-    <dgm:txLinClrLst/>
-    <dgm:txFillClrLst meth="repeat">
-      <a:schemeClr val="lt1"/>
-    </dgm:txFillClrLst>
-    <dgm:txEffectClrLst/>
-  </dgm:styleLbl>
-  <dgm:styleLbl name="trBgShp">
-    <dgm:fillClrLst meth="repeat">
-      <a:schemeClr val="accent2">
-        <a:tint val="50000"/>
-        <a:alpha val="40000"/>
-      </a:schemeClr>
-    </dgm:fillClrLst>
-    <dgm:linClrLst meth="repeat">
-      <a:schemeClr val="accent2"/>
-    </dgm:linClrLst>
-    <dgm:effectClrLst/>
-    <dgm:txLinClrLst/>
-    <dgm:txFillClrLst meth="repeat">
-      <a:schemeClr val="lt1"/>
-    </dgm:txFillClrLst>
-    <dgm:txEffectClrLst/>
-  </dgm:styleLbl>
-  <dgm:styleLbl name="fgShp">
-    <dgm:fillClrLst meth="repeat">
-      <a:schemeClr val="accent2">
-        <a:tint val="60000"/>
-      </a:schemeClr>
-    </dgm:fillClrLst>
-    <dgm:linClrLst meth="repeat">
-      <a:schemeClr val="lt1"/>
-    </dgm:linClrLst>
-    <dgm:effectClrLst/>
-    <dgm:txLinClrLst/>
-    <dgm:txFillClrLst meth="repeat">
-      <a:schemeClr val="dk1"/>
-    </dgm:txFillClrLst>
-    <dgm:txEffectClrLst/>
-  </dgm:styleLbl>
-  <dgm:styleLbl name="revTx">
-    <dgm:fillClrLst meth="repeat">
-      <a:schemeClr val="lt1">
-        <a:alpha val="0"/>
-      </a:schemeClr>
-    </dgm:fillClrLst>
-    <dgm:linClrLst meth="repeat">
-      <a:schemeClr val="dk1">
-        <a:alpha val="0"/>
-      </a:schemeClr>
-    </dgm:linClrLst>
-    <dgm:effectClrLst/>
-    <dgm:txLinClrLst/>
-    <dgm:txFillClrLst meth="repeat">
-      <a:schemeClr val="tx1"/>
-    </dgm:txFillClrLst>
-    <dgm:txEffectClrLst/>
-  </dgm:styleLbl>
-</dgm:colorsDef>
-</file>
-
-<file path=ppt/diagrams/data1.xml><?xml version="1.0" encoding="utf-8"?>
-<dgm:dataModel xmlns:dgm="http://schemas.openxmlformats.org/drawingml/2006/diagram" xmlns:a="http://schemas.openxmlformats.org/drawingml/2006/main">
-  <dgm:ptLst>
-    <dgm:pt modelId="{466784C9-C352-4A3A-AB4F-E73B7EFE7116}" type="doc">
-      <dgm:prSet loTypeId="urn:microsoft.com/office/officeart/2005/8/layout/rings+Icon" loCatId="relationship" qsTypeId="urn:microsoft.com/office/officeart/2005/8/quickstyle/simple4" qsCatId="simple" csTypeId="urn:microsoft.com/office/officeart/2005/8/colors/accent2_2" csCatId="accent2" phldr="1"/>
-      <dgm:spPr/>
-    </dgm:pt>
-    <dgm:pt modelId="{EC38E271-73CD-4D7B-A66B-861CA7488EC7}">
-      <dgm:prSet phldrT="[Text]"/>
-      <dgm:spPr/>
-      <dgm:t>
-        <a:bodyPr/>
-        <a:lstStyle/>
-        <a:p>
-          <a:r>
-            <a:rPr lang="en-US" dirty="0"/>
-            <a:t>Group A</a:t>
-          </a:r>
-        </a:p>
-      </dgm:t>
-      <dgm:extLst>
-        <a:ext uri="{E40237B7-FDA0-4F09-8148-C483321AD2D9}">
-          <dgm14:cNvPr xmlns:dgm14="http://schemas.microsoft.com/office/drawing/2010/diagram" id="0" name="" title="Group A"/>
-        </a:ext>
-      </dgm:extLst>
-    </dgm:pt>
-    <dgm:pt modelId="{0EA99F19-5B2F-4C1C-9650-BC734B55276C}" type="parTrans" cxnId="{6635741C-801F-47A2-A3AF-03D68A077957}">
-      <dgm:prSet/>
-      <dgm:spPr/>
-      <dgm:t>
-        <a:bodyPr/>
-        <a:lstStyle/>
-        <a:p>
-          <a:endParaRPr lang="en-US"/>
-        </a:p>
-      </dgm:t>
-    </dgm:pt>
-    <dgm:pt modelId="{E4286A04-4462-4767-ADE1-E306C144DD1F}" type="sibTrans" cxnId="{6635741C-801F-47A2-A3AF-03D68A077957}">
-      <dgm:prSet/>
-      <dgm:spPr/>
-      <dgm:t>
-        <a:bodyPr/>
-        <a:lstStyle/>
-        <a:p>
-          <a:endParaRPr lang="en-US"/>
-        </a:p>
-      </dgm:t>
-    </dgm:pt>
-    <dgm:pt modelId="{56C32169-1400-436F-A8EC-619B9C7E6936}">
-      <dgm:prSet phldrT="[Text]"/>
-      <dgm:spPr/>
-      <dgm:t>
-        <a:bodyPr/>
-        <a:lstStyle/>
-        <a:p>
-          <a:r>
-            <a:rPr lang="en-US" dirty="0"/>
-            <a:t>Group B</a:t>
-          </a:r>
-        </a:p>
-      </dgm:t>
-      <dgm:extLst>
-        <a:ext uri="{E40237B7-FDA0-4F09-8148-C483321AD2D9}">
-          <dgm14:cNvPr xmlns:dgm14="http://schemas.microsoft.com/office/drawing/2010/diagram" id="0" name="" title="Group B"/>
-        </a:ext>
-      </dgm:extLst>
-    </dgm:pt>
-    <dgm:pt modelId="{206CD43D-A52D-4932-884E-340EA7F3FF6B}" type="parTrans" cxnId="{DFCD2E9B-B722-40E1-AA2E-87695AFE660E}">
-      <dgm:prSet/>
-      <dgm:spPr/>
-      <dgm:t>
-        <a:bodyPr/>
-        <a:lstStyle/>
-        <a:p>
-          <a:endParaRPr lang="en-US"/>
-        </a:p>
-      </dgm:t>
-    </dgm:pt>
-    <dgm:pt modelId="{C0CE6C8E-CD32-48F9-8A54-7675A2CF02D0}" type="sibTrans" cxnId="{DFCD2E9B-B722-40E1-AA2E-87695AFE660E}">
-      <dgm:prSet/>
-      <dgm:spPr/>
-      <dgm:t>
-        <a:bodyPr/>
-        <a:lstStyle/>
-        <a:p>
-          <a:endParaRPr lang="en-US"/>
-        </a:p>
-      </dgm:t>
-    </dgm:pt>
-    <dgm:pt modelId="{459EC89A-47B8-4868-BBE9-9476FBD4735E}">
-      <dgm:prSet phldrT="[Text]"/>
-      <dgm:spPr/>
-      <dgm:t>
-        <a:bodyPr/>
-        <a:lstStyle/>
-        <a:p>
-          <a:r>
-            <a:rPr lang="en-US" dirty="0"/>
-            <a:t>Group C</a:t>
-          </a:r>
-        </a:p>
-      </dgm:t>
-      <dgm:extLst>
-        <a:ext uri="{E40237B7-FDA0-4F09-8148-C483321AD2D9}">
-          <dgm14:cNvPr xmlns:dgm14="http://schemas.microsoft.com/office/drawing/2010/diagram" id="0" name="" title="Group C"/>
-        </a:ext>
-      </dgm:extLst>
-    </dgm:pt>
-    <dgm:pt modelId="{3B7A3293-3A0C-4891-99E7-141D50C0301C}" type="parTrans" cxnId="{C70F4E87-7751-4AB2-A73D-197D003AD2F4}">
-      <dgm:prSet/>
-      <dgm:spPr/>
-      <dgm:t>
-        <a:bodyPr/>
-        <a:lstStyle/>
-        <a:p>
-          <a:endParaRPr lang="en-US"/>
-        </a:p>
-      </dgm:t>
-    </dgm:pt>
-    <dgm:pt modelId="{D3368E72-87E7-49A6-B731-AD2AC3EA2532}" type="sibTrans" cxnId="{C70F4E87-7751-4AB2-A73D-197D003AD2F4}">
-      <dgm:prSet/>
-      <dgm:spPr/>
-      <dgm:t>
-        <a:bodyPr/>
-        <a:lstStyle/>
-        <a:p>
-          <a:endParaRPr lang="en-US"/>
-        </a:p>
-      </dgm:t>
-    </dgm:pt>
-    <dgm:pt modelId="{6EDA52E5-A2A7-435F-9246-0D388ED0D00A}" type="pres">
-      <dgm:prSet presAssocID="{466784C9-C352-4A3A-AB4F-E73B7EFE7116}" presName="Name0" presStyleCnt="0">
-        <dgm:presLayoutVars>
-          <dgm:chMax val="7"/>
-          <dgm:dir/>
-          <dgm:resizeHandles val="exact"/>
-        </dgm:presLayoutVars>
-      </dgm:prSet>
-      <dgm:spPr/>
-    </dgm:pt>
-    <dgm:pt modelId="{073C0186-C529-47F6-9A3F-AC54F3EC1A71}" type="pres">
-      <dgm:prSet presAssocID="{466784C9-C352-4A3A-AB4F-E73B7EFE7116}" presName="ellipse1" presStyleLbl="vennNode1" presStyleIdx="0" presStyleCnt="3">
-        <dgm:presLayoutVars>
-          <dgm:bulletEnabled val="1"/>
-        </dgm:presLayoutVars>
-      </dgm:prSet>
-      <dgm:spPr/>
-      <dgm:t>
-        <a:bodyPr/>
-        <a:lstStyle/>
-        <a:p>
-          <a:endParaRPr lang="en-US"/>
-        </a:p>
-      </dgm:t>
-    </dgm:pt>
-    <dgm:pt modelId="{B34614A2-1392-4E77-BDA0-2BEA4D89C2F7}" type="pres">
-      <dgm:prSet presAssocID="{466784C9-C352-4A3A-AB4F-E73B7EFE7116}" presName="ellipse2" presStyleLbl="vennNode1" presStyleIdx="1" presStyleCnt="3">
-        <dgm:presLayoutVars>
-          <dgm:bulletEnabled val="1"/>
-        </dgm:presLayoutVars>
-      </dgm:prSet>
-      <dgm:spPr/>
-      <dgm:t>
-        <a:bodyPr/>
-        <a:lstStyle/>
-        <a:p>
-          <a:endParaRPr lang="en-US"/>
-        </a:p>
-      </dgm:t>
-    </dgm:pt>
-    <dgm:pt modelId="{2D81501D-F97C-4215-9373-9F01E07C91FE}" type="pres">
-      <dgm:prSet presAssocID="{466784C9-C352-4A3A-AB4F-E73B7EFE7116}" presName="ellipse3" presStyleLbl="vennNode1" presStyleIdx="2" presStyleCnt="3">
-        <dgm:presLayoutVars>
-          <dgm:bulletEnabled val="1"/>
-        </dgm:presLayoutVars>
-      </dgm:prSet>
-      <dgm:spPr/>
-      <dgm:t>
-        <a:bodyPr/>
-        <a:lstStyle/>
-        <a:p>
-          <a:endParaRPr lang="en-US"/>
-        </a:p>
-      </dgm:t>
-    </dgm:pt>
-  </dgm:ptLst>
-  <dgm:cxnLst>
-    <dgm:cxn modelId="{6635741C-801F-47A2-A3AF-03D68A077957}" srcId="{466784C9-C352-4A3A-AB4F-E73B7EFE7116}" destId="{EC38E271-73CD-4D7B-A66B-861CA7488EC7}" srcOrd="0" destOrd="0" parTransId="{0EA99F19-5B2F-4C1C-9650-BC734B55276C}" sibTransId="{E4286A04-4462-4767-ADE1-E306C144DD1F}"/>
-    <dgm:cxn modelId="{5E608FEA-395A-446E-AE17-CB6CF05A8788}" type="presOf" srcId="{EC38E271-73CD-4D7B-A66B-861CA7488EC7}" destId="{073C0186-C529-47F6-9A3F-AC54F3EC1A71}" srcOrd="0" destOrd="0" presId="urn:microsoft.com/office/officeart/2005/8/layout/rings+Icon"/>
-    <dgm:cxn modelId="{F5AC7BFA-D3B8-4821-9948-783EC7196B29}" type="presOf" srcId="{56C32169-1400-436F-A8EC-619B9C7E6936}" destId="{B34614A2-1392-4E77-BDA0-2BEA4D89C2F7}" srcOrd="0" destOrd="0" presId="urn:microsoft.com/office/officeart/2005/8/layout/rings+Icon"/>
-    <dgm:cxn modelId="{C70F4E87-7751-4AB2-A73D-197D003AD2F4}" srcId="{466784C9-C352-4A3A-AB4F-E73B7EFE7116}" destId="{459EC89A-47B8-4868-BBE9-9476FBD4735E}" srcOrd="2" destOrd="0" parTransId="{3B7A3293-3A0C-4891-99E7-141D50C0301C}" sibTransId="{D3368E72-87E7-49A6-B731-AD2AC3EA2532}"/>
-    <dgm:cxn modelId="{29AA74D2-84E1-48EC-8E00-BBF044D53BCE}" type="presOf" srcId="{466784C9-C352-4A3A-AB4F-E73B7EFE7116}" destId="{6EDA52E5-A2A7-435F-9246-0D388ED0D00A}" srcOrd="0" destOrd="0" presId="urn:microsoft.com/office/officeart/2005/8/layout/rings+Icon"/>
-    <dgm:cxn modelId="{CDDBB908-DA88-4E73-98AC-B93F027CF084}" type="presOf" srcId="{459EC89A-47B8-4868-BBE9-9476FBD4735E}" destId="{2D81501D-F97C-4215-9373-9F01E07C91FE}" srcOrd="0" destOrd="0" presId="urn:microsoft.com/office/officeart/2005/8/layout/rings+Icon"/>
-    <dgm:cxn modelId="{DFCD2E9B-B722-40E1-AA2E-87695AFE660E}" srcId="{466784C9-C352-4A3A-AB4F-E73B7EFE7116}" destId="{56C32169-1400-436F-A8EC-619B9C7E6936}" srcOrd="1" destOrd="0" parTransId="{206CD43D-A52D-4932-884E-340EA7F3FF6B}" sibTransId="{C0CE6C8E-CD32-48F9-8A54-7675A2CF02D0}"/>
-    <dgm:cxn modelId="{DBE26B54-7079-4FFC-87E1-3554F7051E35}" type="presParOf" srcId="{6EDA52E5-A2A7-435F-9246-0D388ED0D00A}" destId="{073C0186-C529-47F6-9A3F-AC54F3EC1A71}" srcOrd="0" destOrd="0" presId="urn:microsoft.com/office/officeart/2005/8/layout/rings+Icon"/>
-    <dgm:cxn modelId="{D6408F6A-19A4-403D-A1B1-2FB7672E934D}" type="presParOf" srcId="{6EDA52E5-A2A7-435F-9246-0D388ED0D00A}" destId="{B34614A2-1392-4E77-BDA0-2BEA4D89C2F7}" srcOrd="1" destOrd="0" presId="urn:microsoft.com/office/officeart/2005/8/layout/rings+Icon"/>
-    <dgm:cxn modelId="{E3EED042-9059-4857-A024-B8C959786EE0}" type="presParOf" srcId="{6EDA52E5-A2A7-435F-9246-0D388ED0D00A}" destId="{2D81501D-F97C-4215-9373-9F01E07C91FE}" srcOrd="2" destOrd="0" presId="urn:microsoft.com/office/officeart/2005/8/layout/rings+Icon"/>
-  </dgm:cxnLst>
-  <dgm:bg/>
-  <dgm:whole/>
-  <dgm:extLst>
-    <a:ext uri="http://schemas.microsoft.com/office/drawing/2008/diagram">
-      <dsp:dataModelExt xmlns:dsp="http://schemas.microsoft.com/office/drawing/2008/diagram" relId="rId6" minVer="http://schemas.openxmlformats.org/drawingml/2006/diagram"/>
-    </a:ext>
-  </dgm:extLst>
-</dgm:dataModel>
-</file>
-
-<file path=ppt/diagrams/drawing1.xml><?xml version="1.0" encoding="utf-8"?>
-<dsp:drawing xmlns:dgm="http://schemas.openxmlformats.org/drawingml/2006/diagram" xmlns:dsp="http://schemas.microsoft.com/office/drawing/2008/diagram" xmlns:a="http://schemas.openxmlformats.org/drawingml/2006/main">
-  <dsp:spTree>
-    <dsp:nvGrpSpPr>
-      <dsp:cNvPr id="0" name=""/>
-      <dsp:cNvGrpSpPr/>
-    </dsp:nvGrpSpPr>
-    <dsp:grpSpPr/>
-    <dsp:sp modelId="{073C0186-C529-47F6-9A3F-AC54F3EC1A71}">
-      <dsp:nvSpPr>
-        <dsp:cNvPr id="0" name=""/>
-        <dsp:cNvSpPr/>
-      </dsp:nvSpPr>
-      <dsp:spPr>
-        <a:xfrm>
-          <a:off x="0" y="192658"/>
-          <a:ext cx="2253538" cy="2253506"/>
-        </a:xfrm>
-        <a:prstGeom prst="ellipse">
-          <a:avLst/>
-        </a:prstGeom>
-        <a:gradFill rotWithShape="0">
-          <a:gsLst>
-            <a:gs pos="0">
-              <a:schemeClr val="accent2">
-                <a:alpha val="50000"/>
-                <a:hueOff val="0"/>
-                <a:satOff val="0"/>
-                <a:lumOff val="0"/>
-                <a:alphaOff val="0"/>
-                <a:satMod val="103000"/>
-                <a:lumMod val="102000"/>
-                <a:tint val="94000"/>
-              </a:schemeClr>
-            </a:gs>
-            <a:gs pos="50000">
-              <a:schemeClr val="accent2">
-                <a:alpha val="50000"/>
-                <a:hueOff val="0"/>
-                <a:satOff val="0"/>
-                <a:lumOff val="0"/>
-                <a:alphaOff val="0"/>
-                <a:satMod val="110000"/>
-                <a:lumMod val="100000"/>
-                <a:shade val="100000"/>
-              </a:schemeClr>
-            </a:gs>
-            <a:gs pos="100000">
-              <a:schemeClr val="accent2">
-                <a:alpha val="50000"/>
-                <a:hueOff val="0"/>
-                <a:satOff val="0"/>
-                <a:lumOff val="0"/>
-                <a:alphaOff val="0"/>
-                <a:lumMod val="99000"/>
-                <a:satMod val="120000"/>
-                <a:shade val="78000"/>
-              </a:schemeClr>
-            </a:gs>
-          </a:gsLst>
-          <a:lin ang="5400000" scaled="0"/>
-        </a:gradFill>
-        <a:ln>
-          <a:noFill/>
-        </a:ln>
-        <a:effectLst/>
-      </dsp:spPr>
-      <dsp:style>
-        <a:lnRef idx="0">
-          <a:scrgbClr r="0" g="0" b="0"/>
-        </a:lnRef>
-        <a:fillRef idx="3">
-          <a:scrgbClr r="0" g="0" b="0"/>
-        </a:fillRef>
-        <a:effectRef idx="0">
-          <a:scrgbClr r="0" g="0" b="0"/>
-        </a:effectRef>
-        <a:fontRef idx="minor">
-          <a:schemeClr val="tx1"/>
-        </a:fontRef>
-      </dsp:style>
-      <dsp:txBody>
-        <a:bodyPr spcFirstLastPara="0" vert="horz" wrap="square" lIns="137160" tIns="137160" rIns="137160" bIns="137160" numCol="1" spcCol="1270" anchor="ctr" anchorCtr="0">
-          <a:noAutofit/>
-        </a:bodyPr>
-        <a:lstStyle/>
-        <a:p>
-          <a:pPr lvl="0" algn="ctr" defTabSz="1600200">
-            <a:lnSpc>
-              <a:spcPct val="90000"/>
-            </a:lnSpc>
-            <a:spcBef>
-              <a:spcPct val="0"/>
-            </a:spcBef>
-            <a:spcAft>
-              <a:spcPct val="35000"/>
-            </a:spcAft>
-          </a:pPr>
-          <a:r>
-            <a:rPr lang="en-US" sz="3600" kern="1200" dirty="0"/>
-            <a:t>Group A</a:t>
-          </a:r>
-        </a:p>
-      </dsp:txBody>
-      <dsp:txXfrm>
-        <a:off x="330023" y="522676"/>
-        <a:ext cx="1593492" cy="1593470"/>
-      </dsp:txXfrm>
-    </dsp:sp>
-    <dsp:sp modelId="{B34614A2-1392-4E77-BDA0-2BEA4D89C2F7}">
-      <dsp:nvSpPr>
-        <dsp:cNvPr id="0" name=""/>
-        <dsp:cNvSpPr/>
-      </dsp:nvSpPr>
-      <dsp:spPr>
-        <a:xfrm>
-          <a:off x="1159916" y="1695622"/>
-          <a:ext cx="2253538" cy="2253506"/>
-        </a:xfrm>
-        <a:prstGeom prst="ellipse">
-          <a:avLst/>
-        </a:prstGeom>
-        <a:gradFill rotWithShape="0">
-          <a:gsLst>
-            <a:gs pos="0">
-              <a:schemeClr val="accent2">
-                <a:alpha val="50000"/>
-                <a:hueOff val="0"/>
-                <a:satOff val="0"/>
-                <a:lumOff val="0"/>
-                <a:alphaOff val="0"/>
-                <a:satMod val="103000"/>
-                <a:lumMod val="102000"/>
-                <a:tint val="94000"/>
-              </a:schemeClr>
-            </a:gs>
-            <a:gs pos="50000">
-              <a:schemeClr val="accent2">
-                <a:alpha val="50000"/>
-                <a:hueOff val="0"/>
-                <a:satOff val="0"/>
-                <a:lumOff val="0"/>
-                <a:alphaOff val="0"/>
-                <a:satMod val="110000"/>
-                <a:lumMod val="100000"/>
-                <a:shade val="100000"/>
-              </a:schemeClr>
-            </a:gs>
-            <a:gs pos="100000">
-              <a:schemeClr val="accent2">
-                <a:alpha val="50000"/>
-                <a:hueOff val="0"/>
-                <a:satOff val="0"/>
-                <a:lumOff val="0"/>
-                <a:alphaOff val="0"/>
-                <a:lumMod val="99000"/>
-                <a:satMod val="120000"/>
-                <a:shade val="78000"/>
-              </a:schemeClr>
-            </a:gs>
-          </a:gsLst>
-          <a:lin ang="5400000" scaled="0"/>
-        </a:gradFill>
-        <a:ln>
-          <a:noFill/>
-        </a:ln>
-        <a:effectLst/>
-      </dsp:spPr>
-      <dsp:style>
-        <a:lnRef idx="0">
-          <a:scrgbClr r="0" g="0" b="0"/>
-        </a:lnRef>
-        <a:fillRef idx="3">
-          <a:scrgbClr r="0" g="0" b="0"/>
-        </a:fillRef>
-        <a:effectRef idx="0">
-          <a:scrgbClr r="0" g="0" b="0"/>
-        </a:effectRef>
-        <a:fontRef idx="minor">
-          <a:schemeClr val="tx1"/>
-        </a:fontRef>
-      </dsp:style>
-      <dsp:txBody>
-        <a:bodyPr spcFirstLastPara="0" vert="horz" wrap="square" lIns="137160" tIns="137160" rIns="137160" bIns="137160" numCol="1" spcCol="1270" anchor="ctr" anchorCtr="0">
-          <a:noAutofit/>
-        </a:bodyPr>
-        <a:lstStyle/>
-        <a:p>
-          <a:pPr lvl="0" algn="ctr" defTabSz="1600200">
-            <a:lnSpc>
-              <a:spcPct val="90000"/>
-            </a:lnSpc>
-            <a:spcBef>
-              <a:spcPct val="0"/>
-            </a:spcBef>
-            <a:spcAft>
-              <a:spcPct val="35000"/>
-            </a:spcAft>
-          </a:pPr>
-          <a:r>
-            <a:rPr lang="en-US" sz="3600" kern="1200" dirty="0"/>
-            <a:t>Group B</a:t>
-          </a:r>
-        </a:p>
-      </dsp:txBody>
-      <dsp:txXfrm>
-        <a:off x="1489939" y="2025640"/>
-        <a:ext cx="1593492" cy="1593470"/>
-      </dsp:txXfrm>
-    </dsp:sp>
-    <dsp:sp modelId="{2D81501D-F97C-4215-9373-9F01E07C91FE}">
-      <dsp:nvSpPr>
-        <dsp:cNvPr id="0" name=""/>
-        <dsp:cNvSpPr/>
-      </dsp:nvSpPr>
-      <dsp:spPr>
-        <a:xfrm>
-          <a:off x="2318461" y="192658"/>
-          <a:ext cx="2253538" cy="2253506"/>
-        </a:xfrm>
-        <a:prstGeom prst="ellipse">
-          <a:avLst/>
-        </a:prstGeom>
-        <a:gradFill rotWithShape="0">
-          <a:gsLst>
-            <a:gs pos="0">
-              <a:schemeClr val="accent2">
-                <a:alpha val="50000"/>
-                <a:hueOff val="0"/>
-                <a:satOff val="0"/>
-                <a:lumOff val="0"/>
-                <a:alphaOff val="0"/>
-                <a:satMod val="103000"/>
-                <a:lumMod val="102000"/>
-                <a:tint val="94000"/>
-              </a:schemeClr>
-            </a:gs>
-            <a:gs pos="50000">
-              <a:schemeClr val="accent2">
-                <a:alpha val="50000"/>
-                <a:hueOff val="0"/>
-                <a:satOff val="0"/>
-                <a:lumOff val="0"/>
-                <a:alphaOff val="0"/>
-                <a:satMod val="110000"/>
-                <a:lumMod val="100000"/>
-                <a:shade val="100000"/>
-              </a:schemeClr>
-            </a:gs>
-            <a:gs pos="100000">
-              <a:schemeClr val="accent2">
-                <a:alpha val="50000"/>
-                <a:hueOff val="0"/>
-                <a:satOff val="0"/>
-                <a:lumOff val="0"/>
-                <a:alphaOff val="0"/>
-                <a:lumMod val="99000"/>
-                <a:satMod val="120000"/>
-                <a:shade val="78000"/>
-              </a:schemeClr>
-            </a:gs>
-          </a:gsLst>
-          <a:lin ang="5400000" scaled="0"/>
-        </a:gradFill>
-        <a:ln>
-          <a:noFill/>
-        </a:ln>
-        <a:effectLst/>
-      </dsp:spPr>
-      <dsp:style>
-        <a:lnRef idx="0">
-          <a:scrgbClr r="0" g="0" b="0"/>
-        </a:lnRef>
-        <a:fillRef idx="3">
-          <a:scrgbClr r="0" g="0" b="0"/>
-        </a:fillRef>
-        <a:effectRef idx="0">
-          <a:scrgbClr r="0" g="0" b="0"/>
-        </a:effectRef>
-        <a:fontRef idx="minor">
-          <a:schemeClr val="tx1"/>
-        </a:fontRef>
-      </dsp:style>
-      <dsp:txBody>
-        <a:bodyPr spcFirstLastPara="0" vert="horz" wrap="square" lIns="137160" tIns="137160" rIns="137160" bIns="137160" numCol="1" spcCol="1270" anchor="ctr" anchorCtr="0">
-          <a:noAutofit/>
-        </a:bodyPr>
-        <a:lstStyle/>
-        <a:p>
-          <a:pPr lvl="0" algn="ctr" defTabSz="1600200">
-            <a:lnSpc>
-              <a:spcPct val="90000"/>
-            </a:lnSpc>
-            <a:spcBef>
-              <a:spcPct val="0"/>
-            </a:spcBef>
-            <a:spcAft>
-              <a:spcPct val="35000"/>
-            </a:spcAft>
-          </a:pPr>
-          <a:r>
-            <a:rPr lang="en-US" sz="3600" kern="1200" dirty="0"/>
-            <a:t>Group C</a:t>
-          </a:r>
-        </a:p>
-      </dsp:txBody>
-      <dsp:txXfrm>
-        <a:off x="2648484" y="522676"/>
-        <a:ext cx="1593492" cy="1593470"/>
-      </dsp:txXfrm>
-    </dsp:sp>
-  </dsp:spTree>
-</dsp:drawing>
-</file>
-
-<file path=ppt/diagrams/layout1.xml><?xml version="1.0" encoding="utf-8"?>
-<dgm:layoutDef xmlns:dgm="http://schemas.openxmlformats.org/drawingml/2006/diagram" xmlns:a="http://schemas.openxmlformats.org/drawingml/2006/main" uniqueId="urn:microsoft.com/office/officeart/2005/8/layout/rings+Icon">
-  <dgm:title val="Interconnected Rings"/>
-  <dgm:desc val="Use to show overlapping or interconnected ideas or concepts. The first seven lines of Level 1 text correspond with a circle. Unused text does not appear, but remains available if you switch layouts.  "/>
-  <dgm:catLst>
-    <dgm:cat type="relationship" pri="32000"/>
-    <dgm:cat type="officeonline" pri="6000"/>
-  </dgm:catLst>
-  <dgm:sampData useDef="1">
-    <dgm:dataModel>
-      <dgm:ptLst/>
-      <dgm:bg/>
-      <dgm:whole/>
-    </dgm:dataModel>
-  </dgm:sampData>
-  <dgm:styleData>
-    <dgm:dataModel>
-      <dgm:ptLst>
-        <dgm:pt modelId="0" type="doc"/>
-        <dgm:pt modelId="10"/>
-        <dgm:pt modelId="20"/>
-      </dgm:ptLst>
-      <dgm:cxnLst>
-        <dgm:cxn modelId="30" srcId="0" destId="10" srcOrd="0" destOrd="0"/>
-        <dgm:cxn modelId="40" srcId="0" destId="20" srcOrd="1" destOrd="0"/>
-      </dgm:cxnLst>
-      <dgm:bg/>
-      <dgm:whole/>
-    </dgm:dataModel>
-  </dgm:styleData>
-  <dgm:clrData>
-    <dgm:dataModel>
-      <dgm:ptLst>
-        <dgm:pt modelId="0" type="doc"/>
-        <dgm:pt modelId="10"/>
-        <dgm:pt modelId="20"/>
-        <dgm:pt modelId="30"/>
-        <dgm:pt modelId="40"/>
-      </dgm:ptLst>
-      <dgm:cxnLst>
-        <dgm:cxn modelId="50" srcId="0" destId="10" srcOrd="0" destOrd="0"/>
-        <dgm:cxn modelId="60" srcId="0" destId="20" srcOrd="1" destOrd="0"/>
-        <dgm:cxn modelId="70" srcId="0" destId="30" srcOrd="2" destOrd="0"/>
-        <dgm:cxn modelId="80" srcId="0" destId="40" srcOrd="2" destOrd="0"/>
-      </dgm:cxnLst>
-      <dgm:bg/>
-      <dgm:whole/>
-    </dgm:dataModel>
-  </dgm:clrData>
-  <dgm:layoutNode name="Name0">
-    <dgm:varLst>
-      <dgm:chMax val="7"/>
-      <dgm:dir/>
-      <dgm:resizeHandles val="exact"/>
-    </dgm:varLst>
-    <dgm:choose name="Name1">
-      <dgm:if name="Name2" axis="ch" ptType="node" func="cnt" op="lt" val="1">
-        <dgm:alg type="composite"/>
-        <dgm:shape xmlns:r="http://schemas.openxmlformats.org/officeDocument/2006/relationships" r:blip="">
-          <dgm:adjLst/>
-        </dgm:shape>
-        <dgm:presOf/>
-        <dgm:constrLst/>
-        <dgm:ruleLst/>
-      </dgm:if>
-      <dgm:if name="Name3" axis="ch" ptType="node" func="cnt" op="equ" val="1">
-        <dgm:alg type="composite">
-          <dgm:param type="ar" val="1"/>
-        </dgm:alg>
-        <dgm:shape xmlns:r="http://schemas.openxmlformats.org/officeDocument/2006/relationships" r:blip="">
-          <dgm:adjLst/>
-        </dgm:shape>
-        <dgm:presOf/>
-        <dgm:constrLst>
-          <dgm:constr type="primFontSz" for="des" ptType="node" op="equ" val="65"/>
-          <dgm:constr type="l" for="ch" forName="ellipse1" refType="w" fact="0"/>
-          <dgm:constr type="t" for="ch" forName="ellipse1" refType="h" fact="0"/>
-          <dgm:constr type="w" for="ch" forName="ellipse1" refType="w"/>
-          <dgm:constr type="h" for="ch" forName="ellipse1" refType="h"/>
-        </dgm:constrLst>
-      </dgm:if>
-      <dgm:if name="Name4" axis="ch" ptType="node" func="cnt" op="equ" val="2">
-        <dgm:alg type="composite">
-          <dgm:param type="ar" val="0.9086"/>
-        </dgm:alg>
-        <dgm:shape xmlns:r="http://schemas.openxmlformats.org/officeDocument/2006/relationships" r:blip="">
-          <dgm:adjLst/>
-        </dgm:shape>
-        <dgm:presOf/>
-        <dgm:constrLst>
-          <dgm:constr type="primFontSz" for="des" ptType="node" op="equ" val="65"/>
-          <dgm:constr type="l" for="ch" forName="ellipse1" refType="w" fact="0"/>
-          <dgm:constr type="t" for="ch" forName="ellipse1" refType="h" fact="0"/>
-          <dgm:constr type="w" for="ch" forName="ellipse1" refType="w" fact="0.6602"/>
-          <dgm:constr type="h" for="ch" forName="ellipse1" refType="h" fact="0.5999"/>
-          <dgm:constr type="l" for="ch" forName="ellipse2" refType="w" fact="0.3398"/>
-          <dgm:constr type="t" for="ch" forName="ellipse2" refType="h" fact="0.4001"/>
-          <dgm:constr type="w" for="ch" forName="ellipse2" refType="w" fact="0.6602"/>
-          <dgm:constr type="h" for="ch" forName="ellipse2" refType="h" fact="0.5999"/>
-        </dgm:constrLst>
-      </dgm:if>
-      <dgm:if name="Name5" axis="ch" ptType="node" func="cnt" op="equ" val="3">
-        <dgm:alg type="composite">
-          <dgm:param type="ar" val="1.2171"/>
-        </dgm:alg>
-        <dgm:shape xmlns:r="http://schemas.openxmlformats.org/officeDocument/2006/relationships" r:blip="">
-          <dgm:adjLst/>
-        </dgm:shape>
-        <dgm:presOf/>
-        <dgm:constrLst>
-          <dgm:constr type="primFontSz" for="des" ptType="node" op="equ" val="65"/>
-          <dgm:constr type="l" for="ch" forName="ellipse1" refType="w" fact="0"/>
-          <dgm:constr type="t" for="ch" forName="ellipse1" refType="h" fact="0"/>
-          <dgm:constr type="w" for="ch" forName="ellipse1" refType="w" fact="0.4929"/>
-          <dgm:constr type="h" for="ch" forName="ellipse1" refType="h" fact="0.5999"/>
-          <dgm:constr type="l" for="ch" forName="ellipse2" refType="w" fact="0.2537"/>
-          <dgm:constr type="t" for="ch" forName="ellipse2" refType="h" fact="0.4001"/>
-          <dgm:constr type="w" for="ch" forName="ellipse2" refType="w" fact="0.4929"/>
-          <dgm:constr type="h" for="ch" forName="ellipse2" refType="h" fact="0.5999"/>
-          <dgm:constr type="l" for="ch" forName="ellipse3" refType="w" fact="0.5071"/>
-          <dgm:constr type="t" for="ch" forName="ellipse3" refType="h" fact="0"/>
-          <dgm:constr type="w" for="ch" forName="ellipse3" refType="w" fact="0.4929"/>
-          <dgm:constr type="h" for="ch" forName="ellipse3" refType="h" fact="0.5999"/>
-        </dgm:constrLst>
-      </dgm:if>
-      <dgm:if name="Name6" axis="ch" ptType="node" func="cnt" op="equ" val="4">
-        <dgm:alg type="composite">
-          <dgm:param type="ar" val="1.5255"/>
-        </dgm:alg>
-        <dgm:shape xmlns:r="http://schemas.openxmlformats.org/officeDocument/2006/relationships" r:blip="">
-          <dgm:adjLst/>
-        </dgm:shape>
-        <dgm:presOf/>
-        <dgm:constrLst>
-          <dgm:constr type="primFontSz" for="des" ptType="node" op="equ" val="65"/>
-          <dgm:constr type="l" for="ch" forName="ellipse1" refType="w" fact="0"/>
-          <dgm:constr type="t" for="ch" forName="ellipse1" refType="h" fact="0"/>
-          <dgm:constr type="w" for="ch" forName="ellipse1" refType="w" fact="0.3932"/>
-          <dgm:constr type="h" for="ch" forName="ellipse1" refType="h" fact="0.5999"/>
-          <dgm:constr type="l" for="ch" forName="ellipse2" refType="w" fact="0.2023"/>
-          <dgm:constr type="t" for="ch" forName="ellipse2" refType="h" fact="0.4001"/>
-          <dgm:constr type="w" for="ch" forName="ellipse2" refType="w" fact="0.3932"/>
-          <dgm:constr type="h" for="ch" forName="ellipse2" refType="h" fact="0.5999"/>
-          <dgm:constr type="l" for="ch" forName="ellipse3" refType="w" fact="0.4045"/>
-          <dgm:constr type="t" for="ch" forName="ellipse3" refType="h" fact="0"/>
-          <dgm:constr type="w" for="ch" forName="ellipse3" refType="w" fact="0.3932"/>
-          <dgm:constr type="h" for="ch" forName="ellipse3" refType="h" fact="0.5999"/>
-          <dgm:constr type="l" for="ch" forName="ellipse4" refType="w" fact="0.6068"/>
-          <dgm:constr type="t" for="ch" forName="ellipse4" refType="h" fact="0.4001"/>
-          <dgm:constr type="w" for="ch" forName="ellipse4" refType="w" fact="0.3932"/>
-          <dgm:constr type="h" for="ch" forName="ellipse4" refType="h" fact="0.5999"/>
-        </dgm:constrLst>
-      </dgm:if>
-      <dgm:if name="Name7" axis="ch" ptType="node" func="cnt" op="equ" val="5">
-        <dgm:alg type="composite">
-          <dgm:param type="ar" val="1.834"/>
-        </dgm:alg>
-        <dgm:shape xmlns:r="http://schemas.openxmlformats.org/officeDocument/2006/relationships" r:blip="">
-          <dgm:adjLst/>
-        </dgm:shape>
-        <dgm:presOf/>
-        <dgm:constrLst>
-          <dgm:constr type="primFontSz" for="des" ptType="node" op="equ" val="65"/>
-          <dgm:constr type="l" for="ch" forName="ellipse1" refType="w" fact="0"/>
-          <dgm:constr type="t" for="ch" forName="ellipse1" refType="h" fact="0"/>
-          <dgm:constr type="w" for="ch" forName="ellipse1" refType="w" fact="0.3271"/>
-          <dgm:constr type="h" for="ch" forName="ellipse1" refType="h" fact="0.5999"/>
-          <dgm:constr type="l" for="ch" forName="ellipse2" refType="w" fact="0.1682"/>
-          <dgm:constr type="t" for="ch" forName="ellipse2" refType="h" fact="0.4001"/>
-          <dgm:constr type="w" for="ch" forName="ellipse2" refType="w" fact="0.3271"/>
-          <dgm:constr type="h" for="ch" forName="ellipse2" refType="h" fact="0.5999"/>
-          <dgm:constr type="l" for="ch" forName="ellipse3" refType="w" fact="0.3365"/>
-          <dgm:constr type="t" for="ch" forName="ellipse3" refType="h" fact="0"/>
-          <dgm:constr type="w" for="ch" forName="ellipse3" refType="w" fact="0.3271"/>
-          <dgm:constr type="h" for="ch" forName="ellipse3" refType="h" fact="0.5999"/>
-          <dgm:constr type="l" for="ch" forName="ellipse4" refType="w" fact="0.5047"/>
-          <dgm:constr type="t" for="ch" forName="ellipse4" refType="h" fact="0.4001"/>
-          <dgm:constr type="w" for="ch" forName="ellipse4" refType="w" fact="0.3271"/>
-          <dgm:constr type="h" for="ch" forName="ellipse4" refType="h" fact="0.5999"/>
-          <dgm:constr type="l" for="ch" forName="ellipse5" refType="w" fact="0.6729"/>
-          <dgm:constr type="t" for="ch" forName="ellipse5" refType="h" fact="0"/>
-          <dgm:constr type="w" for="ch" forName="ellipse5" refType="w" fact="0.3271"/>
-          <dgm:constr type="h" for="ch" forName="ellipse5" refType="h" fact="0.5999"/>
-        </dgm:constrLst>
-      </dgm:if>
-      <dgm:if name="Name8" axis="ch" ptType="node" func="cnt" op="equ" val="6">
-        <dgm:alg type="composite">
-          <dgm:param type="ar" val="2.1873"/>
-        </dgm:alg>
-        <dgm:shape xmlns:r="http://schemas.openxmlformats.org/officeDocument/2006/relationships" r:blip="">
-          <dgm:adjLst/>
-        </dgm:shape>
-        <dgm:presOf/>
-        <dgm:constrLst>
-          <dgm:constr type="primFontSz" for="des" ptType="node" op="equ" val="65"/>
-          <dgm:constr type="l" for="ch" forName="ellipse1" refType="w" fact="0"/>
-          <dgm:constr type="t" for="ch" forName="ellipse1" refType="h" fact="0"/>
-          <dgm:constr type="w" for="ch" forName="ellipse1" refType="w" fact="0.278"/>
-          <dgm:constr type="h" for="ch" forName="ellipse1" refType="h" fact="0.6081"/>
-          <dgm:constr type="l" for="ch" forName="ellipse2" refType="w" fact="0.1444"/>
-          <dgm:constr type="t" for="ch" forName="ellipse2" refType="h" fact="0.3919"/>
-          <dgm:constr type="w" for="ch" forName="ellipse2" refType="w" fact="0.278"/>
-          <dgm:constr type="h" for="ch" forName="ellipse2" refType="h" fact="0.6081"/>
-          <dgm:constr type="l" for="ch" forName="ellipse3" refType="w" fact="0.2888"/>
-          <dgm:constr type="t" for="ch" forName="ellipse3" refType="h" fact="0"/>
-          <dgm:constr type="w" for="ch" forName="ellipse3" refType="w" fact="0.278"/>
-          <dgm:constr type="h" for="ch" forName="ellipse3" refType="h" fact="0.6081"/>
-          <dgm:constr type="l" for="ch" forName="ellipse4" refType="w" fact="0.4332"/>
-          <dgm:constr type="t" for="ch" forName="ellipse4" refType="h" fact="0.3919"/>
-          <dgm:constr type="w" for="ch" forName="ellipse4" refType="w" fact="0.278"/>
-          <dgm:constr type="h" for="ch" forName="ellipse4" refType="h" fact="0.6081"/>
-          <dgm:constr type="l" for="ch" forName="ellipse5" refType="w" fact="0.5776"/>
-          <dgm:constr type="t" for="ch" forName="ellipse5" refType="h" fact="0"/>
-          <dgm:constr type="w" for="ch" forName="ellipse5" refType="w" fact="0.278"/>
-          <dgm:constr type="h" for="ch" forName="ellipse5" refType="h" fact="0.6081"/>
-          <dgm:constr type="l" for="ch" forName="ellipse6" refType="w" fact="0.722"/>
-          <dgm:constr type="t" for="ch" forName="ellipse6" refType="h" fact="0.3919"/>
-          <dgm:constr type="w" for="ch" forName="ellipse6" refType="w" fact="0.278"/>
-          <dgm:constr type="h" for="ch" forName="ellipse6" refType="h" fact="0.6081"/>
-        </dgm:constrLst>
-      </dgm:if>
-      <dgm:else name="Name9">
-        <dgm:alg type="composite">
-          <dgm:param type="ar" val="2.3466"/>
-        </dgm:alg>
-        <dgm:shape xmlns:r="http://schemas.openxmlformats.org/officeDocument/2006/relationships" r:blip="">
-          <dgm:adjLst/>
-        </dgm:shape>
-        <dgm:presOf/>
-        <dgm:constrLst>
-          <dgm:constr type="primFontSz" for="des" ptType="node" op="equ" val="65"/>
-          <dgm:constr type="l" for="ch" forName="ellipse1" refType="w" fact="0"/>
-          <dgm:constr type="t" for="ch" forName="ellipse1" refType="h" fact="0"/>
-          <dgm:constr type="w" for="ch" forName="ellipse1" refType="w" fact="0.2455"/>
-          <dgm:constr type="h" for="ch" forName="ellipse1" refType="h" fact="0.5761"/>
-          <dgm:constr type="l" for="ch" forName="ellipse2" refType="w" fact="0.1257"/>
-          <dgm:constr type="t" for="ch" forName="ellipse2" refType="h" fact="0.4239"/>
-          <dgm:constr type="w" for="ch" forName="ellipse2" refType="w" fact="0.2455"/>
-          <dgm:constr type="h" for="ch" forName="ellipse2" refType="h" fact="0.5761"/>
-          <dgm:constr type="l" for="ch" forName="ellipse3" refType="w" fact="0.2515"/>
-          <dgm:constr type="t" for="ch" forName="ellipse3" refType="h" fact="0"/>
-          <dgm:constr type="w" for="ch" forName="ellipse3" refType="w" fact="0.2455"/>
-          <dgm:constr type="h" for="ch" forName="ellipse3" refType="h" fact="0.5761"/>
-          <dgm:constr type="l" for="ch" forName="ellipse4" refType="w" fact="0.3772"/>
-          <dgm:constr type="t" for="ch" forName="ellipse4" refType="h" fact="0.4239"/>
-          <dgm:constr type="w" for="ch" forName="ellipse4" refType="w" fact="0.2455"/>
-          <dgm:constr type="h" for="ch" forName="ellipse4" refType="h" fact="0.5761"/>
-          <dgm:constr type="l" for="ch" forName="ellipse5" refType="w" fact="0.503"/>
-          <dgm:constr type="t" for="ch" forName="ellipse5" refType="h" fact="0"/>
-          <dgm:constr type="w" for="ch" forName="ellipse5" refType="w" fact="0.2455"/>
-          <dgm:constr type="h" for="ch" forName="ellipse5" refType="h" fact="0.5761"/>
-          <dgm:constr type="l" for="ch" forName="ellipse6" refType="w" fact="0.6287"/>
-          <dgm:constr type="t" for="ch" forName="ellipse6" refType="h" fact="0.4239"/>
-          <dgm:constr type="w" for="ch" forName="ellipse6" refType="w" fact="0.2455"/>
-          <dgm:constr type="h" for="ch" forName="ellipse6" refType="h" fact="0.5761"/>
-          <dgm:constr type="l" for="ch" forName="ellipse7" refType="w" fact="0.7545"/>
-          <dgm:constr type="t" for="ch" forName="ellipse7" refType="h" fact="0"/>
-          <dgm:constr type="w" for="ch" forName="ellipse7" refType="w" fact="0.2455"/>
-          <dgm:constr type="h" for="ch" forName="ellipse7" refType="h" fact="0.5761"/>
-        </dgm:constrLst>
-      </dgm:else>
-    </dgm:choose>
-    <dgm:choose name="Name10">
-      <dgm:if name="Name11" axis="ch" ptType="node" func="cnt" op="gte" val="1">
-        <dgm:layoutNode name="ellipse1" styleLbl="vennNode1">
-          <dgm:varLst>
-            <dgm:bulletEnabled val="1"/>
-          </dgm:varLst>
-          <dgm:alg type="tx"/>
-          <dgm:shape xmlns:r="http://schemas.openxmlformats.org/officeDocument/2006/relationships" type="ellipse" r:blip="">
-            <dgm:adjLst/>
-          </dgm:shape>
-          <dgm:choose name="Name12">
-            <dgm:if name="Name13" func="var" arg="dir" op="equ" val="norm">
-              <dgm:presOf axis="ch desOrSelf" ptType="node node" st="1 1" cnt="1 0"/>
-            </dgm:if>
-            <dgm:else name="Name14">
-              <dgm:choose name="Name15">
-                <dgm:if name="Name16" axis="ch" ptType="node" func="cnt" op="equ" val="1">
-                  <dgm:presOf axis="ch desOrSelf" ptType="node node" st="1 1" cnt="1 0"/>
-                </dgm:if>
-                <dgm:if name="Name17" axis="ch" ptType="node" func="cnt" op="equ" val="2">
-                  <dgm:presOf axis="ch desOrSelf" ptType="node node" st="2 1" cnt="1 0"/>
-                </dgm:if>
-                <dgm:if name="Name18" axis="ch" ptType="node" func="cnt" op="equ" val="3">
-                  <dgm:presOf axis="ch desOrSelf" ptType="node node" st="3 1" cnt="1 0"/>
-                </dgm:if>
-                <dgm:if name="Name19" axis="ch" ptType="node" func="cnt" op="equ" val="4">
-                  <dgm:presOf axis="ch desOrSelf" ptType="node node" st="4 1" cnt="1 0"/>
-                </dgm:if>
-                <dgm:if name="Name20" axis="ch" ptType="node" func="cnt" op="equ" val="5">
-                  <dgm:presOf axis="ch desOrSelf" ptType="node node" st="5 1" cnt="1 0"/>
-                </dgm:if>
-                <dgm:if name="Name21" axis="ch" ptType="node" func="cnt" op="equ" val="6">
-                  <dgm:presOf axis="ch desOrSelf" ptType="node node" st="6 1" cnt="1 0"/>
-                </dgm:if>
-                <dgm:if name="Name22" axis="ch" ptType="node" func="cnt" op="gte" val="7">
-                  <dgm:presOf axis="ch desOrSelf" ptType="node node" st="7 1" cnt="1 0"/>
-                </dgm:if>
-                <dgm:else name="Name23"/>
-              </dgm:choose>
-            </dgm:else>
-          </dgm:choose>
-          <dgm:constrLst>
-            <dgm:constr type="lMarg" refType="primFontSz" fact="0.3"/>
-            <dgm:constr type="rMarg" refType="primFontSz" fact="0.3"/>
-            <dgm:constr type="tMarg" refType="primFontSz" fact="0.3"/>
-            <dgm:constr type="bMarg" refType="primFontSz" fact="0.3"/>
-          </dgm:constrLst>
-          <dgm:ruleLst>
-            <dgm:rule type="primFontSz" val="5" fact="NaN" max="NaN"/>
-          </dgm:ruleLst>
-        </dgm:layoutNode>
-      </dgm:if>
-      <dgm:else name="Name24"/>
-    </dgm:choose>
-    <dgm:choose name="Name25">
-      <dgm:if name="Name26" axis="ch" ptType="node" func="cnt" op="gte" val="2">
-        <dgm:layoutNode name="ellipse2" styleLbl="vennNode1">
-          <dgm:varLst>
-            <dgm:bulletEnabled val="1"/>
-          </dgm:varLst>
-          <dgm:alg type="tx"/>
-          <dgm:choose name="Name27">
-            <dgm:if name="Name28" func="var" arg="dir" op="equ" val="norm">
-              <dgm:shape xmlns:r="http://schemas.openxmlformats.org/officeDocument/2006/relationships" type="ellipse" r:blip="">
-                <dgm:adjLst/>
-              </dgm:shape>
-              <dgm:presOf axis="ch desOrSelf" ptType="node node" st="2 1" cnt="1 0"/>
-            </dgm:if>
-            <dgm:else name="Name29">
-              <dgm:shape xmlns:r="http://schemas.openxmlformats.org/officeDocument/2006/relationships" type="ellipse" r:blip="" zOrderOff="-2">
-                <dgm:adjLst/>
-              </dgm:shape>
-              <dgm:choose name="Name30">
-                <dgm:if name="Name31" axis="ch" ptType="node" func="cnt" op="equ" val="2">
-                  <dgm:presOf axis="ch desOrSelf" ptType="node node" st="1 1" cnt="1 0"/>
-                </dgm:if>
-                <dgm:if name="Name32" axis="ch" ptType="node" func="cnt" op="equ" val="3">
-                  <dgm:presOf axis="ch desOrSelf" ptType="node node" st="2 1" cnt="1 0"/>
-                </dgm:if>
-                <dgm:if name="Name33" axis="ch" ptType="node" func="cnt" op="equ" val="4">
-                  <dgm:presOf axis="ch desOrSelf" ptType="node node" st="3 1" cnt="1 0"/>
-                </dgm:if>
-                <dgm:if name="Name34" axis="ch" ptType="node" func="cnt" op="equ" val="5">
-                  <dgm:presOf axis="ch desOrSelf" ptType="node node" st="4 1" cnt="1 0"/>
-                </dgm:if>
-                <dgm:if name="Name35" axis="ch" ptType="node" func="cnt" op="equ" val="6">
-                  <dgm:presOf axis="ch desOrSelf" ptType="node node" st="5 1" cnt="1 0"/>
-                </dgm:if>
-                <dgm:if name="Name36" axis="ch" ptType="node" func="cnt" op="gte" val="7">
-                  <dgm:presOf axis="ch desOrSelf" ptType="node node" st="6 1" cnt="1 0"/>
-                </dgm:if>
-                <dgm:else name="Name37"/>
-              </dgm:choose>
-            </dgm:else>
-          </dgm:choose>
-          <dgm:constrLst>
-            <dgm:constr type="lMarg" refType="primFontSz" fact="0.3"/>
-            <dgm:constr type="rMarg" refType="primFontSz" fact="0.3"/>
-            <dgm:constr type="tMarg" refType="primFontSz" fact="0.3"/>
-            <dgm:constr type="bMarg" refType="primFontSz" fact="0.3"/>
-          </dgm:constrLst>
-          <dgm:ruleLst>
-            <dgm:rule type="primFontSz" val="5" fact="NaN" max="NaN"/>
-          </dgm:ruleLst>
-        </dgm:layoutNode>
-      </dgm:if>
-      <dgm:else name="Name38"/>
-    </dgm:choose>
-    <dgm:choose name="Name39">
-      <dgm:if name="Name40" axis="ch" ptType="node" func="cnt" op="gte" val="3">
-        <dgm:layoutNode name="ellipse3" styleLbl="vennNode1">
-          <dgm:varLst>
-            <dgm:bulletEnabled val="1"/>
-          </dgm:varLst>
-          <dgm:alg type="tx"/>
-          <dgm:shape xmlns:r="http://schemas.openxmlformats.org/officeDocument/2006/relationships" type="ellipse" r:blip="">
-            <dgm:adjLst/>
-          </dgm:shape>
-          <dgm:choose name="Name41">
-            <dgm:if name="Name42" func="var" arg="dir" op="equ" val="norm">
-              <dgm:shape xmlns:r="http://schemas.openxmlformats.org/officeDocument/2006/relationships" type="ellipse" r:blip="">
-                <dgm:adjLst/>
-              </dgm:shape>
-              <dgm:presOf axis="ch desOrSelf" ptType="node node" st="3 1" cnt="1 0"/>
-            </dgm:if>
-            <dgm:else name="Name43">
-              <dgm:shape xmlns:r="http://schemas.openxmlformats.org/officeDocument/2006/relationships" type="ellipse" r:blip="" zOrderOff="-4">
-                <dgm:adjLst/>
-              </dgm:shape>
-              <dgm:choose name="Name44">
-                <dgm:if name="Name45" axis="ch" ptType="node" func="cnt" op="equ" val="3">
-                  <dgm:presOf axis="ch desOrSelf" ptType="node node" st="1 1" cnt="1 0"/>
-                </dgm:if>
-                <dgm:if name="Name46" axis="ch" ptType="node" func="cnt" op="equ" val="4">
-                  <dgm:presOf axis="ch desOrSelf" ptType="node node" st="2 1" cnt="1 0"/>
-                </dgm:if>
-                <dgm:if name="Name47" axis="ch" ptType="node" func="cnt" op="equ" val="5">
-                  <dgm:presOf axis="ch desOrSelf" ptType="node node" st="3 1" cnt="1 0"/>
-                </dgm:if>
-                <dgm:if name="Name48" axis="ch" ptType="node" func="cnt" op="equ" val="6">
-                  <dgm:presOf axis="ch desOrSelf" ptType="node node" st="4 1" cnt="1 0"/>
-                </dgm:if>
-                <dgm:if name="Name49" axis="ch" ptType="node" func="cnt" op="gte" val="7">
-                  <dgm:presOf axis="ch desOrSelf" ptType="node node" st="5 1" cnt="1 0"/>
-                </dgm:if>
-                <dgm:else name="Name50"/>
-              </dgm:choose>
-            </dgm:else>
-          </dgm:choose>
-          <dgm:constrLst>
-            <dgm:constr type="lMarg" refType="primFontSz" fact="0.3"/>
-            <dgm:constr type="rMarg" refType="primFontSz" fact="0.3"/>
-            <dgm:constr type="tMarg" refType="primFontSz" fact="0.3"/>
-            <dgm:constr type="bMarg" refType="primFontSz" fact="0.3"/>
-          </dgm:constrLst>
-          <dgm:ruleLst>
-            <dgm:rule type="primFontSz" val="5" fact="NaN" max="NaN"/>
-          </dgm:ruleLst>
-        </dgm:layoutNode>
-      </dgm:if>
-      <dgm:else name="Name51"/>
-    </dgm:choose>
-    <dgm:choose name="Name52">
-      <dgm:if name="Name53" axis="ch" ptType="node" func="cnt" op="gte" val="4">
-        <dgm:layoutNode name="ellipse4" styleLbl="vennNode1">
-          <dgm:varLst>
-            <dgm:bulletEnabled val="1"/>
-          </dgm:varLst>
-          <dgm:alg type="tx"/>
-          <dgm:choose name="Name54">
-            <dgm:if name="Name55" func="var" arg="dir" op="equ" val="norm">
-              <dgm:shape xmlns:r="http://schemas.openxmlformats.org/officeDocument/2006/relationships" type="ellipse" r:blip="">
-                <dgm:adjLst/>
-              </dgm:shape>
-              <dgm:presOf axis="ch desOrSelf" ptType="node node" st="4 1" cnt="1 0"/>
-            </dgm:if>
-            <dgm:else name="Name56">
-              <dgm:shape xmlns:r="http://schemas.openxmlformats.org/officeDocument/2006/relationships" type="ellipse" r:blip="" zOrderOff="-6">
-                <dgm:adjLst/>
-              </dgm:shape>
-              <dgm:choose name="Name57">
-                <dgm:if name="Name58" axis="ch" ptType="node" func="cnt" op="equ" val="4">
-                  <dgm:presOf axis="ch desOrSelf" ptType="node node" st="1 1" cnt="1 0"/>
-                </dgm:if>
-                <dgm:if name="Name59" axis="ch" ptType="node" func="cnt" op="equ" val="5">
-                  <dgm:presOf axis="ch desOrSelf" ptType="node node" st="2 1" cnt="1 0"/>
-                </dgm:if>
-                <dgm:if name="Name60" axis="ch" ptType="node" func="cnt" op="equ" val="6">
-                  <dgm:presOf axis="ch desOrSelf" ptType="node node" st="3 1" cnt="1 0"/>
-                </dgm:if>
-                <dgm:if name="Name61" axis="ch" ptType="node" func="cnt" op="gte" val="7">
-                  <dgm:presOf axis="ch desOrSelf" ptType="node node" st="4 1" cnt="1 0"/>
-                </dgm:if>
-                <dgm:else name="Name62"/>
-              </dgm:choose>
-            </dgm:else>
-          </dgm:choose>
-          <dgm:constrLst>
-            <dgm:constr type="lMarg" refType="primFontSz" fact="0.3"/>
-            <dgm:constr type="rMarg" refType="primFontSz" fact="0.3"/>
-            <dgm:constr type="tMarg" refType="primFontSz" fact="0.3"/>
-            <dgm:constr type="bMarg" refType="primFontSz" fact="0.3"/>
-          </dgm:constrLst>
-          <dgm:ruleLst>
-            <dgm:rule type="primFontSz" val="5" fact="NaN" max="NaN"/>
-          </dgm:ruleLst>
-        </dgm:layoutNode>
-      </dgm:if>
-      <dgm:else name="Name63"/>
-    </dgm:choose>
-    <dgm:choose name="Name64">
-      <dgm:if name="Name65" axis="ch" ptType="node" func="cnt" op="gte" val="5">
-        <dgm:layoutNode name="ellipse5" styleLbl="vennNode1">
-          <dgm:varLst>
-            <dgm:bulletEnabled val="1"/>
-          </dgm:varLst>
-          <dgm:alg type="tx"/>
-          <dgm:choose name="Name66">
-            <dgm:if name="Name67" func="var" arg="dir" op="equ" val="norm">
-              <dgm:shape xmlns:r="http://schemas.openxmlformats.org/officeDocument/2006/relationships" type="ellipse" r:blip="">
-                <dgm:adjLst/>
-              </dgm:shape>
-              <dgm:presOf axis="ch desOrSelf" ptType="node node" st="5 1" cnt="1 0"/>
-            </dgm:if>
-            <dgm:else name="Name68">
-              <dgm:shape xmlns:r="http://schemas.openxmlformats.org/officeDocument/2006/relationships" type="ellipse" r:blip="" zOrderOff="-8">
-                <dgm:adjLst/>
-              </dgm:shape>
-              <dgm:choose name="Name69">
-                <dgm:if name="Name70" axis="ch" ptType="node" func="cnt" op="equ" val="5">
-                  <dgm:presOf axis="ch desOrSelf" ptType="node node" st="1 1" cnt="1 0"/>
-                </dgm:if>
-                <dgm:if name="Name71" axis="ch" ptType="node" func="cnt" op="equ" val="6">
-                  <dgm:presOf axis="ch desOrSelf" ptType="node node" st="2 1" cnt="1 0"/>
-                </dgm:if>
-                <dgm:if name="Name72" axis="ch" ptType="node" func="cnt" op="gte" val="7">
-                  <dgm:presOf axis="ch desOrSelf" ptType="node node" st="3 1" cnt="1 0"/>
-                </dgm:if>
-                <dgm:else name="Name73"/>
-              </dgm:choose>
-            </dgm:else>
-          </dgm:choose>
-          <dgm:constrLst>
-            <dgm:constr type="lMarg" refType="primFontSz" fact="0.3"/>
-            <dgm:constr type="rMarg" refType="primFontSz" fact="0.3"/>
-            <dgm:constr type="tMarg" refType="primFontSz" fact="0.3"/>
-            <dgm:constr type="bMarg" refType="primFontSz" fact="0.3"/>
-          </dgm:constrLst>
-          <dgm:ruleLst>
-            <dgm:rule type="primFontSz" val="5" fact="NaN" max="NaN"/>
-          </dgm:ruleLst>
-        </dgm:layoutNode>
-      </dgm:if>
-      <dgm:else name="Name74"/>
-    </dgm:choose>
-    <dgm:choose name="Name75">
-      <dgm:if name="Name76" axis="ch" ptType="node" func="cnt" op="gte" val="6">
-        <dgm:layoutNode name="ellipse6" styleLbl="vennNode1">
-          <dgm:varLst>
-            <dgm:bulletEnabled val="1"/>
-          </dgm:varLst>
-          <dgm:alg type="tx"/>
-          <dgm:choose name="Name77">
-            <dgm:if name="Name78" func="var" arg="dir" op="equ" val="norm">
-              <dgm:shape xmlns:r="http://schemas.openxmlformats.org/officeDocument/2006/relationships" type="ellipse" r:blip="">
-                <dgm:adjLst/>
-              </dgm:shape>
-              <dgm:presOf axis="ch desOrSelf" ptType="node node" st="6 1" cnt="1 0"/>
-            </dgm:if>
-            <dgm:else name="Name79">
-              <dgm:shape xmlns:r="http://schemas.openxmlformats.org/officeDocument/2006/relationships" type="ellipse" r:blip="" zOrderOff="-10">
-                <dgm:adjLst/>
-              </dgm:shape>
-              <dgm:choose name="Name80">
-                <dgm:if name="Name81" axis="ch" ptType="node" func="cnt" op="equ" val="6">
-                  <dgm:presOf axis="ch desOrSelf" ptType="node node" st="1 1" cnt="1 0"/>
-                </dgm:if>
-                <dgm:if name="Name82" axis="ch" ptType="node" func="cnt" op="gte" val="7">
-                  <dgm:presOf axis="ch desOrSelf" ptType="node node" st="2 1" cnt="1 0"/>
-                </dgm:if>
-                <dgm:else name="Name83"/>
-              </dgm:choose>
-            </dgm:else>
-          </dgm:choose>
-          <dgm:constrLst>
-            <dgm:constr type="lMarg" refType="primFontSz" fact="0.3"/>
-            <dgm:constr type="rMarg" refType="primFontSz" fact="0.3"/>
-            <dgm:constr type="tMarg" refType="primFontSz" fact="0.3"/>
-            <dgm:constr type="bMarg" refType="primFontSz" fact="0.3"/>
-          </dgm:constrLst>
-          <dgm:ruleLst>
-            <dgm:rule type="primFontSz" val="5" fact="NaN" max="NaN"/>
-          </dgm:ruleLst>
-        </dgm:layoutNode>
-      </dgm:if>
-      <dgm:else name="Name84"/>
-    </dgm:choose>
-    <dgm:choose name="Name85">
-      <dgm:if name="Name86" axis="ch" ptType="node" func="cnt" op="gte" val="7">
-        <dgm:layoutNode name="ellipse7" styleLbl="vennNode1">
-          <dgm:varLst>
-            <dgm:bulletEnabled val="1"/>
-          </dgm:varLst>
-          <dgm:alg type="tx"/>
-          <dgm:choose name="Name87">
-            <dgm:if name="Name88" func="var" arg="dir" op="equ" val="norm">
-              <dgm:shape xmlns:r="http://schemas.openxmlformats.org/officeDocument/2006/relationships" type="ellipse" r:blip="">
-                <dgm:adjLst/>
-              </dgm:shape>
-              <dgm:presOf axis="ch desOrSelf" ptType="node node" st="7 1" cnt="1 0"/>
-            </dgm:if>
-            <dgm:else name="Name89">
-              <dgm:shape xmlns:r="http://schemas.openxmlformats.org/officeDocument/2006/relationships" type="ellipse" r:blip="" zOrderOff="-12">
-                <dgm:adjLst/>
-              </dgm:shape>
-              <dgm:presOf axis="ch desOrSelf" ptType="node node" st="1 1" cnt="1 0"/>
-            </dgm:else>
-          </dgm:choose>
-          <dgm:constrLst>
-            <dgm:constr type="lMarg" refType="primFontSz" fact="0.3"/>
-            <dgm:constr type="rMarg" refType="primFontSz" fact="0.3"/>
-            <dgm:constr type="tMarg" refType="primFontSz" fact="0.3"/>
-            <dgm:constr type="bMarg" refType="primFontSz" fact="0.3"/>
-          </dgm:constrLst>
-          <dgm:ruleLst>
-            <dgm:rule type="primFontSz" val="5" fact="NaN" max="NaN"/>
-          </dgm:ruleLst>
-        </dgm:layoutNode>
-      </dgm:if>
-      <dgm:else name="Name90"/>
-    </dgm:choose>
-  </dgm:layoutNode>
-</dgm:layoutDef>
-</file>
-
-<file path=ppt/diagrams/quickStyle1.xml><?xml version="1.0" encoding="utf-8"?>
-<dgm:styleDef xmlns:dgm="http://schemas.openxmlformats.org/drawingml/2006/diagram" xmlns:a="http://schemas.openxmlformats.org/drawingml/2006/main" uniqueId="urn:microsoft.com/office/officeart/2005/8/quickstyle/simple4">
-  <dgm:title val=""/>
-  <dgm:desc val=""/>
-  <dgm:catLst>
-    <dgm:cat type="simple" pri="10400"/>
-  </dgm:catLst>
-  <dgm:scene3d>
-    <a:camera prst="orthographicFront"/>
-    <a:lightRig rig="threePt" dir="t"/>
-  </dgm:scene3d>
-  <dgm:styleLbl name="node0">
-    <dgm:scene3d>
-      <a:camera prst="orthographicFront"/>
-      <a:lightRig rig="threePt" dir="t"/>
-    </dgm:scene3d>
-    <dgm:sp3d/>
-    <dgm:txPr/>
-    <dgm:style>
-      <a:lnRef idx="0">
-        <a:scrgbClr r="0" g="0" b="0"/>
-      </a:lnRef>
-      <a:fillRef idx="3">
-        <a:scrgbClr r="0" g="0" b="0"/>
-      </a:fillRef>
-      <a:effectRef idx="2">
-        <a:scrgbClr r="0" g="0" b="0"/>
-      </a:effectRef>
-      <a:fontRef idx="minor">
-        <a:schemeClr val="lt1"/>
-      </a:fontRef>
-    </dgm:style>
-  </dgm:styleLbl>
-  <dgm:styleLbl name="lnNode1">
-    <dgm:scene3d>
-      <a:camera prst="orthographicFront"/>
-      <a:lightRig rig="threePt" dir="t"/>
-    </dgm:scene3d>
-    <dgm:sp3d/>
-    <dgm:txPr/>
-    <dgm:style>
-      <a:lnRef idx="1">
-        <a:scrgbClr r="0" g="0" b="0"/>
-      </a:lnRef>
-      <a:fillRef idx="3">
-        <a:scrgbClr r="0" g="0" b="0"/>
-      </a:fillRef>
-      <a:effectRef idx="2">
-        <a:scrgbClr r="0" g="0" b="0"/>
-      </a:effectRef>
-      <a:fontRef idx="minor">
-        <a:schemeClr val="lt1"/>
-      </a:fontRef>
-    </dgm:style>
-  </dgm:styleLbl>
-  <dgm:styleLbl name="vennNode1">
-    <dgm:scene3d>
-      <a:camera prst="orthographicFront"/>
-      <a:lightRig rig="threePt" dir="t"/>
-    </dgm:scene3d>
-    <dgm:sp3d/>
-    <dgm:txPr/>
-    <dgm:style>
-      <a:lnRef idx="0">
-        <a:scrgbClr r="0" g="0" b="0"/>
-      </a:lnRef>
-      <a:fillRef idx="3">
-        <a:scrgbClr r="0" g="0" b="0"/>
-      </a:fillRef>
-      <a:effectRef idx="0">
-        <a:scrgbClr r="0" g="0" b="0"/>
-      </a:effectRef>
-      <a:fontRef idx="minor">
-        <a:schemeClr val="tx1"/>
-      </a:fontRef>
-    </dgm:style>
-  </dgm:styleLbl>
-  <dgm:styleLbl name="alignNode1">
-    <dgm:scene3d>
-      <a:camera prst="orthographicFront"/>
-      <a:lightRig rig="threePt" dir="t"/>
-    </dgm:scene3d>
-    <dgm:sp3d/>
-    <dgm:txPr/>
-    <dgm:style>
-      <a:lnRef idx="1">
-        <a:scrgbClr r="0" g="0" b="0"/>
-      </a:lnRef>
-      <a:fillRef idx="3">
-        <a:scrgbClr r="0" g="0" b="0"/>
-      </a:fillRef>
-      <a:effectRef idx="2">
-        <a:scrgbClr r="0" g="0" b="0"/>
-      </a:effectRef>
-      <a:fontRef idx="minor">
-        <a:schemeClr val="lt1"/>
-      </a:fontRef>
-    </dgm:style>
-  </dgm:styleLbl>
-  <dgm:styleLbl name="node1">
-    <dgm:scene3d>
-      <a:camera prst="orthographicFront"/>
-      <a:lightRig rig="threePt" dir="t"/>
-    </dgm:scene3d>
-    <dgm:sp3d/>
-    <dgm:txPr/>
-    <dgm:style>
-      <a:lnRef idx="0">
-        <a:scrgbClr r="0" g="0" b="0"/>
-      </a:lnRef>
-      <a:fillRef idx="3">
-        <a:scrgbClr r="0" g="0" b="0"/>
-      </a:fillRef>
-      <a:effectRef idx="2">
-        <a:scrgbClr r="0" g="0" b="0"/>
-      </a:effectRef>
-      <a:fontRef idx="minor">
-        <a:schemeClr val="lt1"/>
-      </a:fontRef>
-    </dgm:style>
-  </dgm:styleLbl>
-  <dgm:styleLbl name="node2">
-    <dgm:scene3d>
-      <a:camera prst="orthographicFront"/>
-      <a:lightRig rig="threePt" dir="t"/>
-    </dgm:scene3d>
-    <dgm:sp3d/>
-    <dgm:txPr/>
-    <dgm:style>
-      <a:lnRef idx="0">
-        <a:scrgbClr r="0" g="0" b="0"/>
-      </a:lnRef>
-      <a:fillRef idx="3">
-        <a:scrgbClr r="0" g="0" b="0"/>
-      </a:fillRef>
-      <a:effectRef idx="2">
-        <a:scrgbClr r="0" g="0" b="0"/>
-      </a:effectRef>
-      <a:fontRef idx="minor">
-        <a:schemeClr val="lt1"/>
-      </a:fontRef>
-    </dgm:style>
-  </dgm:styleLbl>
-  <dgm:styleLbl name="node3">
-    <dgm:scene3d>
-      <a:camera prst="orthographicFront"/>
-      <a:lightRig rig="threePt" dir="t"/>
-    </dgm:scene3d>
-    <dgm:sp3d/>
-    <dgm:txPr/>
-    <dgm:style>
-      <a:lnRef idx="0">
-        <a:scrgbClr r="0" g="0" b="0"/>
-      </a:lnRef>
-      <a:fillRef idx="3">
-        <a:scrgbClr r="0" g="0" b="0"/>
-      </a:fillRef>
-      <a:effectRef idx="2">
-        <a:scrgbClr r="0" g="0" b="0"/>
-      </a:effectRef>
-      <a:fontRef idx="minor">
-        <a:schemeClr val="lt1"/>
-      </a:fontRef>
-    </dgm:style>
-  </dgm:styleLbl>
-  <dgm:styleLbl name="node4">
-    <dgm:scene3d>
-      <a:camera prst="orthographicFront"/>
-      <a:lightRig rig="threePt" dir="t"/>
-    </dgm:scene3d>
-    <dgm:sp3d/>
-    <dgm:txPr/>
-    <dgm:style>
-      <a:lnRef idx="0">
-        <a:scrgbClr r="0" g="0" b="0"/>
-      </a:lnRef>
-      <a:fillRef idx="3">
-        <a:scrgbClr r="0" g="0" b="0"/>
-      </a:fillRef>
-      <a:effectRef idx="2">
-        <a:scrgbClr r="0" g="0" b="0"/>
-      </a:effectRef>
-      <a:fontRef idx="minor">
-        <a:schemeClr val="lt1"/>
-      </a:fontRef>
-    </dgm:style>
-  </dgm:styleLbl>
-  <dgm:styleLbl name="fgImgPlace1">
-    <dgm:scene3d>
-      <a:camera prst="orthographicFront"/>
-      <a:lightRig rig="threePt" dir="t"/>
-    </dgm:scene3d>
-    <dgm:sp3d/>
-    <dgm:txPr/>
-    <dgm:style>
-      <a:lnRef idx="0">
-        <a:scrgbClr r="0" g="0" b="0"/>
-      </a:lnRef>
-      <a:fillRef idx="1">
-        <a:scrgbClr r="0" g="0" b="0"/>
-      </a:fillRef>
-      <a:effectRef idx="2">
-        <a:scrgbClr r="0" g="0" b="0"/>
-      </a:effectRef>
-      <a:fontRef idx="minor"/>
-    </dgm:style>
-  </dgm:styleLbl>
-  <dgm:styleLbl name="alignImgPlace1">
-    <dgm:scene3d>
-      <a:camera prst="orthographicFront"/>
-      <a:lightRig rig="threePt" dir="t"/>
-    </dgm:scene3d>
-    <dgm:sp3d/>
-    <dgm:txPr/>
-    <dgm:style>
-      <a:lnRef idx="0">
-        <a:scrgbClr r="0" g="0" b="0"/>
-      </a:lnRef>
-      <a:fillRef idx="1">
-        <a:scrgbClr r="0" g="0" b="0"/>
-      </a:fillRef>
-      <a:effectRef idx="2">
-        <a:scrgbClr r="0" g="0" b="0"/>
-      </a:effectRef>
-      <a:fontRef idx="minor"/>
-    </dgm:style>
-  </dgm:styleLbl>
-  <dgm:styleLbl name="bgImgPlace1">
-    <dgm:scene3d>
-      <a:camera prst="orthographicFront"/>
-      <a:lightRig rig="threePt" dir="t"/>
-    </dgm:scene3d>
-    <dgm:sp3d/>
-    <dgm:txPr/>
-    <dgm:style>
-      <a:lnRef idx="0">
-        <a:scrgbClr r="0" g="0" b="0"/>
-      </a:lnRef>
-      <a:fillRef idx="1">
-        <a:scrgbClr r="0" g="0" b="0"/>
-      </a:fillRef>
-      <a:effectRef idx="2">
-        <a:scrgbClr r="0" g="0" b="0"/>
-      </a:effectRef>
-      <a:fontRef idx="minor"/>
-    </dgm:style>
-  </dgm:styleLbl>
-  <dgm:styleLbl name="sibTrans2D1">
-    <dgm:scene3d>
-      <a:camera prst="orthographicFront"/>
-      <a:lightRig rig="threePt" dir="t"/>
-    </dgm:scene3d>
-    <dgm:sp3d/>
-    <dgm:txPr/>
-    <dgm:style>
-      <a:lnRef idx="0">
-        <a:scrgbClr r="0" g="0" b="0"/>
-      </a:lnRef>
-      <a:fillRef idx="3">
-        <a:scrgbClr r="0" g="0" b="0"/>
-      </a:fillRef>
-      <a:effectRef idx="2">
-        <a:scrgbClr r="0" g="0" b="0"/>
-      </a:effectRef>
-      <a:fontRef idx="minor">
-        <a:schemeClr val="lt1"/>
-      </a:fontRef>
-    </dgm:style>
-  </dgm:styleLbl>
-  <dgm:styleLbl name="fgSibTrans2D1">
-    <dgm:scene3d>
-      <a:camera prst="orthographicFront"/>
-      <a:lightRig rig="threePt" dir="t"/>
-    </dgm:scene3d>
-    <dgm:sp3d/>
-    <dgm:txPr/>
-    <dgm:style>
-      <a:lnRef idx="0">
-        <a:scrgbClr r="0" g="0" b="0"/>
-      </a:lnRef>
-      <a:fillRef idx="3">
-        <a:scrgbClr r="0" g="0" b="0"/>
-      </a:fillRef>
-      <a:effectRef idx="2">
-        <a:scrgbClr r="0" g="0" b="0"/>
-      </a:effectRef>
-      <a:fontRef idx="minor">
-        <a:schemeClr val="lt1"/>
-      </a:fontRef>
-    </dgm:style>
-  </dgm:styleLbl>
-  <dgm:styleLbl name="bgSibTrans2D1">
-    <dgm:scene3d>
-      <a:camera prst="orthographicFront"/>
-      <a:lightRig rig="threePt" dir="t"/>
-    </dgm:scene3d>
-    <dgm:sp3d/>
-    <dgm:txPr/>
-    <dgm:style>
-      <a:lnRef idx="0">
-        <a:scrgbClr r="0" g="0" b="0"/>
-      </a:lnRef>
-      <a:fillRef idx="3">
-        <a:scrgbClr r="0" g="0" b="0"/>
-      </a:fillRef>
-      <a:effectRef idx="2">
-        <a:scrgbClr r="0" g="0" b="0"/>
-      </a:effectRef>
-      <a:fontRef idx="minor">
-        <a:schemeClr val="lt1"/>
-      </a:fontRef>
-    </dgm:style>
-  </dgm:styleLbl>
-  <dgm:styleLbl name="sibTrans1D1">
-    <dgm:scene3d>
-      <a:camera prst="orthographicFront"/>
-      <a:lightRig rig="threePt" dir="t"/>
-    </dgm:scene3d>
-    <dgm:sp3d/>
-    <dgm:txPr/>
-    <dgm:style>
-      <a:lnRef idx="1">
-        <a:scrgbClr r="0" g="0" b="0"/>
-      </a:lnRef>
-      <a:fillRef idx="0">
-        <a:scrgbClr r="0" g="0" b="0"/>
-      </a:fillRef>
-      <a:effectRef idx="0">
-        <a:scrgbClr r="0" g="0" b="0"/>
-      </a:effectRef>
-      <a:fontRef idx="minor"/>
-    </dgm:style>
-  </dgm:styleLbl>
-  <dgm:styleLbl name="callout">
-    <dgm:scene3d>
-      <a:camera prst="orthographicFront"/>
-      <a:lightRig rig="threePt" dir="t"/>
-    </dgm:scene3d>
-    <dgm:sp3d/>
-    <dgm:txPr/>
-    <dgm:style>
-      <a:lnRef idx="2">
-        <a:scrgbClr r="0" g="0" b="0"/>
-      </a:lnRef>
-      <a:fillRef idx="1">
-        <a:scrgbClr r="0" g="0" b="0"/>
-      </a:fillRef>
-      <a:effectRef idx="1">
-        <a:scrgbClr r="0" g="0" b="0"/>
-      </a:effectRef>
-      <a:fontRef idx="minor"/>
-    </dgm:style>
-  </dgm:styleLbl>
-  <dgm:styleLbl name="asst0">
-    <dgm:scene3d>
-      <a:camera prst="orthographicFront"/>
-      <a:lightRig rig="threePt" dir="t"/>
-    </dgm:scene3d>
-    <dgm:sp3d/>
-    <dgm:txPr/>
-    <dgm:style>
-      <a:lnRef idx="0">
-        <a:scrgbClr r="0" g="0" b="0"/>
-      </a:lnRef>
-      <a:fillRef idx="3">
-        <a:scrgbClr r="0" g="0" b="0"/>
-      </a:fillRef>
-      <a:effectRef idx="2">
-        <a:scrgbClr r="0" g="0" b="0"/>
-      </a:effectRef>
-      <a:fontRef idx="minor">
-        <a:schemeClr val="lt1"/>
-      </a:fontRef>
-    </dgm:style>
-  </dgm:styleLbl>
-  <dgm:styleLbl name="asst1">
-    <dgm:scene3d>
-      <a:camera prst="orthographicFront"/>
-      <a:lightRig rig="threePt" dir="t"/>
-    </dgm:scene3d>
-    <dgm:sp3d/>
-    <dgm:txPr/>
-    <dgm:style>
-      <a:lnRef idx="0">
-        <a:scrgbClr r="0" g="0" b="0"/>
-      </a:lnRef>
-      <a:fillRef idx="3">
-        <a:scrgbClr r="0" g="0" b="0"/>
-      </a:fillRef>
-      <a:effectRef idx="2">
-        <a:scrgbClr r="0" g="0" b="0"/>
-      </a:effectRef>
-      <a:fontRef idx="minor">
-        <a:schemeClr val="lt1"/>
-      </a:fontRef>
-    </dgm:style>
-  </dgm:styleLbl>
-  <dgm:styleLbl name="asst2">
-    <dgm:scene3d>
-      <a:camera prst="orthographicFront"/>
-      <a:lightRig rig="threePt" dir="t"/>
-    </dgm:scene3d>
-    <dgm:sp3d/>
-    <dgm:txPr/>
-    <dgm:style>
-      <a:lnRef idx="0">
-        <a:scrgbClr r="0" g="0" b="0"/>
-      </a:lnRef>
-      <a:fillRef idx="3">
-        <a:scrgbClr r="0" g="0" b="0"/>
-      </a:fillRef>
-      <a:effectRef idx="2">
-        <a:scrgbClr r="0" g="0" b="0"/>
-      </a:effectRef>
-      <a:fontRef idx="minor">
-        <a:schemeClr val="lt1"/>
-      </a:fontRef>
-    </dgm:style>
-  </dgm:styleLbl>
-  <dgm:styleLbl name="asst3">
-    <dgm:scene3d>
-      <a:camera prst="orthographicFront"/>
-      <a:lightRig rig="threePt" dir="t"/>
-    </dgm:scene3d>
-    <dgm:sp3d/>
-    <dgm:txPr/>
-    <dgm:style>
-      <a:lnRef idx="0">
-        <a:scrgbClr r="0" g="0" b="0"/>
-      </a:lnRef>
-      <a:fillRef idx="3">
-        <a:scrgbClr r="0" g="0" b="0"/>
-      </a:fillRef>
-      <a:effectRef idx="2">
-        <a:scrgbClr r="0" g="0" b="0"/>
-      </a:effectRef>
-      <a:fontRef idx="minor">
-        <a:schemeClr val="lt1"/>
-      </a:fontRef>
-    </dgm:style>
-  </dgm:styleLbl>
-  <dgm:styleLbl name="asst4">
-    <dgm:scene3d>
-      <a:camera prst="orthographicFront"/>
-      <a:lightRig rig="threePt" dir="t"/>
-    </dgm:scene3d>
-    <dgm:sp3d/>
-    <dgm:txPr/>
-    <dgm:style>
-      <a:lnRef idx="0">
-        <a:scrgbClr r="0" g="0" b="0"/>
-      </a:lnRef>
-      <a:fillRef idx="3">
-        <a:scrgbClr r="0" g="0" b="0"/>
-      </a:fillRef>
-      <a:effectRef idx="2">
-        <a:scrgbClr r="0" g="0" b="0"/>
-      </a:effectRef>
-      <a:fontRef idx="minor">
-        <a:schemeClr val="lt1"/>
-      </a:fontRef>
-    </dgm:style>
-  </dgm:styleLbl>
-  <dgm:styleLbl name="parChTrans2D1">
-    <dgm:scene3d>
-      <a:camera prst="orthographicFront"/>
-      <a:lightRig rig="threePt" dir="t"/>
-    </dgm:scene3d>
-    <dgm:sp3d/>
-    <dgm:txPr/>
-    <dgm:style>
-      <a:lnRef idx="0">
-        <a:scrgbClr r="0" g="0" b="0"/>
-      </a:lnRef>
-      <a:fillRef idx="3">
-        <a:scrgbClr r="0" g="0" b="0"/>
-      </a:fillRef>
-      <a:effectRef idx="2">
-        <a:scrgbClr r="0" g="0" b="0"/>
-      </a:effectRef>
-      <a:fontRef idx="minor">
-        <a:schemeClr val="lt1"/>
-      </a:fontRef>
-    </dgm:style>
-  </dgm:styleLbl>
-  <dgm:styleLbl name="parChTrans2D2">
-    <dgm:scene3d>
-      <a:camera prst="orthographicFront"/>
-      <a:lightRig rig="threePt" dir="t"/>
-    </dgm:scene3d>
-    <dgm:sp3d/>
-    <dgm:txPr/>
-    <dgm:style>
-      <a:lnRef idx="0">
-        <a:scrgbClr r="0" g="0" b="0"/>
-      </a:lnRef>
-      <a:fillRef idx="3">
-        <a:scrgbClr r="0" g="0" b="0"/>
-      </a:fillRef>
-      <a:effectRef idx="2">
-        <a:scrgbClr r="0" g="0" b="0"/>
-      </a:effectRef>
-      <a:fontRef idx="minor">
-        <a:schemeClr val="lt1"/>
-      </a:fontRef>
-    </dgm:style>
-  </dgm:styleLbl>
-  <dgm:styleLbl name="parChTrans2D3">
-    <dgm:scene3d>
-      <a:camera prst="orthographicFront"/>
-      <a:lightRig rig="threePt" dir="t"/>
-    </dgm:scene3d>
-    <dgm:sp3d/>
-    <dgm:txPr/>
-    <dgm:style>
-      <a:lnRef idx="1">
-        <a:scrgbClr r="0" g="0" b="0"/>
-      </a:lnRef>
-      <a:fillRef idx="3">
-        <a:scrgbClr r="0" g="0" b="0"/>
-      </a:fillRef>
-      <a:effectRef idx="2">
-        <a:scrgbClr r="0" g="0" b="0"/>
-      </a:effectRef>
-      <a:fontRef idx="minor">
-        <a:schemeClr val="lt1"/>
-      </a:fontRef>
-    </dgm:style>
-  </dgm:styleLbl>
-  <dgm:styleLbl name="parChTrans2D4">
-    <dgm:scene3d>
-      <a:camera prst="orthographicFront"/>
-      <a:lightRig rig="threePt" dir="t"/>
-    </dgm:scene3d>
-    <dgm:sp3d/>
-    <dgm:txPr/>
-    <dgm:style>
-      <a:lnRef idx="1">
-        <a:scrgbClr r="0" g="0" b="0"/>
-      </a:lnRef>
-      <a:fillRef idx="3">
-        <a:scrgbClr r="0" g="0" b="0"/>
-      </a:fillRef>
-      <a:effectRef idx="2">
-        <a:scrgbClr r="0" g="0" b="0"/>
-      </a:effectRef>
-      <a:fontRef idx="minor">
-        <a:schemeClr val="lt1"/>
-      </a:fontRef>
-    </dgm:style>
-  </dgm:styleLbl>
-  <dgm:styleLbl name="parChTrans1D1">
-    <dgm:scene3d>
-      <a:camera prst="orthographicFront"/>
-      <a:lightRig rig="threePt" dir="t"/>
-    </dgm:scene3d>
-    <dgm:sp3d/>
-    <dgm:txPr/>
-    <dgm:style>
-      <a:lnRef idx="1">
-        <a:scrgbClr r="0" g="0" b="0"/>
-      </a:lnRef>
-      <a:fillRef idx="0">
-        <a:scrgbClr r="0" g="0" b="0"/>
-      </a:fillRef>
-      <a:effectRef idx="0">
-        <a:scrgbClr r="0" g="0" b="0"/>
-      </a:effectRef>
-      <a:fontRef idx="minor"/>
-    </dgm:style>
-  </dgm:styleLbl>
-  <dgm:styleLbl name="parChTrans1D2">
-    <dgm:scene3d>
-      <a:camera prst="orthographicFront"/>
-      <a:lightRig rig="threePt" dir="t"/>
-    </dgm:scene3d>
-    <dgm:sp3d/>
-    <dgm:txPr/>
-    <dgm:style>
-      <a:lnRef idx="1">
-        <a:scrgbClr r="0" g="0" b="0"/>
-      </a:lnRef>
-      <a:fillRef idx="0">
-        <a:scrgbClr r="0" g="0" b="0"/>
-      </a:fillRef>
-      <a:effectRef idx="0">
-        <a:scrgbClr r="0" g="0" b="0"/>
-      </a:effectRef>
-      <a:fontRef idx="minor"/>
-    </dgm:style>
-  </dgm:styleLbl>
-  <dgm:styleLbl name="parChTrans1D3">
-    <dgm:scene3d>
-      <a:camera prst="orthographicFront"/>
-      <a:lightRig rig="threePt" dir="t"/>
-    </dgm:scene3d>
-    <dgm:sp3d/>
-    <dgm:txPr/>
-    <dgm:style>
-      <a:lnRef idx="1">
-        <a:scrgbClr r="0" g="0" b="0"/>
-      </a:lnRef>
-      <a:fillRef idx="0">
-        <a:scrgbClr r="0" g="0" b="0"/>
-      </a:fillRef>
-      <a:effectRef idx="0">
-        <a:scrgbClr r="0" g="0" b="0"/>
-      </a:effectRef>
-      <a:fontRef idx="minor"/>
-    </dgm:style>
-  </dgm:styleLbl>
-  <dgm:styleLbl name="parChTrans1D4">
-    <dgm:scene3d>
-      <a:camera prst="orthographicFront"/>
-      <a:lightRig rig="threePt" dir="t"/>
-    </dgm:scene3d>
-    <dgm:sp3d/>
-    <dgm:txPr/>
-    <dgm:style>
-      <a:lnRef idx="1">
-        <a:scrgbClr r="0" g="0" b="0"/>
-      </a:lnRef>
-      <a:fillRef idx="0">
-        <a:scrgbClr r="0" g="0" b="0"/>
-      </a:fillRef>
-      <a:effectRef idx="0">
-        <a:scrgbClr r="0" g="0" b="0"/>
-      </a:effectRef>
-      <a:fontRef idx="minor"/>
-    </dgm:style>
-  </dgm:styleLbl>
-  <dgm:styleLbl name="fgAcc1">
-    <dgm:scene3d>
-      <a:camera prst="orthographicFront"/>
-      <a:lightRig rig="threePt" dir="t"/>
-    </dgm:scene3d>
-    <dgm:sp3d/>
-    <dgm:txPr/>
-    <dgm:style>
-      <a:lnRef idx="1">
-        <a:scrgbClr r="0" g="0" b="0"/>
-      </a:lnRef>
-      <a:fillRef idx="1">
-        <a:scrgbClr r="0" g="0" b="0"/>
-      </a:fillRef>
-      <a:effectRef idx="0">
-        <a:scrgbClr r="0" g="0" b="0"/>
-      </a:effectRef>
-      <a:fontRef idx="minor"/>
-    </dgm:style>
-  </dgm:styleLbl>
-  <dgm:styleLbl name="conFgAcc1">
-    <dgm:scene3d>
-      <a:camera prst="orthographicFront"/>
-      <a:lightRig rig="threePt" dir="t"/>
-    </dgm:scene3d>
-    <dgm:sp3d/>
-    <dgm:txPr/>
-    <dgm:style>
-      <a:lnRef idx="1">
-        <a:scrgbClr r="0" g="0" b="0"/>
-      </a:lnRef>
-      <a:fillRef idx="1">
-        <a:scrgbClr r="0" g="0" b="0"/>
-      </a:fillRef>
-      <a:effectRef idx="0">
-        <a:scrgbClr r="0" g="0" b="0"/>
-      </a:effectRef>
-      <a:fontRef idx="minor"/>
-    </dgm:style>
-  </dgm:styleLbl>
-  <dgm:styleLbl name="alignAcc1">
-    <dgm:scene3d>
-      <a:camera prst="orthographicFront"/>
-      <a:lightRig rig="threePt" dir="t"/>
-    </dgm:scene3d>
-    <dgm:sp3d/>
-    <dgm:txPr/>
-    <dgm:style>
-      <a:lnRef idx="1">
-        <a:scrgbClr r="0" g="0" b="0"/>
-      </a:lnRef>
-      <a:fillRef idx="1">
-        <a:scrgbClr r="0" g="0" b="0"/>
-      </a:fillRef>
-      <a:effectRef idx="0">
-        <a:scrgbClr r="0" g="0" b="0"/>
-      </a:effectRef>
-      <a:fontRef idx="minor"/>
-    </dgm:style>
-  </dgm:styleLbl>
-  <dgm:styleLbl name="trAlignAcc1">
-    <dgm:scene3d>
-      <a:camera prst="orthographicFront"/>
-      <a:lightRig rig="threePt" dir="t"/>
-    </dgm:scene3d>
-    <dgm:sp3d/>
-    <dgm:txPr/>
-    <dgm:style>
-      <a:lnRef idx="1">
-        <a:scrgbClr r="0" g="0" b="0"/>
-      </a:lnRef>
-      <a:fillRef idx="1">
-        <a:scrgbClr r="0" g="0" b="0"/>
-      </a:fillRef>
-      <a:effectRef idx="0">
-        <a:scrgbClr r="0" g="0" b="0"/>
-      </a:effectRef>
-      <a:fontRef idx="minor"/>
-    </dgm:style>
-  </dgm:styleLbl>
-  <dgm:styleLbl name="bgAcc1">
-    <dgm:scene3d>
-      <a:camera prst="orthographicFront"/>
-      <a:lightRig rig="threePt" dir="t"/>
-    </dgm:scene3d>
-    <dgm:sp3d/>
-    <dgm:txPr/>
-    <dgm:style>
-      <a:lnRef idx="1">
-        <a:scrgbClr r="0" g="0" b="0"/>
-      </a:lnRef>
-      <a:fillRef idx="1">
-        <a:scrgbClr r="0" g="0" b="0"/>
-      </a:fillRef>
-      <a:effectRef idx="0">
-        <a:scrgbClr r="0" g="0" b="0"/>
-      </a:effectRef>
-      <a:fontRef idx="minor"/>
-    </dgm:style>
-  </dgm:styleLbl>
-  <dgm:styleLbl name="solidFgAcc1">
-    <dgm:scene3d>
-      <a:camera prst="orthographicFront"/>
-      <a:lightRig rig="threePt" dir="t"/>
-    </dgm:scene3d>
-    <dgm:sp3d/>
-    <dgm:txPr/>
-    <dgm:style>
-      <a:lnRef idx="1">
-        <a:scrgbClr r="0" g="0" b="0"/>
-      </a:lnRef>
-      <a:fillRef idx="1">
-        <a:scrgbClr r="0" g="0" b="0"/>
-      </a:fillRef>
-      <a:effectRef idx="0">
-        <a:scrgbClr r="0" g="0" b="0"/>
-      </a:effectRef>
-      <a:fontRef idx="minor"/>
-    </dgm:style>
-  </dgm:styleLbl>
-  <dgm:styleLbl name="solidAlignAcc1">
-    <dgm:scene3d>
-      <a:camera prst="orthographicFront"/>
-      <a:lightRig rig="threePt" dir="t"/>
-    </dgm:scene3d>
-    <dgm:sp3d/>
-    <dgm:txPr/>
-    <dgm:style>
-      <a:lnRef idx="1">
-        <a:scrgbClr r="0" g="0" b="0"/>
-      </a:lnRef>
-      <a:fillRef idx="1">
-        <a:scrgbClr r="0" g="0" b="0"/>
-      </a:fillRef>
-      <a:effectRef idx="0">
-        <a:scrgbClr r="0" g="0" b="0"/>
-      </a:effectRef>
-      <a:fontRef idx="minor"/>
-    </dgm:style>
-  </dgm:styleLbl>
-  <dgm:styleLbl name="solidBgAcc1">
-    <dgm:scene3d>
-      <a:camera prst="orthographicFront"/>
-      <a:lightRig rig="threePt" dir="t"/>
-    </dgm:scene3d>
-    <dgm:sp3d/>
-    <dgm:txPr/>
-    <dgm:style>
-      <a:lnRef idx="1">
-        <a:scrgbClr r="0" g="0" b="0"/>
-      </a:lnRef>
-      <a:fillRef idx="1">
-        <a:scrgbClr r="0" g="0" b="0"/>
-      </a:fillRef>
-      <a:effectRef idx="0">
-        <a:scrgbClr r="0" g="0" b="0"/>
-      </a:effectRef>
-      <a:fontRef idx="minor"/>
-    </dgm:style>
-  </dgm:styleLbl>
-  <dgm:styleLbl name="fgAccFollowNode1">
-    <dgm:scene3d>
-      <a:camera prst="orthographicFront"/>
-      <a:lightRig rig="threePt" dir="t"/>
-    </dgm:scene3d>
-    <dgm:sp3d/>
-    <dgm:txPr/>
-    <dgm:style>
-      <a:lnRef idx="1">
-        <a:scrgbClr r="0" g="0" b="0"/>
-      </a:lnRef>
-      <a:fillRef idx="1">
-        <a:scrgbClr r="0" g="0" b="0"/>
-      </a:fillRef>
-      <a:effectRef idx="0">
-        <a:scrgbClr r="0" g="0" b="0"/>
-      </a:effectRef>
-      <a:fontRef idx="minor"/>
-    </dgm:style>
-  </dgm:styleLbl>
-  <dgm:styleLbl name="alignAccFollowNode1">
-    <dgm:scene3d>
-      <a:camera prst="orthographicFront"/>
-      <a:lightRig rig="threePt" dir="t"/>
-    </dgm:scene3d>
-    <dgm:sp3d/>
-    <dgm:txPr/>
-    <dgm:style>
-      <a:lnRef idx="1">
-        <a:scrgbClr r="0" g="0" b="0"/>
-      </a:lnRef>
-      <a:fillRef idx="1">
-        <a:scrgbClr r="0" g="0" b="0"/>
-      </a:fillRef>
-      <a:effectRef idx="0">
-        <a:scrgbClr r="0" g="0" b="0"/>
-      </a:effectRef>
-      <a:fontRef idx="minor"/>
-    </dgm:style>
-  </dgm:styleLbl>
-  <dgm:styleLbl name="bgAccFollowNode1">
-    <dgm:scene3d>
-      <a:camera prst="orthographicFront"/>
-      <a:lightRig rig="threePt" dir="t"/>
-    </dgm:scene3d>
-    <dgm:sp3d/>
-    <dgm:txPr/>
-    <dgm:style>
-      <a:lnRef idx="1">
-        <a:scrgbClr r="0" g="0" b="0"/>
-      </a:lnRef>
-      <a:fillRef idx="1">
-        <a:scrgbClr r="0" g="0" b="0"/>
-      </a:fillRef>
-      <a:effectRef idx="0">
-        <a:scrgbClr r="0" g="0" b="0"/>
-      </a:effectRef>
-      <a:fontRef idx="minor"/>
-    </dgm:style>
-  </dgm:styleLbl>
-  <dgm:styleLbl name="fgAcc0">
-    <dgm:scene3d>
-      <a:camera prst="orthographicFront"/>
-      <a:lightRig rig="threePt" dir="t"/>
-    </dgm:scene3d>
-    <dgm:sp3d/>
-    <dgm:txPr/>
-    <dgm:style>
-      <a:lnRef idx="1">
-        <a:scrgbClr r="0" g="0" b="0"/>
-      </a:lnRef>
-      <a:fillRef idx="1">
-        <a:scrgbClr r="0" g="0" b="0"/>
-      </a:fillRef>
-      <a:effectRef idx="0">
-        <a:scrgbClr r="0" g="0" b="0"/>
-      </a:effectRef>
-      <a:fontRef idx="minor"/>
-    </dgm:style>
-  </dgm:styleLbl>
-  <dgm:styleLbl name="fgAcc2">
-    <dgm:scene3d>
-      <a:camera prst="orthographicFront"/>
-      <a:lightRig rig="threePt" dir="t"/>
-    </dgm:scene3d>
-    <dgm:sp3d/>
-    <dgm:txPr/>
-    <dgm:style>
-      <a:lnRef idx="1">
-        <a:scrgbClr r="0" g="0" b="0"/>
-      </a:lnRef>
-      <a:fillRef idx="1">
-        <a:scrgbClr r="0" g="0" b="0"/>
-      </a:fillRef>
-      <a:effectRef idx="0">
-        <a:scrgbClr r="0" g="0" b="0"/>
-      </a:effectRef>
-      <a:fontRef idx="minor"/>
-    </dgm:style>
-  </dgm:styleLbl>
-  <dgm:styleLbl name="fgAcc3">
-    <dgm:scene3d>
-      <a:camera prst="orthographicFront"/>
-      <a:lightRig rig="threePt" dir="t"/>
-    </dgm:scene3d>
-    <dgm:sp3d/>
-    <dgm:txPr/>
-    <dgm:style>
-      <a:lnRef idx="1">
-        <a:scrgbClr r="0" g="0" b="0"/>
-      </a:lnRef>
-      <a:fillRef idx="1">
-        <a:scrgbClr r="0" g="0" b="0"/>
-      </a:fillRef>
-      <a:effectRef idx="0">
-        <a:scrgbClr r="0" g="0" b="0"/>
-      </a:effectRef>
-      <a:fontRef idx="minor"/>
-    </dgm:style>
-  </dgm:styleLbl>
-  <dgm:styleLbl name="fgAcc4">
-    <dgm:scene3d>
-      <a:camera prst="orthographicFront"/>
-      <a:lightRig rig="threePt" dir="t"/>
-    </dgm:scene3d>
-    <dgm:sp3d/>
-    <dgm:txPr/>
-    <dgm:style>
-      <a:lnRef idx="1">
-        <a:scrgbClr r="0" g="0" b="0"/>
-      </a:lnRef>
-      <a:fillRef idx="1">
-        <a:scrgbClr r="0" g="0" b="0"/>
-      </a:fillRef>
-      <a:effectRef idx="0">
-        <a:scrgbClr r="0" g="0" b="0"/>
-      </a:effectRef>
-      <a:fontRef idx="minor"/>
-    </dgm:style>
-  </dgm:styleLbl>
-  <dgm:styleLbl name="bgShp">
-    <dgm:scene3d>
-      <a:camera prst="orthographicFront"/>
-      <a:lightRig rig="threePt" dir="t"/>
-    </dgm:scene3d>
-    <dgm:sp3d/>
-    <dgm:txPr/>
-    <dgm:style>
-      <a:lnRef idx="0">
-        <a:scrgbClr r="0" g="0" b="0"/>
-      </a:lnRef>
-      <a:fillRef idx="1">
-        <a:scrgbClr r="0" g="0" b="0"/>
-      </a:fillRef>
-      <a:effectRef idx="2">
-        <a:scrgbClr r="0" g="0" b="0"/>
-      </a:effectRef>
-      <a:fontRef idx="minor"/>
-    </dgm:style>
-  </dgm:styleLbl>
-  <dgm:styleLbl name="dkBgShp">
-    <dgm:scene3d>
-      <a:camera prst="orthographicFront"/>
-      <a:lightRig rig="threePt" dir="t"/>
-    </dgm:scene3d>
-    <dgm:sp3d/>
-    <dgm:txPr/>
-    <dgm:style>
-      <a:lnRef idx="0">
-        <a:scrgbClr r="0" g="0" b="0"/>
-      </a:lnRef>
-      <a:fillRef idx="1">
-        <a:scrgbClr r="0" g="0" b="0"/>
-      </a:fillRef>
-      <a:effectRef idx="2">
-        <a:scrgbClr r="0" g="0" b="0"/>
-      </a:effectRef>
-      <a:fontRef idx="minor"/>
-    </dgm:style>
-  </dgm:styleLbl>
-  <dgm:styleLbl name="trBgShp">
-    <dgm:scene3d>
-      <a:camera prst="orthographicFront"/>
-      <a:lightRig rig="threePt" dir="t"/>
-    </dgm:scene3d>
-    <dgm:sp3d/>
-    <dgm:txPr/>
-    <dgm:style>
-      <a:lnRef idx="0">
-        <a:scrgbClr r="0" g="0" b="0"/>
-      </a:lnRef>
-      <a:fillRef idx="1">
-        <a:scrgbClr r="0" g="0" b="0"/>
-      </a:fillRef>
-      <a:effectRef idx="0">
-        <a:scrgbClr r="0" g="0" b="0"/>
-      </a:effectRef>
-      <a:fontRef idx="minor"/>
-    </dgm:style>
-  </dgm:styleLbl>
-  <dgm:styleLbl name="fgShp">
-    <dgm:scene3d>
-      <a:camera prst="orthographicFront"/>
-      <a:lightRig rig="threePt" dir="t"/>
-    </dgm:scene3d>
-    <dgm:sp3d/>
-    <dgm:txPr/>
-    <dgm:style>
-      <a:lnRef idx="0">
-        <a:scrgbClr r="0" g="0" b="0"/>
-      </a:lnRef>
-      <a:fillRef idx="3">
-        <a:scrgbClr r="0" g="0" b="0"/>
-      </a:fillRef>
-      <a:effectRef idx="2">
-        <a:scrgbClr r="0" g="0" b="0"/>
-      </a:effectRef>
-      <a:fontRef idx="minor"/>
-    </dgm:style>
-  </dgm:styleLbl>
-  <dgm:styleLbl name="revTx">
-    <dgm:scene3d>
-      <a:camera prst="orthographicFront"/>
-      <a:lightRig rig="threePt" dir="t"/>
-    </dgm:scene3d>
-    <dgm:sp3d/>
-    <dgm:txPr/>
-    <dgm:style>
-      <a:lnRef idx="0">
-        <a:scrgbClr r="0" g="0" b="0"/>
-      </a:lnRef>
-      <a:fillRef idx="0">
-        <a:scrgbClr r="0" g="0" b="0"/>
-      </a:fillRef>
-      <a:effectRef idx="0">
-        <a:scrgbClr r="0" g="0" b="0"/>
-      </a:effectRef>
-      <a:fontRef idx="minor"/>
-    </dgm:style>
-  </dgm:styleLbl>
-</dgm:styleDef>
 </file>
 
 <file path=ppt/handoutMasters/handoutMaster1.xml><?xml version="1.0" encoding="utf-8"?>
@@ -7366,31 +4463,9 @@
           <a:p>
             <a:r>
               <a:rPr lang="en-US" dirty="0" smtClean="0"/>
-              <a:t>MY DESTINATION</a:t>
+              <a:t>MY DREAM DESTINATION</a:t>
             </a:r>
             <a:endParaRPr lang="en-US" dirty="0"/>
-          </a:p>
-        </p:txBody>
-      </p:sp>
-      <p:sp>
-        <p:nvSpPr>
-          <p:cNvPr id="3" name="Subtitle 2"/>
-          <p:cNvSpPr>
-            <a:spLocks noGrp="1"/>
-          </p:cNvSpPr>
-          <p:nvPr>
-            <p:ph type="subTitle" idx="1"/>
-          </p:nvPr>
-        </p:nvSpPr>
-        <p:spPr/>
-        <p:txBody>
-          <a:bodyPr/>
-          <a:lstStyle/>
-          <a:p>
-            <a:r>
-              <a:rPr lang="en-US" dirty="0"/>
-              <a:t>Subtitle</a:t>
-            </a:r>
           </a:p>
         </p:txBody>
       </p:sp>
@@ -7404,172 +4479,14 @@
   <p:clrMapOvr>
     <a:masterClrMapping/>
   </p:clrMapOvr>
-  <mc:AlternateContent xmlns:mc="http://schemas.openxmlformats.org/markup-compatibility/2006" xmlns:p14="http://schemas.microsoft.com/office/powerpoint/2010/main">
-    <mc:Choice Requires="p14">
-      <p:transition spd="med" p14:dur="700">
-        <p:fade/>
+  <mc:AlternateContent xmlns:mc="http://schemas.openxmlformats.org/markup-compatibility/2006">
+    <mc:Choice xmlns:p15="http://schemas.microsoft.com/office/powerpoint/2012/main" Requires="p15">
+      <p:transition xmlns:p14="http://schemas.microsoft.com/office/powerpoint/2010/main" spd="slow" p14:dur="2000">
+        <p15:prstTrans prst="drape"/>
       </p:transition>
     </mc:Choice>
-    <mc:Fallback xmlns="">
-      <p:transition spd="med">
-        <p:fade/>
-      </p:transition>
-    </mc:Fallback>
-  </mc:AlternateContent>
-  <p:timing>
-    <p:tnLst>
-      <p:par>
-        <p:cTn id="1" dur="indefinite" restart="never" nodeType="tmRoot"/>
-      </p:par>
-    </p:tnLst>
-  </p:timing>
-</p:sld>
-</file>
-
-<file path=ppt/slides/slide10.xml><?xml version="1.0" encoding="utf-8"?>
-<p:sld xmlns:a="http://schemas.openxmlformats.org/drawingml/2006/main" xmlns:r="http://schemas.openxmlformats.org/officeDocument/2006/relationships" xmlns:p="http://schemas.openxmlformats.org/presentationml/2006/main">
-  <p:cSld>
-    <p:spTree>
-      <p:nvGrpSpPr>
-        <p:cNvPr id="1" name=""/>
-        <p:cNvGrpSpPr/>
-        <p:nvPr/>
-      </p:nvGrpSpPr>
-      <p:grpSpPr>
-        <a:xfrm>
-          <a:off x="0" y="0"/>
-          <a:ext cx="0" cy="0"/>
-          <a:chOff x="0" y="0"/>
-          <a:chExt cx="0" cy="0"/>
-        </a:xfrm>
-      </p:grpSpPr>
-    </p:spTree>
-    <p:extLst>
-      <p:ext uri="{BB962C8B-B14F-4D97-AF65-F5344CB8AC3E}">
-        <p14:creationId xmlns:p14="http://schemas.microsoft.com/office/powerpoint/2010/main" val="428241947"/>
-      </p:ext>
-    </p:extLst>
-  </p:cSld>
-  <p:clrMapOvr>
-    <a:masterClrMapping/>
-  </p:clrMapOvr>
-  <mc:AlternateContent xmlns:mc="http://schemas.openxmlformats.org/markup-compatibility/2006" xmlns:p14="http://schemas.microsoft.com/office/powerpoint/2010/main">
-    <mc:Choice Requires="p14">
-      <p:transition spd="med" p14:dur="700">
-        <p:fade/>
-      </p:transition>
-    </mc:Choice>
-    <mc:Fallback xmlns="">
-      <p:transition spd="med">
-        <p:fade/>
-      </p:transition>
-    </mc:Fallback>
-  </mc:AlternateContent>
-  <p:timing>
-    <p:tnLst>
-      <p:par>
-        <p:cTn id="1" dur="indefinite" restart="never" nodeType="tmRoot"/>
-      </p:par>
-    </p:tnLst>
-  </p:timing>
-</p:sld>
-</file>
-
-<file path=ppt/slides/slide11.xml><?xml version="1.0" encoding="utf-8"?>
-<p:sld xmlns:a="http://schemas.openxmlformats.org/drawingml/2006/main" xmlns:r="http://schemas.openxmlformats.org/officeDocument/2006/relationships" xmlns:p="http://schemas.openxmlformats.org/presentationml/2006/main">
-  <p:cSld>
-    <p:spTree>
-      <p:nvGrpSpPr>
-        <p:cNvPr id="1" name=""/>
-        <p:cNvGrpSpPr/>
-        <p:nvPr/>
-      </p:nvGrpSpPr>
-      <p:grpSpPr>
-        <a:xfrm>
-          <a:off x="0" y="0"/>
-          <a:ext cx="0" cy="0"/>
-          <a:chOff x="0" y="0"/>
-          <a:chExt cx="0" cy="0"/>
-        </a:xfrm>
-      </p:grpSpPr>
-      <p:sp>
-        <p:nvSpPr>
-          <p:cNvPr id="2" name="Title 1"/>
-          <p:cNvSpPr>
-            <a:spLocks noGrp="1"/>
-          </p:cNvSpPr>
-          <p:nvPr>
-            <p:ph type="title"/>
-          </p:nvPr>
-        </p:nvSpPr>
-        <p:spPr/>
-        <p:txBody>
-          <a:bodyPr/>
-          <a:lstStyle/>
-          <a:p>
-            <a:r>
-              <a:rPr lang="en-US" dirty="0"/>
-              <a:t>Add a Slide Title - 4</a:t>
-            </a:r>
-          </a:p>
-        </p:txBody>
-      </p:sp>
-      <p:sp>
-        <p:nvSpPr>
-          <p:cNvPr id="5" name="Content Placeholder 4"/>
-          <p:cNvSpPr>
-            <a:spLocks noGrp="1"/>
-          </p:cNvSpPr>
-          <p:nvPr>
-            <p:ph idx="1"/>
-          </p:nvPr>
-        </p:nvSpPr>
-        <p:spPr/>
-        <p:txBody>
-          <a:bodyPr/>
-          <a:lstStyle/>
-          <a:p>
-            <a:endParaRPr lang="en-US"/>
-          </a:p>
-        </p:txBody>
-      </p:sp>
-      <p:sp>
-        <p:nvSpPr>
-          <p:cNvPr id="6" name="Text Placeholder 5"/>
-          <p:cNvSpPr>
-            <a:spLocks noGrp="1"/>
-          </p:cNvSpPr>
-          <p:nvPr>
-            <p:ph type="body" sz="half" idx="2"/>
-          </p:nvPr>
-        </p:nvSpPr>
-        <p:spPr/>
-        <p:txBody>
-          <a:bodyPr/>
-          <a:lstStyle/>
-          <a:p>
-            <a:endParaRPr lang="en-US"/>
-          </a:p>
-        </p:txBody>
-      </p:sp>
-    </p:spTree>
-    <p:extLst>
-      <p:ext uri="{BB962C8B-B14F-4D97-AF65-F5344CB8AC3E}">
-        <p14:creationId xmlns:p14="http://schemas.microsoft.com/office/powerpoint/2010/main" val="161801657"/>
-      </p:ext>
-    </p:extLst>
-  </p:cSld>
-  <p:clrMapOvr>
-    <a:masterClrMapping/>
-  </p:clrMapOvr>
-  <mc:AlternateContent xmlns:mc="http://schemas.openxmlformats.org/markup-compatibility/2006" xmlns:p14="http://schemas.microsoft.com/office/powerpoint/2010/main">
-    <mc:Choice Requires="p14">
-      <p:transition spd="med" p14:dur="700">
-        <p:fade/>
-      </p:transition>
-    </mc:Choice>
-    <mc:Fallback xmlns="">
-      <p:transition spd="med">
+    <mc:Fallback>
+      <p:transition spd="slow">
         <p:fade/>
       </p:transition>
     </mc:Fallback>
@@ -7670,7 +4587,23 @@
             </a:r>
             <a:r>
               <a:rPr lang="en-US" sz="2400" dirty="0"/>
-              <a:t>a place that has captured my imagination and inspired my travel dreams. Nestled in the heart of [Region/Country], this destination offers a unique blend of breathtaking landscapes, rich cultural heritage, and unforgettable experiences. Join me as we embark on a journey to discover what makes [Your Destination] so special and why it should be on everyone’s travel bucket list.”</a:t>
+              <a:t>a place that has captured my imagination and inspired my travel dreams. Nestled in the heart of </a:t>
+            </a:r>
+            <a:r>
+              <a:rPr lang="en-US" sz="2400" dirty="0" smtClean="0"/>
+              <a:t>Maldives, </a:t>
+            </a:r>
+            <a:r>
+              <a:rPr lang="en-US" sz="2400" dirty="0"/>
+              <a:t>this destination offers a unique blend of breathtaking landscapes, rich cultural heritage, and unforgettable experiences. Join me as we embark on a journey to discover what makes </a:t>
+            </a:r>
+            <a:r>
+              <a:rPr lang="en-US" sz="2400" dirty="0" smtClean="0"/>
+              <a:t>Maldives </a:t>
+            </a:r>
+            <a:r>
+              <a:rPr lang="en-US" sz="2400" dirty="0"/>
+              <a:t>so special and why it should be on everyone’s travel bucket list.”</a:t>
             </a:r>
             <a:endParaRPr lang="en-US" sz="2400" dirty="0"/>
           </a:p>
@@ -7725,18 +4658,148 @@
           <a:chExt cx="0" cy="0"/>
         </a:xfrm>
       </p:grpSpPr>
+      <p:sp>
+        <p:nvSpPr>
+          <p:cNvPr id="2" name="Title 1"/>
+          <p:cNvSpPr>
+            <a:spLocks noGrp="1"/>
+          </p:cNvSpPr>
+          <p:nvPr>
+            <p:ph type="title"/>
+          </p:nvPr>
+        </p:nvSpPr>
+        <p:spPr>
+          <a:xfrm>
+            <a:off x="575142" y="237066"/>
+            <a:ext cx="4799908" cy="1088136"/>
+          </a:xfrm>
+        </p:spPr>
+        <p:txBody>
+          <a:bodyPr>
+            <a:normAutofit/>
+          </a:bodyPr>
+          <a:lstStyle/>
+          <a:p>
+            <a:r>
+              <a:rPr lang="en-US" sz="4400" dirty="0" smtClean="0"/>
+              <a:t>HISTORY</a:t>
+            </a:r>
+            <a:endParaRPr lang="en-US" sz="4400" dirty="0"/>
+          </a:p>
+        </p:txBody>
+      </p:sp>
+      <p:sp>
+        <p:nvSpPr>
+          <p:cNvPr id="3" name="Content Placeholder 2"/>
+          <p:cNvSpPr>
+            <a:spLocks noGrp="1"/>
+          </p:cNvSpPr>
+          <p:nvPr>
+            <p:ph idx="1"/>
+          </p:nvPr>
+        </p:nvSpPr>
+        <p:spPr>
+          <a:xfrm>
+            <a:off x="485424" y="1580444"/>
+            <a:ext cx="3951110" cy="5012267"/>
+          </a:xfrm>
+        </p:spPr>
+        <p:txBody>
+          <a:bodyPr>
+            <a:normAutofit fontScale="77500" lnSpcReduction="20000"/>
+          </a:bodyPr>
+          <a:lstStyle/>
+          <a:p>
+            <a:pPr marL="45720" indent="0">
+              <a:lnSpc>
+                <a:spcPct val="150000"/>
+              </a:lnSpc>
+              <a:buNone/>
+            </a:pPr>
+            <a:r>
+              <a:rPr lang="en-US" b="1" dirty="0"/>
+              <a:t>history of the </a:t>
+            </a:r>
+            <a:r>
+              <a:rPr lang="en-US" b="1" dirty="0" smtClean="0"/>
+              <a:t>Maldives</a:t>
+            </a:r>
+            <a:r>
+              <a:rPr lang="en-US" dirty="0"/>
+              <a:t> </a:t>
+            </a:r>
+            <a:r>
+              <a:rPr lang="en-US" dirty="0" smtClean="0"/>
+              <a:t>,a </a:t>
+            </a:r>
+            <a:r>
+              <a:rPr lang="en-US" dirty="0"/>
+              <a:t>survey of the important events and people in the history of the </a:t>
+            </a:r>
+            <a:r>
+              <a:rPr lang="en-US" u="sng" dirty="0">
+                <a:hlinkClick r:id="rId2"/>
+              </a:rPr>
+              <a:t>Maldives</a:t>
+            </a:r>
+            <a:r>
+              <a:rPr lang="en-US" dirty="0"/>
+              <a:t>. Located in the north-central </a:t>
+            </a:r>
+            <a:r>
+              <a:rPr lang="en-US" u="sng" dirty="0">
+                <a:hlinkClick r:id="rId3"/>
+              </a:rPr>
+              <a:t>Indian Ocean</a:t>
+            </a:r>
+            <a:r>
+              <a:rPr lang="en-US" dirty="0"/>
+              <a:t>, the Maldives is an independent island country that consists of a chain of about 1,200 small coral islands and sandbanks (some 200 of which are inhabited), grouped in </a:t>
+            </a:r>
+            <a:r>
+              <a:rPr lang="en-US" u="sng" dirty="0">
+                <a:hlinkClick r:id="rId4"/>
+              </a:rPr>
+              <a:t>clusters</a:t>
+            </a:r>
+            <a:r>
+              <a:rPr lang="en-US" dirty="0"/>
+              <a:t>, or </a:t>
+            </a:r>
+            <a:r>
+              <a:rPr lang="en-US" u="sng" dirty="0">
+                <a:hlinkClick r:id="rId5"/>
+              </a:rPr>
+              <a:t>atolls</a:t>
+            </a:r>
+            <a:r>
+              <a:rPr lang="en-US" dirty="0"/>
+              <a:t>. The population of the Maldives belongs almost entirely to the Maldivian </a:t>
+            </a:r>
+            <a:r>
+              <a:rPr lang="en-US" u="sng" dirty="0">
+                <a:hlinkClick r:id="rId6"/>
+              </a:rPr>
+              <a:t>ethnic group</a:t>
+            </a:r>
+            <a:r>
+              <a:rPr lang="en-US" dirty="0"/>
+              <a:t>, which is the result of various peoples’ settling in the islands successively during the country’s history. </a:t>
+            </a:r>
+            <a:endParaRPr lang="en-US" dirty="0"/>
+          </a:p>
+        </p:txBody>
+      </p:sp>
       <p:pic>
         <p:nvPicPr>
-          <p:cNvPr id="1032" name="Picture 8" descr="Image 1 of Maldives"/>
+          <p:cNvPr id="2050" name="Picture 2" descr="What the Maldives looked like before mass tourism | CNN Travel"/>
           <p:cNvPicPr>
-            <a:picLocks noGrp="1" noChangeAspect="1" noChangeArrowheads="1"/>
+            <a:picLocks noChangeAspect="1" noChangeArrowheads="1"/>
           </p:cNvPicPr>
-          <p:nvPr>
-            <p:ph idx="1"/>
-          </p:nvPr>
+          <p:nvPr/>
         </p:nvPicPr>
         <p:blipFill>
-          <a:blip r:embed="rId2">
+          <a:blip r:embed="rId7">
             <a:extLst>
               <a:ext uri="{28A0092B-C50C-407E-A947-70E740481C1C}">
                 <a14:useLocalDpi xmlns:a14="http://schemas.microsoft.com/office/drawing/2010/main" val="0"/>
@@ -7750,24 +4813,21 @@
         </p:blipFill>
         <p:spPr bwMode="auto">
           <a:xfrm>
-            <a:off x="717114" y="1505095"/>
-            <a:ext cx="7387796" cy="3847810"/>
+            <a:off x="4954283" y="908755"/>
+            <a:ext cx="6778547" cy="5040489"/>
           </a:xfrm>
-          <a:prstGeom prst="roundRect">
-            <a:avLst>
-              <a:gd name="adj" fmla="val 8594"/>
-            </a:avLst>
+          <a:prstGeom prst="rect">
+            <a:avLst/>
           </a:prstGeom>
-          <a:solidFill>
-            <a:srgbClr val="FFFFFF">
-              <a:shade val="85000"/>
-            </a:srgbClr>
-          </a:solidFill>
           <a:ln>
             <a:noFill/>
           </a:ln>
           <a:effectLst>
-            <a:reflection blurRad="12700" stA="38000" endPos="28000" dist="5000" dir="5400000" sy="-100000" algn="bl" rotWithShape="0"/>
+            <a:outerShdw blurRad="190500" algn="tl" rotWithShape="0">
+              <a:srgbClr val="000000">
+                <a:alpha val="70000"/>
+              </a:srgbClr>
+            </a:outerShdw>
           </a:effectLst>
           <a:extLst>
             <a:ext uri="{909E8E84-426E-40DD-AFC4-6F175D3DCCD1}">
@@ -7780,118 +4840,23 @@
           </a:extLst>
         </p:spPr>
       </p:pic>
-      <p:sp>
-        <p:nvSpPr>
-          <p:cNvPr id="2" name="Title 1"/>
-          <p:cNvSpPr>
-            <a:spLocks noGrp="1"/>
-          </p:cNvSpPr>
-          <p:nvPr>
-            <p:ph type="title"/>
-          </p:nvPr>
-        </p:nvSpPr>
-        <p:spPr>
-          <a:xfrm>
-            <a:off x="1247602" y="145473"/>
-            <a:ext cx="9509759" cy="1083148"/>
-          </a:xfrm>
-        </p:spPr>
-        <p:txBody>
-          <a:bodyPr/>
-          <a:lstStyle/>
-          <a:p>
-            <a:r>
-              <a:rPr lang="en-US" dirty="0" smtClean="0"/>
-              <a:t>MY DREAM DESTINATION</a:t>
-            </a:r>
-            <a:endParaRPr lang="en-US" dirty="0"/>
-          </a:p>
-        </p:txBody>
-      </p:sp>
-      <p:sp>
-        <p:nvSpPr>
-          <p:cNvPr id="6" name="TextBox 5"/>
-          <p:cNvSpPr txBox="1"/>
-          <p:nvPr/>
-        </p:nvSpPr>
-        <p:spPr>
-          <a:xfrm>
-            <a:off x="8427028" y="1465120"/>
-            <a:ext cx="3553690" cy="1200329"/>
-          </a:xfrm>
-          <a:prstGeom prst="rect">
-            <a:avLst/>
-          </a:prstGeom>
-          <a:noFill/>
-        </p:spPr>
-        <p:txBody>
-          <a:bodyPr wrap="square" rtlCol="0">
-            <a:spAutoFit/>
-          </a:bodyPr>
-          <a:lstStyle/>
-          <a:p>
-            <a:pPr marL="285750" indent="-285750">
-              <a:buFont typeface="Arial" panose="020B0604020202020204" pitchFamily="34" charset="0"/>
-              <a:buChar char="•"/>
-            </a:pPr>
-            <a:r>
-              <a:rPr lang="en-US" b="1" dirty="0" smtClean="0">
-                <a:solidFill>
-                  <a:schemeClr val="accent2">
-                    <a:lumMod val="50000"/>
-                  </a:schemeClr>
-                </a:solidFill>
-              </a:rPr>
-              <a:t>MALDIVES</a:t>
-            </a:r>
-          </a:p>
-          <a:p>
-            <a:endParaRPr lang="en-US" b="1" dirty="0">
-              <a:solidFill>
-                <a:schemeClr val="accent2">
-                  <a:lumMod val="50000"/>
-                </a:schemeClr>
-              </a:solidFill>
-            </a:endParaRPr>
-          </a:p>
-          <a:p>
-            <a:r>
-              <a:rPr lang="en-US" dirty="0" smtClean="0">
-                <a:solidFill>
-                  <a:schemeClr val="accent2">
-                    <a:lumMod val="50000"/>
-                  </a:schemeClr>
-                </a:solidFill>
-              </a:rPr>
-              <a:t>- This is one of My favorite travel spot because</a:t>
-            </a:r>
-            <a:endParaRPr lang="en-US" dirty="0">
-              <a:solidFill>
-                <a:schemeClr val="accent2">
-                  <a:lumMod val="50000"/>
-                </a:schemeClr>
-              </a:solidFill>
-            </a:endParaRPr>
-          </a:p>
-        </p:txBody>
-      </p:sp>
     </p:spTree>
     <p:extLst>
       <p:ext uri="{BB962C8B-B14F-4D97-AF65-F5344CB8AC3E}">
-        <p14:creationId xmlns:p14="http://schemas.microsoft.com/office/powerpoint/2010/main" val="2578687163"/>
+        <p14:creationId xmlns:p14="http://schemas.microsoft.com/office/powerpoint/2010/main" val="4132954216"/>
       </p:ext>
     </p:extLst>
   </p:cSld>
   <p:clrMapOvr>
     <a:masterClrMapping/>
   </p:clrMapOvr>
-  <mc:AlternateContent xmlns:mc="http://schemas.openxmlformats.org/markup-compatibility/2006" xmlns:p14="http://schemas.microsoft.com/office/powerpoint/2010/main">
-    <mc:Choice Requires="p14">
+  <mc:AlternateContent xmlns:mc="http://schemas.openxmlformats.org/markup-compatibility/2006">
+    <mc:Choice xmlns:p14="http://schemas.microsoft.com/office/powerpoint/2010/main" Requires="p14">
       <p:transition spd="med" p14:dur="700">
         <p:fade/>
       </p:transition>
     </mc:Choice>
-    <mc:Fallback xmlns="">
+    <mc:Fallback>
       <p:transition spd="med">
         <p:fade/>
       </p:transition>
@@ -7924,71 +4889,187 @@
           <a:chExt cx="0" cy="0"/>
         </a:xfrm>
       </p:grpSpPr>
-      <p:sp>
-        <p:nvSpPr>
-          <p:cNvPr id="2" name="Title 1"/>
-          <p:cNvSpPr>
-            <a:spLocks noGrp="1"/>
-          </p:cNvSpPr>
-          <p:nvPr>
-            <p:ph type="title"/>
-          </p:nvPr>
-        </p:nvSpPr>
-        <p:spPr/>
-        <p:txBody>
-          <a:bodyPr/>
-          <a:lstStyle/>
-          <a:p>
-            <a:r>
-              <a:rPr lang="en-US" dirty="0"/>
-              <a:t>Picture with Caption Layout</a:t>
-            </a:r>
-          </a:p>
-        </p:txBody>
-      </p:sp>
       <p:pic>
         <p:nvPicPr>
-          <p:cNvPr id="7" name="Picture Placeholder 6" descr="Closeup of flower, starfish, and shells on white sand"/>
+          <p:cNvPr id="1032" name="Picture 8" descr="Image 1 of Maldives"/>
           <p:cNvPicPr>
-            <a:picLocks noGrp="1" noChangeAspect="1"/>
+            <a:picLocks noGrp="1" noChangeAspect="1" noChangeArrowheads="1"/>
           </p:cNvPicPr>
           <p:nvPr>
-            <p:ph type="pic" idx="1"/>
+            <p:ph idx="1"/>
           </p:nvPr>
         </p:nvPicPr>
         <p:blipFill>
-          <a:blip r:embed="rId2" cstate="print">
+          <a:blip r:embed="rId2">
             <a:extLst>
               <a:ext uri="{28A0092B-C50C-407E-A947-70E740481C1C}">
                 <a14:useLocalDpi xmlns:a14="http://schemas.microsoft.com/office/drawing/2010/main" val="0"/>
               </a:ext>
             </a:extLst>
           </a:blip>
-          <a:srcRect t="58" b="58"/>
+          <a:srcRect/>
           <a:stretch>
             <a:fillRect/>
           </a:stretch>
         </p:blipFill>
-        <p:spPr/>
+        <p:spPr bwMode="auto">
+          <a:xfrm>
+            <a:off x="717114" y="1505094"/>
+            <a:ext cx="7387796" cy="4230688"/>
+          </a:xfrm>
+          <a:prstGeom prst="rect">
+            <a:avLst/>
+          </a:prstGeom>
+          <a:solidFill>
+            <a:srgbClr val="FFFFFF">
+              <a:shade val="85000"/>
+            </a:srgbClr>
+          </a:solidFill>
+          <a:ln w="190500" cap="rnd">
+            <a:solidFill>
+              <a:srgbClr val="FFFFFF"/>
+            </a:solidFill>
+          </a:ln>
+          <a:effectLst>
+            <a:outerShdw blurRad="50000" algn="tl" rotWithShape="0">
+              <a:srgbClr val="000000">
+                <a:alpha val="41000"/>
+              </a:srgbClr>
+            </a:outerShdw>
+          </a:effectLst>
+          <a:scene3d>
+            <a:camera prst="orthographicFront"/>
+            <a:lightRig rig="twoPt" dir="t">
+              <a:rot lat="0" lon="0" rev="7800000"/>
+            </a:lightRig>
+          </a:scene3d>
+          <a:sp3d contourW="6350">
+            <a:bevelT w="50800" h="16510"/>
+            <a:contourClr>
+              <a:srgbClr val="C0C0C0"/>
+            </a:contourClr>
+          </a:sp3d>
+          <a:extLst>
+            <a:ext uri="{909E8E84-426E-40DD-AFC4-6F175D3DCCD1}">
+              <a14:hiddenFill xmlns:a14="http://schemas.microsoft.com/office/drawing/2010/main">
+                <a:solidFill>
+                  <a:srgbClr val="FFFFFF"/>
+                </a:solidFill>
+              </a14:hiddenFill>
+            </a:ext>
+          </a:extLst>
+        </p:spPr>
       </p:pic>
       <p:sp>
         <p:nvSpPr>
-          <p:cNvPr id="4" name="Text Placeholder 3"/>
-          <p:cNvSpPr>
-            <a:spLocks noGrp="1"/>
-          </p:cNvSpPr>
-          <p:nvPr>
-            <p:ph type="body" sz="half" idx="2"/>
-          </p:nvPr>
-        </p:nvSpPr>
-        <p:spPr/>
-        <p:txBody>
-          <a:bodyPr/>
+          <p:cNvPr id="2" name="Title 1"/>
+          <p:cNvSpPr>
+            <a:spLocks noGrp="1"/>
+          </p:cNvSpPr>
+          <p:nvPr>
+            <p:ph type="title"/>
+          </p:nvPr>
+        </p:nvSpPr>
+        <p:spPr>
+          <a:xfrm>
+            <a:off x="2951711" y="0"/>
+            <a:ext cx="6857307" cy="1083148"/>
+          </a:xfrm>
+        </p:spPr>
+        <p:txBody>
+          <a:bodyPr>
+            <a:normAutofit/>
+          </a:bodyPr>
           <a:lstStyle/>
           <a:p>
             <a:r>
-              <a:rPr lang="en-US" dirty="0"/>
-              <a:t>Caption</a:t>
+              <a:rPr lang="en-US" sz="4000" dirty="0" smtClean="0"/>
+              <a:t>MALDIVES ATTRACTIONS</a:t>
+            </a:r>
+            <a:endParaRPr lang="en-US" sz="4000" dirty="0"/>
+          </a:p>
+        </p:txBody>
+      </p:sp>
+      <p:sp>
+        <p:nvSpPr>
+          <p:cNvPr id="6" name="TextBox 5"/>
+          <p:cNvSpPr txBox="1"/>
+          <p:nvPr/>
+        </p:nvSpPr>
+        <p:spPr>
+          <a:xfrm>
+            <a:off x="8385464" y="1402775"/>
+            <a:ext cx="3553690" cy="3200876"/>
+          </a:xfrm>
+          <a:prstGeom prst="rect">
+            <a:avLst/>
+          </a:prstGeom>
+          <a:noFill/>
+        </p:spPr>
+        <p:txBody>
+          <a:bodyPr wrap="square" rtlCol="0">
+            <a:spAutoFit/>
+          </a:bodyPr>
+          <a:lstStyle/>
+          <a:p>
+            <a:endParaRPr lang="en-US" b="1" dirty="0" smtClean="0">
+              <a:solidFill>
+                <a:schemeClr val="accent2">
+                  <a:lumMod val="50000"/>
+                </a:schemeClr>
+              </a:solidFill>
+            </a:endParaRPr>
+          </a:p>
+          <a:p>
+            <a:endParaRPr lang="en-US" b="1" dirty="0">
+              <a:solidFill>
+                <a:schemeClr val="accent2">
+                  <a:lumMod val="50000"/>
+                </a:schemeClr>
+              </a:solidFill>
+            </a:endParaRPr>
+          </a:p>
+          <a:p>
+            <a:r>
+              <a:rPr lang="en-US" sz="4000" dirty="0" smtClean="0">
+                <a:solidFill>
+                  <a:schemeClr val="accent2">
+                    <a:lumMod val="50000"/>
+                  </a:schemeClr>
+                </a:solidFill>
+              </a:rPr>
+              <a:t>Beaches</a:t>
+            </a:r>
+          </a:p>
+          <a:p>
+            <a:endParaRPr lang="en-US" dirty="0">
+              <a:solidFill>
+                <a:schemeClr val="accent2">
+                  <a:lumMod val="50000"/>
+                </a:schemeClr>
+              </a:solidFill>
+            </a:endParaRPr>
+          </a:p>
+          <a:p>
+            <a:r>
+              <a:rPr lang="en-US" dirty="0" smtClean="0">
+                <a:solidFill>
+                  <a:schemeClr val="accent2">
+                    <a:lumMod val="50000"/>
+                  </a:schemeClr>
+                </a:solidFill>
+              </a:rPr>
+              <a:t> </a:t>
+            </a:r>
+            <a:r>
+              <a:rPr lang="en-US" dirty="0">
+                <a:solidFill>
+                  <a:schemeClr val="accent2">
+                    <a:lumMod val="50000"/>
+                  </a:schemeClr>
+                </a:solidFill>
+              </a:rPr>
+              <a:t>The Maldives is famous for its stunning white-sand beaches and crystal-clear turquoise waters. Each resort island typically has its own beautiful beach.</a:t>
             </a:r>
           </a:p>
         </p:txBody>
@@ -7996,7 +5077,7 @@
     </p:spTree>
     <p:extLst>
       <p:ext uri="{BB962C8B-B14F-4D97-AF65-F5344CB8AC3E}">
-        <p14:creationId xmlns:p14="http://schemas.microsoft.com/office/powerpoint/2010/main" val="361883921"/>
+        <p14:creationId xmlns:p14="http://schemas.microsoft.com/office/powerpoint/2010/main" val="2578687163"/>
       </p:ext>
     </p:extLst>
   </p:cSld>
@@ -8052,300 +5133,187 @@
             <p:ph type="title"/>
           </p:nvPr>
         </p:nvSpPr>
-        <p:spPr/>
+        <p:spPr>
+          <a:xfrm>
+            <a:off x="8104901" y="1010355"/>
+            <a:ext cx="3377133" cy="2743200"/>
+          </a:xfrm>
+        </p:spPr>
         <p:txBody>
           <a:bodyPr/>
           <a:lstStyle/>
           <a:p>
             <a:r>
-              <a:rPr lang="en-US" dirty="0"/>
-              <a:t>Two Content Layout with Table</a:t>
-            </a:r>
-          </a:p>
-        </p:txBody>
-      </p:sp>
-      <p:graphicFrame>
-        <p:nvGraphicFramePr>
-          <p:cNvPr id="5" name="Content Placeholder 4"/>
-          <p:cNvGraphicFramePr>
-            <a:graphicFrameLocks noGrp="1"/>
-          </p:cNvGraphicFramePr>
-          <p:nvPr>
-            <p:ph sz="half" idx="2"/>
-            <p:extLst>
-              <p:ext uri="{D42A27DB-BD31-4B8C-83A1-F6EECF244321}">
-                <p14:modId xmlns:p14="http://schemas.microsoft.com/office/powerpoint/2010/main" val="3840688943"/>
-              </p:ext>
-            </p:extLst>
-          </p:nvPr>
-        </p:nvGraphicFramePr>
-        <p:xfrm>
-          <a:off x="6278563" y="1573213"/>
-          <a:ext cx="4572000" cy="2230160"/>
-        </p:xfrm>
-        <a:graphic>
-          <a:graphicData uri="http://schemas.openxmlformats.org/drawingml/2006/table">
-            <a:tbl>
-              <a:tblPr firstRow="1" bandRow="1">
-                <a:tableStyleId>{5DA37D80-6434-44D0-A028-1B22A696006F}</a:tableStyleId>
-              </a:tblPr>
-              <a:tblGrid>
-                <a:gridCol w="1524000">
-                  <a:extLst>
-                    <a:ext uri="{9D8B030D-6E8A-4147-A177-3AD203B41FA5}">
-                      <a16:colId xmlns:a16="http://schemas.microsoft.com/office/drawing/2014/main" xmlns="" val="20000"/>
-                    </a:ext>
-                  </a:extLst>
-                </a:gridCol>
-                <a:gridCol w="1524000">
-                  <a:extLst>
-                    <a:ext uri="{9D8B030D-6E8A-4147-A177-3AD203B41FA5}">
-                      <a16:colId xmlns:a16="http://schemas.microsoft.com/office/drawing/2014/main" xmlns="" val="20001"/>
-                    </a:ext>
-                  </a:extLst>
-                </a:gridCol>
-                <a:gridCol w="1524000">
-                  <a:extLst>
-                    <a:ext uri="{9D8B030D-6E8A-4147-A177-3AD203B41FA5}">
-                      <a16:colId xmlns:a16="http://schemas.microsoft.com/office/drawing/2014/main" xmlns="" val="20002"/>
-                    </a:ext>
-                  </a:extLst>
-                </a:gridCol>
-              </a:tblGrid>
-              <a:tr h="557540">
-                <a:tc>
-                  <a:txBody>
-                    <a:bodyPr/>
-                    <a:lstStyle/>
-                    <a:p>
-                      <a:r>
-                        <a:rPr lang="en-US" dirty="0"/>
-                        <a:t>Class</a:t>
-                      </a:r>
-                    </a:p>
-                  </a:txBody>
-                  <a:tcPr anchor="ctr"/>
-                </a:tc>
-                <a:tc>
-                  <a:txBody>
-                    <a:bodyPr/>
-                    <a:lstStyle/>
-                    <a:p>
-                      <a:pPr algn="ctr"/>
-                      <a:r>
-                        <a:rPr lang="en-US" dirty="0"/>
-                        <a:t>Group A</a:t>
-                      </a:r>
-                    </a:p>
-                  </a:txBody>
-                  <a:tcPr anchor="ctr"/>
-                </a:tc>
-                <a:tc>
-                  <a:txBody>
-                    <a:bodyPr/>
-                    <a:lstStyle/>
-                    <a:p>
-                      <a:pPr algn="ctr"/>
-                      <a:r>
-                        <a:rPr lang="en-US" dirty="0"/>
-                        <a:t>Group B</a:t>
-                      </a:r>
-                    </a:p>
-                  </a:txBody>
-                  <a:tcPr anchor="ctr"/>
-                </a:tc>
-                <a:extLst>
-                  <a:ext uri="{0D108BD9-81ED-4DB2-BD59-A6C34878D82A}">
-                    <a16:rowId xmlns:a16="http://schemas.microsoft.com/office/drawing/2014/main" xmlns="" val="10000"/>
-                  </a:ext>
-                </a:extLst>
-              </a:tr>
-              <a:tr h="557540">
-                <a:tc>
-                  <a:txBody>
-                    <a:bodyPr/>
-                    <a:lstStyle/>
-                    <a:p>
-                      <a:r>
-                        <a:rPr lang="en-US" dirty="0"/>
-                        <a:t>Class 1</a:t>
-                      </a:r>
-                    </a:p>
-                  </a:txBody>
-                  <a:tcPr anchor="ctr"/>
-                </a:tc>
-                <a:tc>
-                  <a:txBody>
-                    <a:bodyPr/>
-                    <a:lstStyle/>
-                    <a:p>
-                      <a:pPr algn="ctr"/>
-                      <a:r>
-                        <a:rPr lang="en-US" dirty="0"/>
-                        <a:t>82</a:t>
-                      </a:r>
-                    </a:p>
-                  </a:txBody>
-                  <a:tcPr anchor="ctr"/>
-                </a:tc>
-                <a:tc>
-                  <a:txBody>
-                    <a:bodyPr/>
-                    <a:lstStyle/>
-                    <a:p>
-                      <a:pPr algn="ctr"/>
-                      <a:r>
-                        <a:rPr lang="en-US" dirty="0"/>
-                        <a:t>95</a:t>
-                      </a:r>
-                    </a:p>
-                  </a:txBody>
-                  <a:tcPr anchor="ctr"/>
-                </a:tc>
-                <a:extLst>
-                  <a:ext uri="{0D108BD9-81ED-4DB2-BD59-A6C34878D82A}">
-                    <a16:rowId xmlns:a16="http://schemas.microsoft.com/office/drawing/2014/main" xmlns="" val="10001"/>
-                  </a:ext>
-                </a:extLst>
-              </a:tr>
-              <a:tr h="557540">
-                <a:tc>
-                  <a:txBody>
-                    <a:bodyPr/>
-                    <a:lstStyle/>
-                    <a:p>
-                      <a:r>
-                        <a:rPr lang="en-US" dirty="0"/>
-                        <a:t>Class 2</a:t>
-                      </a:r>
-                    </a:p>
-                  </a:txBody>
-                  <a:tcPr anchor="ctr"/>
-                </a:tc>
-                <a:tc>
-                  <a:txBody>
-                    <a:bodyPr/>
-                    <a:lstStyle/>
-                    <a:p>
-                      <a:pPr algn="ctr"/>
-                      <a:r>
-                        <a:rPr lang="en-US" dirty="0"/>
-                        <a:t>76</a:t>
-                      </a:r>
-                    </a:p>
-                  </a:txBody>
-                  <a:tcPr anchor="ctr"/>
-                </a:tc>
-                <a:tc>
-                  <a:txBody>
-                    <a:bodyPr/>
-                    <a:lstStyle/>
-                    <a:p>
-                      <a:pPr algn="ctr"/>
-                      <a:r>
-                        <a:rPr lang="en-US" dirty="0"/>
-                        <a:t>88</a:t>
-                      </a:r>
-                    </a:p>
-                  </a:txBody>
-                  <a:tcPr anchor="ctr"/>
-                </a:tc>
-                <a:extLst>
-                  <a:ext uri="{0D108BD9-81ED-4DB2-BD59-A6C34878D82A}">
-                    <a16:rowId xmlns:a16="http://schemas.microsoft.com/office/drawing/2014/main" xmlns="" val="10002"/>
-                  </a:ext>
-                </a:extLst>
-              </a:tr>
-              <a:tr h="557540">
-                <a:tc>
-                  <a:txBody>
-                    <a:bodyPr/>
-                    <a:lstStyle/>
-                    <a:p>
-                      <a:r>
-                        <a:rPr lang="en-US" dirty="0"/>
-                        <a:t>Class 3</a:t>
-                      </a:r>
-                    </a:p>
-                  </a:txBody>
-                  <a:tcPr anchor="ctr"/>
-                </a:tc>
-                <a:tc>
-                  <a:txBody>
-                    <a:bodyPr/>
-                    <a:lstStyle/>
-                    <a:p>
-                      <a:pPr algn="ctr"/>
-                      <a:r>
-                        <a:rPr lang="en-US" dirty="0"/>
-                        <a:t>84</a:t>
-                      </a:r>
-                    </a:p>
-                  </a:txBody>
-                  <a:tcPr anchor="ctr"/>
-                </a:tc>
-                <a:tc>
-                  <a:txBody>
-                    <a:bodyPr/>
-                    <a:lstStyle/>
-                    <a:p>
-                      <a:pPr algn="ctr"/>
-                      <a:r>
-                        <a:rPr lang="en-US" dirty="0"/>
-                        <a:t>90</a:t>
-                      </a:r>
-                    </a:p>
-                  </a:txBody>
-                  <a:tcPr anchor="ctr"/>
-                </a:tc>
-                <a:extLst>
-                  <a:ext uri="{0D108BD9-81ED-4DB2-BD59-A6C34878D82A}">
-                    <a16:rowId xmlns:a16="http://schemas.microsoft.com/office/drawing/2014/main" xmlns="" val="10003"/>
-                  </a:ext>
-                </a:extLst>
-              </a:tr>
-            </a:tbl>
-          </a:graphicData>
-        </a:graphic>
-      </p:graphicFrame>
-      <p:sp>
-        <p:nvSpPr>
-          <p:cNvPr id="3" name="Content Placeholder 2"/>
-          <p:cNvSpPr>
-            <a:spLocks noGrp="1"/>
-          </p:cNvSpPr>
-          <p:nvPr>
-            <p:ph sz="half" idx="1"/>
-          </p:nvPr>
-        </p:nvSpPr>
-        <p:spPr/>
+              <a:rPr lang="en-US" dirty="0" smtClean="0"/>
+              <a:t>SNORKELING</a:t>
+            </a:r>
+            <a:br>
+              <a:rPr lang="en-US" dirty="0" smtClean="0"/>
+            </a:br>
+            <a:r>
+              <a:rPr lang="en-US" dirty="0" smtClean="0"/>
+              <a:t>AND SCUBA DIVING</a:t>
+            </a:r>
+            <a:endParaRPr lang="en-US" dirty="0"/>
+          </a:p>
+        </p:txBody>
+      </p:sp>
+      <p:sp>
+        <p:nvSpPr>
+          <p:cNvPr id="4" name="Text Placeholder 3"/>
+          <p:cNvSpPr>
+            <a:spLocks noGrp="1"/>
+          </p:cNvSpPr>
+          <p:nvPr>
+            <p:ph type="body" sz="half" idx="2"/>
+          </p:nvPr>
+        </p:nvSpPr>
+        <p:spPr>
+          <a:xfrm>
+            <a:off x="8093612" y="3779882"/>
+            <a:ext cx="3377133" cy="1703696"/>
+          </a:xfrm>
+        </p:spPr>
         <p:txBody>
           <a:bodyPr/>
           <a:lstStyle/>
           <a:p>
             <a:r>
-              <a:rPr lang="en-US" dirty="0"/>
-              <a:t>First bullet point here</a:t>
-            </a:r>
-          </a:p>
-          <a:p>
-            <a:r>
-              <a:rPr lang="en-US" dirty="0"/>
-              <a:t>Second bullet point here</a:t>
-            </a:r>
-          </a:p>
-          <a:p>
-            <a:r>
-              <a:rPr lang="en-US" dirty="0"/>
-              <a:t>Third bullet point here</a:t>
-            </a:r>
+              <a:rPr lang="en-US" dirty="0" smtClean="0"/>
+              <a:t> </a:t>
+            </a:r>
+            <a:r>
+              <a:rPr lang="en-US" sz="1800" dirty="0"/>
+              <a:t>The Maldives offers some of the best snorkeling and diving experiences in the world. </a:t>
+            </a:r>
+            <a:endParaRPr lang="en-US" sz="1800" dirty="0"/>
+          </a:p>
+        </p:txBody>
+      </p:sp>
+      <p:pic>
+        <p:nvPicPr>
+          <p:cNvPr id="3074" name="Picture 2" descr="Everything You Must Know About Snorkeling in Maldives"/>
+          <p:cNvPicPr>
+            <a:picLocks noChangeAspect="1" noChangeArrowheads="1"/>
+          </p:cNvPicPr>
+          <p:nvPr/>
+        </p:nvPicPr>
+        <p:blipFill>
+          <a:blip r:embed="rId2">
+            <a:extLst>
+              <a:ext uri="{28A0092B-C50C-407E-A947-70E740481C1C}">
+                <a14:useLocalDpi xmlns:a14="http://schemas.microsoft.com/office/drawing/2010/main" val="0"/>
+              </a:ext>
+            </a:extLst>
+          </a:blip>
+          <a:srcRect/>
+          <a:stretch>
+            <a:fillRect/>
+          </a:stretch>
+        </p:blipFill>
+        <p:spPr bwMode="auto">
+          <a:xfrm>
+            <a:off x="572108" y="1522669"/>
+            <a:ext cx="7024959" cy="4323053"/>
+          </a:xfrm>
+          <a:prstGeom prst="rect">
+            <a:avLst/>
+          </a:prstGeom>
+          <a:solidFill>
+            <a:srgbClr val="FFFFFF">
+              <a:shade val="85000"/>
+            </a:srgbClr>
+          </a:solidFill>
+          <a:ln w="190500" cap="rnd">
+            <a:solidFill>
+              <a:srgbClr val="FFFFFF"/>
+            </a:solidFill>
+          </a:ln>
+          <a:effectLst>
+            <a:outerShdw blurRad="50000" algn="tl" rotWithShape="0">
+              <a:srgbClr val="000000">
+                <a:alpha val="41000"/>
+              </a:srgbClr>
+            </a:outerShdw>
+          </a:effectLst>
+          <a:scene3d>
+            <a:camera prst="orthographicFront"/>
+            <a:lightRig rig="twoPt" dir="t">
+              <a:rot lat="0" lon="0" rev="7800000"/>
+            </a:lightRig>
+          </a:scene3d>
+          <a:sp3d contourW="6350">
+            <a:bevelT w="50800" h="16510"/>
+            <a:contourClr>
+              <a:srgbClr val="C0C0C0"/>
+            </a:contourClr>
+          </a:sp3d>
+          <a:extLst>
+            <a:ext uri="{909E8E84-426E-40DD-AFC4-6F175D3DCCD1}">
+              <a14:hiddenFill xmlns:a14="http://schemas.microsoft.com/office/drawing/2010/main">
+                <a:solidFill>
+                  <a:srgbClr val="FFFFFF"/>
+                </a:solidFill>
+              </a14:hiddenFill>
+            </a:ext>
+          </a:extLst>
+        </p:spPr>
+      </p:pic>
+      <p:sp>
+        <p:nvSpPr>
+          <p:cNvPr id="8" name="Title 1"/>
+          <p:cNvSpPr txBox="1">
+            <a:spLocks/>
+          </p:cNvSpPr>
+          <p:nvPr/>
+        </p:nvSpPr>
+        <p:spPr>
+          <a:xfrm>
+            <a:off x="2951711" y="0"/>
+            <a:ext cx="6857307" cy="1083148"/>
+          </a:xfrm>
+          <a:prstGeom prst="rect">
+            <a:avLst/>
+          </a:prstGeom>
+        </p:spPr>
+        <p:txBody>
+          <a:bodyPr vert="horz" lIns="91440" tIns="45720" rIns="91440" bIns="45720" rtlCol="0" anchor="b">
+            <a:normAutofit/>
+          </a:bodyPr>
+          <a:lstStyle>
+            <a:lvl1pPr algn="l" defTabSz="914400" rtl="0" eaLnBrk="1" latinLnBrk="0" hangingPunct="1">
+              <a:lnSpc>
+                <a:spcPct val="90000"/>
+              </a:lnSpc>
+              <a:spcBef>
+                <a:spcPct val="0"/>
+              </a:spcBef>
+              <a:buNone/>
+              <a:defRPr sz="3400" b="0" kern="1200">
+                <a:solidFill>
+                  <a:schemeClr val="accent2">
+                    <a:lumMod val="50000"/>
+                  </a:schemeClr>
+                </a:solidFill>
+                <a:latin typeface="+mj-lt"/>
+                <a:ea typeface="+mj-ea"/>
+                <a:cs typeface="+mj-cs"/>
+              </a:defRPr>
+            </a:lvl1pPr>
+          </a:lstStyle>
+          <a:p>
+            <a:r>
+              <a:rPr lang="en-US" sz="4000" dirty="0" smtClean="0"/>
+              <a:t>MALDIVES ATTRACTIONS</a:t>
+            </a:r>
+            <a:endParaRPr lang="en-US" sz="4000" dirty="0"/>
           </a:p>
         </p:txBody>
       </p:sp>
     </p:spTree>
     <p:extLst>
       <p:ext uri="{BB962C8B-B14F-4D97-AF65-F5344CB8AC3E}">
-        <p14:creationId xmlns:p14="http://schemas.microsoft.com/office/powerpoint/2010/main" val="1952036268"/>
+        <p14:creationId xmlns:p14="http://schemas.microsoft.com/office/powerpoint/2010/main" val="361883921"/>
       </p:ext>
     </p:extLst>
   </p:cSld>
@@ -8393,7 +5361,153 @@
       </p:grpSpPr>
       <p:sp>
         <p:nvSpPr>
-          <p:cNvPr id="2" name="Title 1"/>
+          <p:cNvPr id="6" name="TextBox 5"/>
+          <p:cNvSpPr txBox="1"/>
+          <p:nvPr/>
+        </p:nvSpPr>
+        <p:spPr>
+          <a:xfrm>
+            <a:off x="546868" y="2405946"/>
+            <a:ext cx="3248891" cy="707886"/>
+          </a:xfrm>
+          <a:prstGeom prst="rect">
+            <a:avLst/>
+          </a:prstGeom>
+          <a:noFill/>
+        </p:spPr>
+        <p:txBody>
+          <a:bodyPr wrap="square" rtlCol="0">
+            <a:spAutoFit/>
+          </a:bodyPr>
+          <a:lstStyle/>
+          <a:p>
+            <a:r>
+              <a:rPr lang="en-US" sz="4000" dirty="0" smtClean="0">
+                <a:solidFill>
+                  <a:schemeClr val="accent2">
+                    <a:lumMod val="50000"/>
+                  </a:schemeClr>
+                </a:solidFill>
+              </a:rPr>
+              <a:t>MALE CITY</a:t>
+            </a:r>
+            <a:endParaRPr lang="en-US" sz="4000" dirty="0">
+              <a:solidFill>
+                <a:schemeClr val="accent2">
+                  <a:lumMod val="50000"/>
+                </a:schemeClr>
+              </a:solidFill>
+            </a:endParaRPr>
+          </a:p>
+        </p:txBody>
+      </p:sp>
+      <p:pic>
+        <p:nvPicPr>
+          <p:cNvPr id="4098" name="Picture 2" descr="Top 10 Sensational Facts about Maldives Glowing Beach (Vaadhoo ..."/>
+          <p:cNvPicPr>
+            <a:picLocks noChangeAspect="1" noChangeArrowheads="1"/>
+          </p:cNvPicPr>
+          <p:nvPr/>
+        </p:nvPicPr>
+        <p:blipFill>
+          <a:blip r:embed="rId2">
+            <a:extLst>
+              <a:ext uri="{28A0092B-C50C-407E-A947-70E740481C1C}">
+                <a14:useLocalDpi xmlns:a14="http://schemas.microsoft.com/office/drawing/2010/main" val="0"/>
+              </a:ext>
+            </a:extLst>
+          </a:blip>
+          <a:srcRect/>
+          <a:stretch>
+            <a:fillRect/>
+          </a:stretch>
+        </p:blipFill>
+        <p:spPr bwMode="auto">
+          <a:xfrm>
+            <a:off x="4929140" y="1740705"/>
+            <a:ext cx="6463145" cy="4279704"/>
+          </a:xfrm>
+          <a:prstGeom prst="rect">
+            <a:avLst/>
+          </a:prstGeom>
+          <a:solidFill>
+            <a:srgbClr val="FFFFFF">
+              <a:shade val="85000"/>
+            </a:srgbClr>
+          </a:solidFill>
+          <a:ln w="190500" cap="rnd">
+            <a:solidFill>
+              <a:srgbClr val="FFFFFF"/>
+            </a:solidFill>
+          </a:ln>
+          <a:effectLst>
+            <a:outerShdw blurRad="50000" algn="tl" rotWithShape="0">
+              <a:srgbClr val="000000">
+                <a:alpha val="41000"/>
+              </a:srgbClr>
+            </a:outerShdw>
+          </a:effectLst>
+          <a:scene3d>
+            <a:camera prst="orthographicFront"/>
+            <a:lightRig rig="twoPt" dir="t">
+              <a:rot lat="0" lon="0" rev="7800000"/>
+            </a:lightRig>
+          </a:scene3d>
+          <a:sp3d contourW="6350">
+            <a:bevelT w="50800" h="16510"/>
+            <a:contourClr>
+              <a:srgbClr val="C0C0C0"/>
+            </a:contourClr>
+          </a:sp3d>
+          <a:extLst>
+            <a:ext uri="{909E8E84-426E-40DD-AFC4-6F175D3DCCD1}">
+              <a14:hiddenFill xmlns:a14="http://schemas.microsoft.com/office/drawing/2010/main">
+                <a:solidFill>
+                  <a:srgbClr val="FFFFFF"/>
+                </a:solidFill>
+              </a14:hiddenFill>
+            </a:ext>
+          </a:extLst>
+        </p:spPr>
+      </p:pic>
+      <p:sp>
+        <p:nvSpPr>
+          <p:cNvPr id="8" name="TextBox 7"/>
+          <p:cNvSpPr txBox="1"/>
+          <p:nvPr/>
+        </p:nvSpPr>
+        <p:spPr>
+          <a:xfrm>
+            <a:off x="575733" y="3467100"/>
+            <a:ext cx="3781778" cy="2246769"/>
+          </a:xfrm>
+          <a:prstGeom prst="rect">
+            <a:avLst/>
+          </a:prstGeom>
+          <a:noFill/>
+        </p:spPr>
+        <p:txBody>
+          <a:bodyPr wrap="square" rtlCol="0">
+            <a:spAutoFit/>
+          </a:bodyPr>
+          <a:lstStyle/>
+          <a:p>
+            <a:r>
+              <a:rPr lang="en-US" sz="2000" dirty="0">
+                <a:solidFill>
+                  <a:schemeClr val="accent2">
+                    <a:lumMod val="50000"/>
+                  </a:schemeClr>
+                </a:solidFill>
+              </a:rPr>
+              <a:t>Male City: The capital city offers a mix of modernity and tradition. Key attractions include the Maldives National Museum, the Grand Friday Mosque, and the bustling local markets.</a:t>
+            </a:r>
+          </a:p>
+        </p:txBody>
+      </p:sp>
+      <p:sp>
+        <p:nvSpPr>
+          <p:cNvPr id="10" name="Title 1"/>
           <p:cNvSpPr>
             <a:spLocks noGrp="1"/>
           </p:cNvSpPr>
@@ -8401,81 +5515,30 @@
             <p:ph type="title"/>
           </p:nvPr>
         </p:nvSpPr>
-        <p:spPr/>
-        <p:txBody>
-          <a:bodyPr/>
+        <p:spPr>
+          <a:xfrm>
+            <a:off x="2951711" y="0"/>
+            <a:ext cx="6857307" cy="1083148"/>
+          </a:xfrm>
+        </p:spPr>
+        <p:txBody>
+          <a:bodyPr>
+            <a:normAutofit/>
+          </a:bodyPr>
           <a:lstStyle/>
           <a:p>
             <a:r>
-              <a:rPr lang="en-US" dirty="0"/>
-              <a:t>Two Content Layout with SmartArt</a:t>
-            </a:r>
-          </a:p>
-        </p:txBody>
-      </p:sp>
-      <p:graphicFrame>
-        <p:nvGraphicFramePr>
-          <p:cNvPr id="7" name="Content Placeholder 6" descr="Interconnected Rings diagram showing three groups in overlapping circles"/>
-          <p:cNvGraphicFramePr>
-            <a:graphicFrameLocks noGrp="1"/>
-          </p:cNvGraphicFramePr>
-          <p:nvPr>
-            <p:ph sz="half" idx="2"/>
-            <p:extLst>
-              <p:ext uri="{D42A27DB-BD31-4B8C-83A1-F6EECF244321}">
-                <p14:modId xmlns:p14="http://schemas.microsoft.com/office/powerpoint/2010/main" val="2656041924"/>
-              </p:ext>
-            </p:extLst>
-          </p:nvPr>
-        </p:nvGraphicFramePr>
-        <p:xfrm>
-          <a:off x="6278563" y="1573213"/>
-          <a:ext cx="4572000" cy="4141787"/>
-        </p:xfrm>
-        <a:graphic>
-          <a:graphicData uri="http://schemas.openxmlformats.org/drawingml/2006/diagram">
-            <dgm:relIds xmlns:dgm="http://schemas.openxmlformats.org/drawingml/2006/diagram" xmlns:r="http://schemas.openxmlformats.org/officeDocument/2006/relationships" r:dm="rId2" r:lo="rId3" r:qs="rId4" r:cs="rId5"/>
-          </a:graphicData>
-        </a:graphic>
-      </p:graphicFrame>
-      <p:sp>
-        <p:nvSpPr>
-          <p:cNvPr id="3" name="Content Placeholder 2"/>
-          <p:cNvSpPr>
-            <a:spLocks noGrp="1"/>
-          </p:cNvSpPr>
-          <p:nvPr>
-            <p:ph sz="half" idx="1"/>
-          </p:nvPr>
-        </p:nvSpPr>
-        <p:spPr/>
-        <p:txBody>
-          <a:bodyPr/>
-          <a:lstStyle/>
-          <a:p>
-            <a:r>
-              <a:rPr lang="en-US" dirty="0"/>
-              <a:t>First bullet point here</a:t>
-            </a:r>
-          </a:p>
-          <a:p>
-            <a:r>
-              <a:rPr lang="en-US" dirty="0"/>
-              <a:t>Second bullet point here</a:t>
-            </a:r>
-          </a:p>
-          <a:p>
-            <a:r>
-              <a:rPr lang="en-US" dirty="0"/>
-              <a:t>Third bullet point here</a:t>
-            </a:r>
+              <a:rPr lang="en-US" sz="4000" dirty="0" smtClean="0"/>
+              <a:t>MALDIVES ATTRACTIONS</a:t>
+            </a:r>
+            <a:endParaRPr lang="en-US" sz="4000" dirty="0"/>
           </a:p>
         </p:txBody>
       </p:sp>
     </p:spTree>
     <p:extLst>
       <p:ext uri="{BB962C8B-B14F-4D97-AF65-F5344CB8AC3E}">
-        <p14:creationId xmlns:p14="http://schemas.microsoft.com/office/powerpoint/2010/main" val="1441075798"/>
+        <p14:creationId xmlns:p14="http://schemas.microsoft.com/office/powerpoint/2010/main" val="1952036268"/>
       </p:ext>
     </p:extLst>
   </p:cSld>
@@ -8531,41 +5594,221 @@
             <p:ph type="title"/>
           </p:nvPr>
         </p:nvSpPr>
-        <p:spPr/>
+        <p:spPr>
+          <a:xfrm>
+            <a:off x="1332089" y="287754"/>
+            <a:ext cx="10114844" cy="1088136"/>
+          </a:xfrm>
+        </p:spPr>
+        <p:txBody>
+          <a:bodyPr>
+            <a:normAutofit fontScale="90000"/>
+          </a:bodyPr>
+          <a:lstStyle/>
+          <a:p>
+            <a:r>
+              <a:rPr lang="en-US" dirty="0" smtClean="0"/>
+              <a:t>WHY I WOULD LIKE TO TRAVEL IN MALDIVES?</a:t>
+            </a:r>
+            <a:endParaRPr lang="en-US" dirty="0"/>
+          </a:p>
+        </p:txBody>
+      </p:sp>
+      <p:sp>
+        <p:nvSpPr>
+          <p:cNvPr id="3" name="Content Placeholder 2"/>
+          <p:cNvSpPr>
+            <a:spLocks noGrp="1"/>
+          </p:cNvSpPr>
+          <p:nvPr>
+            <p:ph sz="half" idx="1"/>
+          </p:nvPr>
+        </p:nvSpPr>
+        <p:spPr>
+          <a:xfrm>
+            <a:off x="1058897" y="1482457"/>
+            <a:ext cx="9089813" cy="4142232"/>
+          </a:xfrm>
+        </p:spPr>
         <p:txBody>
           <a:bodyPr/>
           <a:lstStyle/>
           <a:p>
             <a:r>
+              <a:rPr lang="en-US" b="1" dirty="0"/>
+              <a:t>Stunning </a:t>
+            </a:r>
+            <a:r>
+              <a:rPr lang="en-US" b="1" dirty="0" smtClean="0"/>
+              <a:t>Beaches </a:t>
+            </a:r>
+            <a:r>
+              <a:rPr lang="en-US" dirty="0" smtClean="0"/>
+              <a:t>: </a:t>
+            </a:r>
+            <a:r>
               <a:rPr lang="en-US" dirty="0"/>
-              <a:t>Add a Slide Title - 1</a:t>
-            </a:r>
-          </a:p>
-        </p:txBody>
-      </p:sp>
-      <p:sp>
-        <p:nvSpPr>
-          <p:cNvPr id="4" name="Text Placeholder 3"/>
-          <p:cNvSpPr>
-            <a:spLocks noGrp="1"/>
-          </p:cNvSpPr>
-          <p:nvPr>
-            <p:ph type="body" idx="1"/>
-          </p:nvPr>
-        </p:nvSpPr>
-        <p:spPr/>
-        <p:txBody>
-          <a:bodyPr/>
-          <a:lstStyle/>
-          <a:p>
-            <a:endParaRPr lang="en-US"/>
-          </a:p>
-        </p:txBody>
-      </p:sp>
+              <a:t>The Maldives is renowned for its pristine white-sand beaches and crystal-clear turquoise waters. It’s the perfect place to relax and soak </a:t>
+            </a:r>
+            <a:r>
+              <a:rPr lang="en-US" dirty="0" smtClean="0"/>
+              <a:t>up.</a:t>
+            </a:r>
+            <a:endParaRPr lang="en-US" dirty="0"/>
+          </a:p>
+          <a:p>
+            <a:pPr marL="45720" indent="0">
+              <a:buNone/>
+            </a:pPr>
+            <a:endParaRPr lang="en-US" dirty="0"/>
+          </a:p>
+        </p:txBody>
+      </p:sp>
+      <p:pic>
+        <p:nvPicPr>
+          <p:cNvPr id="5122" name="Picture 2" descr="Best beaches in Maldives - Lonely Planet"/>
+          <p:cNvPicPr>
+            <a:picLocks noChangeAspect="1" noChangeArrowheads="1"/>
+          </p:cNvPicPr>
+          <p:nvPr/>
+        </p:nvPicPr>
+        <p:blipFill>
+          <a:blip r:embed="rId2">
+            <a:extLst>
+              <a:ext uri="{28A0092B-C50C-407E-A947-70E740481C1C}">
+                <a14:useLocalDpi xmlns:a14="http://schemas.microsoft.com/office/drawing/2010/main" val="0"/>
+              </a:ext>
+            </a:extLst>
+          </a:blip>
+          <a:srcRect/>
+          <a:stretch>
+            <a:fillRect/>
+          </a:stretch>
+        </p:blipFill>
+        <p:spPr bwMode="auto">
+          <a:xfrm>
+            <a:off x="1431312" y="2705334"/>
+            <a:ext cx="4992067" cy="3328045"/>
+          </a:xfrm>
+          <a:prstGeom prst="rect">
+            <a:avLst/>
+          </a:prstGeom>
+          <a:solidFill>
+            <a:srgbClr val="FFFFFF">
+              <a:shade val="85000"/>
+            </a:srgbClr>
+          </a:solidFill>
+          <a:ln w="190500" cap="rnd">
+            <a:solidFill>
+              <a:srgbClr val="FFFFFF"/>
+            </a:solidFill>
+          </a:ln>
+          <a:effectLst>
+            <a:outerShdw blurRad="50000" algn="tl" rotWithShape="0">
+              <a:srgbClr val="000000">
+                <a:alpha val="41000"/>
+              </a:srgbClr>
+            </a:outerShdw>
+          </a:effectLst>
+          <a:scene3d>
+            <a:camera prst="orthographicFront"/>
+            <a:lightRig rig="twoPt" dir="t">
+              <a:rot lat="0" lon="0" rev="7800000"/>
+            </a:lightRig>
+          </a:scene3d>
+          <a:sp3d contourW="6350">
+            <a:bevelT w="50800" h="16510"/>
+            <a:contourClr>
+              <a:srgbClr val="C0C0C0"/>
+            </a:contourClr>
+          </a:sp3d>
+          <a:extLst>
+            <a:ext uri="{909E8E84-426E-40DD-AFC4-6F175D3DCCD1}">
+              <a14:hiddenFill xmlns:a14="http://schemas.microsoft.com/office/drawing/2010/main">
+                <a:solidFill>
+                  <a:srgbClr val="FFFFFF"/>
+                </a:solidFill>
+              </a14:hiddenFill>
+            </a:ext>
+          </a:extLst>
+        </p:spPr>
+      </p:pic>
+      <p:pic>
+        <p:nvPicPr>
+          <p:cNvPr id="5124" name="Picture 4" descr="Resorts in the Maldives for an Unforgettable Island Vacation"/>
+          <p:cNvPicPr>
+            <a:picLocks noChangeAspect="1" noChangeArrowheads="1"/>
+          </p:cNvPicPr>
+          <p:nvPr/>
+        </p:nvPicPr>
+        <p:blipFill>
+          <a:blip r:embed="rId3">
+            <a:extLst>
+              <a:ext uri="{28A0092B-C50C-407E-A947-70E740481C1C}">
+                <a14:useLocalDpi xmlns:a14="http://schemas.microsoft.com/office/drawing/2010/main" val="0"/>
+              </a:ext>
+            </a:extLst>
+          </a:blip>
+          <a:srcRect/>
+          <a:stretch>
+            <a:fillRect/>
+          </a:stretch>
+        </p:blipFill>
+        <p:spPr bwMode="auto">
+          <a:xfrm>
+            <a:off x="6556375" y="2472619"/>
+            <a:ext cx="5152266" cy="3431470"/>
+          </a:xfrm>
+          <a:prstGeom prst="rect">
+            <a:avLst/>
+          </a:prstGeom>
+          <a:solidFill>
+            <a:srgbClr val="FFFFFF">
+              <a:shade val="85000"/>
+            </a:srgbClr>
+          </a:solidFill>
+          <a:ln w="190500" cap="sq">
+            <a:solidFill>
+              <a:srgbClr val="FFFFFF"/>
+            </a:solidFill>
+            <a:miter lim="800000"/>
+          </a:ln>
+          <a:effectLst>
+            <a:outerShdw blurRad="65000" dist="50800" dir="12900000" kx="195000" ky="145000" algn="tl" rotWithShape="0">
+              <a:srgbClr val="000000">
+                <a:alpha val="30000"/>
+              </a:srgbClr>
+            </a:outerShdw>
+          </a:effectLst>
+          <a:scene3d>
+            <a:camera prst="orthographicFront">
+              <a:rot lat="0" lon="0" rev="360000"/>
+            </a:camera>
+            <a:lightRig rig="twoPt" dir="t">
+              <a:rot lat="0" lon="0" rev="7200000"/>
+            </a:lightRig>
+          </a:scene3d>
+          <a:sp3d contourW="12700">
+            <a:bevelT w="25400" h="19050"/>
+            <a:contourClr>
+              <a:srgbClr val="969696"/>
+            </a:contourClr>
+          </a:sp3d>
+          <a:extLst>
+            <a:ext uri="{909E8E84-426E-40DD-AFC4-6F175D3DCCD1}">
+              <a14:hiddenFill xmlns:a14="http://schemas.microsoft.com/office/drawing/2010/main">
+                <a:solidFill>
+                  <a:srgbClr val="FFFFFF"/>
+                </a:solidFill>
+              </a14:hiddenFill>
+            </a:ext>
+          </a:extLst>
+        </p:spPr>
+      </p:pic>
     </p:spTree>
     <p:extLst>
       <p:ext uri="{BB962C8B-B14F-4D97-AF65-F5344CB8AC3E}">
-        <p14:creationId xmlns:p14="http://schemas.microsoft.com/office/powerpoint/2010/main" val="2255057593"/>
+        <p14:creationId xmlns:p14="http://schemas.microsoft.com/office/powerpoint/2010/main" val="1441075798"/>
       </p:ext>
     </p:extLst>
   </p:cSld>
@@ -8613,7 +5856,7 @@
       </p:grpSpPr>
       <p:sp>
         <p:nvSpPr>
-          <p:cNvPr id="6" name="Title 5"/>
+          <p:cNvPr id="2" name="Title 1"/>
           <p:cNvSpPr>
             <a:spLocks noGrp="1"/>
           </p:cNvSpPr>
@@ -8621,111 +5864,217 @@
             <p:ph type="title"/>
           </p:nvPr>
         </p:nvSpPr>
-        <p:spPr/>
+        <p:spPr>
+          <a:xfrm>
+            <a:off x="1047610" y="265175"/>
+            <a:ext cx="10263857" cy="1088136"/>
+          </a:xfrm>
+        </p:spPr>
+        <p:txBody>
+          <a:bodyPr>
+            <a:normAutofit fontScale="90000"/>
+          </a:bodyPr>
+          <a:lstStyle/>
+          <a:p>
+            <a:r>
+              <a:rPr lang="en-US" dirty="0"/>
+              <a:t>WHY I WOULD LIKE TO TRAVEL IN MALDIVES?</a:t>
+            </a:r>
+          </a:p>
+        </p:txBody>
+      </p:sp>
+      <p:sp>
+        <p:nvSpPr>
+          <p:cNvPr id="4" name="Content Placeholder 3"/>
+          <p:cNvSpPr>
+            <a:spLocks noGrp="1"/>
+          </p:cNvSpPr>
+          <p:nvPr>
+            <p:ph sz="half" idx="1"/>
+          </p:nvPr>
+        </p:nvSpPr>
+        <p:spPr>
+          <a:xfrm>
+            <a:off x="1115343" y="1403434"/>
+            <a:ext cx="10320302" cy="1894332"/>
+          </a:xfrm>
+        </p:spPr>
         <p:txBody>
           <a:bodyPr/>
           <a:lstStyle/>
           <a:p>
             <a:r>
+              <a:rPr lang="en-US" b="1" dirty="0"/>
+              <a:t>Incredible Marine Life </a:t>
+            </a:r>
+            <a:r>
               <a:rPr lang="en-US" dirty="0"/>
-              <a:t>Add a Slide Title - 2</a:t>
-            </a:r>
-          </a:p>
-        </p:txBody>
-      </p:sp>
-      <p:sp>
-        <p:nvSpPr>
-          <p:cNvPr id="7" name="Text Placeholder 6"/>
-          <p:cNvSpPr>
-            <a:spLocks noGrp="1"/>
-          </p:cNvSpPr>
-          <p:nvPr>
-            <p:ph type="body" idx="1"/>
-          </p:nvPr>
-        </p:nvSpPr>
-        <p:spPr/>
-        <p:txBody>
-          <a:bodyPr/>
-          <a:lstStyle/>
-          <a:p>
-            <a:endParaRPr lang="en-US"/>
-          </a:p>
-        </p:txBody>
-      </p:sp>
-      <p:sp>
-        <p:nvSpPr>
-          <p:cNvPr id="8" name="Content Placeholder 7"/>
-          <p:cNvSpPr>
-            <a:spLocks noGrp="1"/>
-          </p:cNvSpPr>
-          <p:nvPr>
-            <p:ph sz="half" idx="2"/>
-          </p:nvPr>
-        </p:nvSpPr>
-        <p:spPr/>
-        <p:txBody>
-          <a:bodyPr/>
-          <a:lstStyle/>
+              <a:t>: The Maldives offers some of the best snorkeling and diving experiences in the world. You can swim with vibrant coral reefs, manta rays, and even whale sharks</a:t>
+            </a:r>
+          </a:p>
           <a:p>
             <a:endParaRPr lang="en-US" dirty="0"/>
           </a:p>
         </p:txBody>
       </p:sp>
-      <p:sp>
-        <p:nvSpPr>
-          <p:cNvPr id="9" name="Text Placeholder 8"/>
-          <p:cNvSpPr>
-            <a:spLocks noGrp="1"/>
-          </p:cNvSpPr>
-          <p:nvPr>
-            <p:ph type="body" sz="quarter" idx="3"/>
-          </p:nvPr>
-        </p:nvSpPr>
-        <p:spPr/>
-        <p:txBody>
-          <a:bodyPr/>
-          <a:lstStyle/>
-          <a:p>
-            <a:endParaRPr lang="en-US"/>
-          </a:p>
-        </p:txBody>
-      </p:sp>
-      <p:sp>
-        <p:nvSpPr>
-          <p:cNvPr id="10" name="Content Placeholder 9"/>
-          <p:cNvSpPr>
-            <a:spLocks noGrp="1"/>
-          </p:cNvSpPr>
-          <p:nvPr>
-            <p:ph sz="quarter" idx="4"/>
-          </p:nvPr>
-        </p:nvSpPr>
-        <p:spPr/>
-        <p:txBody>
-          <a:bodyPr/>
-          <a:lstStyle/>
-          <a:p>
-            <a:endParaRPr lang="en-US"/>
-          </a:p>
-        </p:txBody>
-      </p:sp>
+      <p:pic>
+        <p:nvPicPr>
+          <p:cNvPr id="6146" name="Picture 2" descr="The Maldives underwater world Photo Essay | Magic of the Maldives | BBC ..."/>
+          <p:cNvPicPr>
+            <a:picLocks noChangeAspect="1" noChangeArrowheads="1"/>
+          </p:cNvPicPr>
+          <p:nvPr/>
+        </p:nvPicPr>
+        <p:blipFill>
+          <a:blip r:embed="rId2">
+            <a:extLst>
+              <a:ext uri="{28A0092B-C50C-407E-A947-70E740481C1C}">
+                <a14:useLocalDpi xmlns:a14="http://schemas.microsoft.com/office/drawing/2010/main" val="0"/>
+              </a:ext>
+            </a:extLst>
+          </a:blip>
+          <a:srcRect/>
+          <a:stretch>
+            <a:fillRect/>
+          </a:stretch>
+        </p:blipFill>
+        <p:spPr bwMode="auto">
+          <a:xfrm>
+            <a:off x="1349963" y="2837216"/>
+            <a:ext cx="4890282" cy="2750784"/>
+          </a:xfrm>
+          <a:prstGeom prst="rect">
+            <a:avLst/>
+          </a:prstGeom>
+          <a:solidFill>
+            <a:srgbClr val="FFFFFF">
+              <a:shade val="85000"/>
+            </a:srgbClr>
+          </a:solidFill>
+          <a:ln w="190500" cap="sq">
+            <a:solidFill>
+              <a:srgbClr val="FFFFFF"/>
+            </a:solidFill>
+            <a:miter lim="800000"/>
+          </a:ln>
+          <a:effectLst>
+            <a:outerShdw blurRad="65000" dist="50800" dir="12900000" kx="195000" ky="145000" algn="tl" rotWithShape="0">
+              <a:srgbClr val="000000">
+                <a:alpha val="30000"/>
+              </a:srgbClr>
+            </a:outerShdw>
+          </a:effectLst>
+          <a:scene3d>
+            <a:camera prst="orthographicFront">
+              <a:rot lat="0" lon="0" rev="360000"/>
+            </a:camera>
+            <a:lightRig rig="twoPt" dir="t">
+              <a:rot lat="0" lon="0" rev="7200000"/>
+            </a:lightRig>
+          </a:scene3d>
+          <a:sp3d contourW="12700">
+            <a:bevelT w="25400" h="19050"/>
+            <a:contourClr>
+              <a:srgbClr val="969696"/>
+            </a:contourClr>
+          </a:sp3d>
+          <a:extLst>
+            <a:ext uri="{909E8E84-426E-40DD-AFC4-6F175D3DCCD1}">
+              <a14:hiddenFill xmlns:a14="http://schemas.microsoft.com/office/drawing/2010/main">
+                <a:solidFill>
+                  <a:srgbClr val="FFFFFF"/>
+                </a:solidFill>
+              </a14:hiddenFill>
+            </a:ext>
+          </a:extLst>
+        </p:spPr>
+      </p:pic>
+      <p:pic>
+        <p:nvPicPr>
+          <p:cNvPr id="6150" name="Picture 6" descr="Snorkelling &amp; Scuba diving In Maldives With Whale Shark Special Trip ..."/>
+          <p:cNvPicPr>
+            <a:picLocks noChangeAspect="1" noChangeArrowheads="1"/>
+          </p:cNvPicPr>
+          <p:nvPr/>
+        </p:nvPicPr>
+        <p:blipFill>
+          <a:blip r:embed="rId3">
+            <a:extLst>
+              <a:ext uri="{28A0092B-C50C-407E-A947-70E740481C1C}">
+                <a14:useLocalDpi xmlns:a14="http://schemas.microsoft.com/office/drawing/2010/main" val="0"/>
+              </a:ext>
+            </a:extLst>
+          </a:blip>
+          <a:srcRect/>
+          <a:stretch>
+            <a:fillRect/>
+          </a:stretch>
+        </p:blipFill>
+        <p:spPr bwMode="auto">
+          <a:xfrm>
+            <a:off x="5866432" y="2783947"/>
+            <a:ext cx="4909070" cy="2758898"/>
+          </a:xfrm>
+          <a:prstGeom prst="rect">
+            <a:avLst/>
+          </a:prstGeom>
+          <a:solidFill>
+            <a:srgbClr val="FFFFFF">
+              <a:shade val="85000"/>
+            </a:srgbClr>
+          </a:solidFill>
+          <a:ln w="190500" cap="rnd">
+            <a:solidFill>
+              <a:srgbClr val="FFFFFF"/>
+            </a:solidFill>
+          </a:ln>
+          <a:effectLst>
+            <a:outerShdw blurRad="50000" algn="tl" rotWithShape="0">
+              <a:srgbClr val="000000">
+                <a:alpha val="41000"/>
+              </a:srgbClr>
+            </a:outerShdw>
+          </a:effectLst>
+          <a:scene3d>
+            <a:camera prst="orthographicFront"/>
+            <a:lightRig rig="twoPt" dir="t">
+              <a:rot lat="0" lon="0" rev="7800000"/>
+            </a:lightRig>
+          </a:scene3d>
+          <a:sp3d contourW="6350">
+            <a:bevelT w="50800" h="16510"/>
+            <a:contourClr>
+              <a:srgbClr val="C0C0C0"/>
+            </a:contourClr>
+          </a:sp3d>
+          <a:extLst>
+            <a:ext uri="{909E8E84-426E-40DD-AFC4-6F175D3DCCD1}">
+              <a14:hiddenFill xmlns:a14="http://schemas.microsoft.com/office/drawing/2010/main">
+                <a:solidFill>
+                  <a:srgbClr val="FFFFFF"/>
+                </a:solidFill>
+              </a14:hiddenFill>
+            </a:ext>
+          </a:extLst>
+        </p:spPr>
+      </p:pic>
     </p:spTree>
     <p:extLst>
       <p:ext uri="{BB962C8B-B14F-4D97-AF65-F5344CB8AC3E}">
-        <p14:creationId xmlns:p14="http://schemas.microsoft.com/office/powerpoint/2010/main" val="212726890"/>
+        <p14:creationId xmlns:p14="http://schemas.microsoft.com/office/powerpoint/2010/main" val="1688206008"/>
       </p:ext>
     </p:extLst>
   </p:cSld>
   <p:clrMapOvr>
     <a:masterClrMapping/>
   </p:clrMapOvr>
-  <mc:AlternateContent xmlns:mc="http://schemas.openxmlformats.org/markup-compatibility/2006" xmlns:p14="http://schemas.microsoft.com/office/powerpoint/2010/main">
-    <mc:Choice Requires="p14">
+  <mc:AlternateContent xmlns:mc="http://schemas.openxmlformats.org/markup-compatibility/2006">
+    <mc:Choice xmlns:p14="http://schemas.microsoft.com/office/powerpoint/2010/main" Requires="p14">
       <p:transition spd="med" p14:dur="700">
         <p:fade/>
       </p:transition>
     </mc:Choice>
-    <mc:Fallback xmlns="">
+    <mc:Fallback>
       <p:transition spd="med">
         <p:fade/>
       </p:transition>
@@ -8774,16 +6123,36 @@
           <a:lstStyle/>
           <a:p>
             <a:r>
-              <a:rPr lang="en-US" dirty="0"/>
-              <a:t>Add a Slide Title - 3</a:t>
-            </a:r>
+              <a:rPr lang="en-US" dirty="0" smtClean="0"/>
+              <a:t>THANK YOU!</a:t>
+            </a:r>
+            <a:endParaRPr lang="en-US" dirty="0"/>
+          </a:p>
+        </p:txBody>
+      </p:sp>
+      <p:sp>
+        <p:nvSpPr>
+          <p:cNvPr id="4" name="Text Placeholder 3"/>
+          <p:cNvSpPr>
+            <a:spLocks noGrp="1"/>
+          </p:cNvSpPr>
+          <p:nvPr>
+            <p:ph type="body" idx="1"/>
+          </p:nvPr>
+        </p:nvSpPr>
+        <p:spPr/>
+        <p:txBody>
+          <a:bodyPr/>
+          <a:lstStyle/>
+          <a:p>
+            <a:endParaRPr lang="en-US" dirty="0"/>
           </a:p>
         </p:txBody>
       </p:sp>
     </p:spTree>
     <p:extLst>
       <p:ext uri="{BB962C8B-B14F-4D97-AF65-F5344CB8AC3E}">
-        <p14:creationId xmlns:p14="http://schemas.microsoft.com/office/powerpoint/2010/main" val="1689357796"/>
+        <p14:creationId xmlns:p14="http://schemas.microsoft.com/office/powerpoint/2010/main" val="2255057593"/>
       </p:ext>
     </p:extLst>
   </p:cSld>
